--- a/_posts/数字IC设计基础/数字IC设计基础.pptx
+++ b/_posts/数字IC设计基础/数字IC设计基础.pptx
@@ -10,6 +10,7 @@
     <p:sldId id="258" r:id="rId4"/>
     <p:sldId id="259" r:id="rId5"/>
     <p:sldId id="260" r:id="rId6"/>
+    <p:sldId id="261" r:id="rId7"/>
   </p:sldIdLst>
   <p:sldSz cx="9144000" cy="6858000" type="screen4x3"/>
   <p:notesSz cx="6858000" cy="9144000"/>
@@ -247,7 +248,7 @@
           <a:p>
             <a:fld id="{2ED2ECD0-3590-4724-B42F-4E4CFF5CAAD1}" type="datetimeFigureOut">
               <a:rPr lang="zh-CN" altLang="en-US" smtClean="0"/>
-              <a:t>2020/2/21</a:t>
+              <a:t>2020/2/29</a:t>
             </a:fld>
             <a:endParaRPr lang="zh-CN" altLang="en-US"/>
           </a:p>
@@ -417,7 +418,7 @@
           <a:p>
             <a:fld id="{2ED2ECD0-3590-4724-B42F-4E4CFF5CAAD1}" type="datetimeFigureOut">
               <a:rPr lang="zh-CN" altLang="en-US" smtClean="0"/>
-              <a:t>2020/2/21</a:t>
+              <a:t>2020/2/29</a:t>
             </a:fld>
             <a:endParaRPr lang="zh-CN" altLang="en-US"/>
           </a:p>
@@ -597,7 +598,7 @@
           <a:p>
             <a:fld id="{2ED2ECD0-3590-4724-B42F-4E4CFF5CAAD1}" type="datetimeFigureOut">
               <a:rPr lang="zh-CN" altLang="en-US" smtClean="0"/>
-              <a:t>2020/2/21</a:t>
+              <a:t>2020/2/29</a:t>
             </a:fld>
             <a:endParaRPr lang="zh-CN" altLang="en-US"/>
           </a:p>
@@ -767,7 +768,7 @@
           <a:p>
             <a:fld id="{2ED2ECD0-3590-4724-B42F-4E4CFF5CAAD1}" type="datetimeFigureOut">
               <a:rPr lang="zh-CN" altLang="en-US" smtClean="0"/>
-              <a:t>2020/2/21</a:t>
+              <a:t>2020/2/29</a:t>
             </a:fld>
             <a:endParaRPr lang="zh-CN" altLang="en-US"/>
           </a:p>
@@ -1011,7 +1012,7 @@
           <a:p>
             <a:fld id="{2ED2ECD0-3590-4724-B42F-4E4CFF5CAAD1}" type="datetimeFigureOut">
               <a:rPr lang="zh-CN" altLang="en-US" smtClean="0"/>
-              <a:t>2020/2/21</a:t>
+              <a:t>2020/2/29</a:t>
             </a:fld>
             <a:endParaRPr lang="zh-CN" altLang="en-US"/>
           </a:p>
@@ -1243,7 +1244,7 @@
           <a:p>
             <a:fld id="{2ED2ECD0-3590-4724-B42F-4E4CFF5CAAD1}" type="datetimeFigureOut">
               <a:rPr lang="zh-CN" altLang="en-US" smtClean="0"/>
-              <a:t>2020/2/21</a:t>
+              <a:t>2020/2/29</a:t>
             </a:fld>
             <a:endParaRPr lang="zh-CN" altLang="en-US"/>
           </a:p>
@@ -1610,7 +1611,7 @@
           <a:p>
             <a:fld id="{2ED2ECD0-3590-4724-B42F-4E4CFF5CAAD1}" type="datetimeFigureOut">
               <a:rPr lang="zh-CN" altLang="en-US" smtClean="0"/>
-              <a:t>2020/2/21</a:t>
+              <a:t>2020/2/29</a:t>
             </a:fld>
             <a:endParaRPr lang="zh-CN" altLang="en-US"/>
           </a:p>
@@ -1728,7 +1729,7 @@
           <a:p>
             <a:fld id="{2ED2ECD0-3590-4724-B42F-4E4CFF5CAAD1}" type="datetimeFigureOut">
               <a:rPr lang="zh-CN" altLang="en-US" smtClean="0"/>
-              <a:t>2020/2/21</a:t>
+              <a:t>2020/2/29</a:t>
             </a:fld>
             <a:endParaRPr lang="zh-CN" altLang="en-US"/>
           </a:p>
@@ -1823,7 +1824,7 @@
           <a:p>
             <a:fld id="{2ED2ECD0-3590-4724-B42F-4E4CFF5CAAD1}" type="datetimeFigureOut">
               <a:rPr lang="zh-CN" altLang="en-US" smtClean="0"/>
-              <a:t>2020/2/21</a:t>
+              <a:t>2020/2/29</a:t>
             </a:fld>
             <a:endParaRPr lang="zh-CN" altLang="en-US"/>
           </a:p>
@@ -2100,7 +2101,7 @@
           <a:p>
             <a:fld id="{2ED2ECD0-3590-4724-B42F-4E4CFF5CAAD1}" type="datetimeFigureOut">
               <a:rPr lang="zh-CN" altLang="en-US" smtClean="0"/>
-              <a:t>2020/2/21</a:t>
+              <a:t>2020/2/29</a:t>
             </a:fld>
             <a:endParaRPr lang="zh-CN" altLang="en-US"/>
           </a:p>
@@ -2357,7 +2358,7 @@
           <a:p>
             <a:fld id="{2ED2ECD0-3590-4724-B42F-4E4CFF5CAAD1}" type="datetimeFigureOut">
               <a:rPr lang="zh-CN" altLang="en-US" smtClean="0"/>
-              <a:t>2020/2/21</a:t>
+              <a:t>2020/2/29</a:t>
             </a:fld>
             <a:endParaRPr lang="zh-CN" altLang="en-US"/>
           </a:p>
@@ -2570,7 +2571,7 @@
           <a:p>
             <a:fld id="{2ED2ECD0-3590-4724-B42F-4E4CFF5CAAD1}" type="datetimeFigureOut">
               <a:rPr lang="zh-CN" altLang="en-US" smtClean="0"/>
-              <a:t>2020/2/21</a:t>
+              <a:t>2020/2/29</a:t>
             </a:fld>
             <a:endParaRPr lang="zh-CN" altLang="en-US"/>
           </a:p>
@@ -5503,45 +5504,7 @@
         </p:nvCxnSpPr>
         <p:spPr>
           <a:xfrm flipH="1">
-            <a:off x="2640986" y="4184473"/>
-            <a:ext cx="197739" cy="0"/>
-          </a:xfrm>
-          <a:prstGeom prst="line">
-            <a:avLst/>
-          </a:prstGeom>
-        </p:spPr>
-        <p:style>
-          <a:lnRef idx="2">
-            <a:schemeClr val="accent1"/>
-          </a:lnRef>
-          <a:fillRef idx="0">
-            <a:schemeClr val="accent1"/>
-          </a:fillRef>
-          <a:effectRef idx="1">
-            <a:schemeClr val="accent1"/>
-          </a:effectRef>
-          <a:fontRef idx="minor">
-            <a:schemeClr val="tx1"/>
-          </a:fontRef>
-        </p:style>
-      </p:cxnSp>
-      <p:cxnSp>
-        <p:nvCxnSpPr>
-          <p:cNvPr id="40" name="直接连接符 39">
-            <a:extLst>
-              <a:ext uri="{FF2B5EF4-FFF2-40B4-BE49-F238E27FC236}">
-                <a16:creationId xmlns:a16="http://schemas.microsoft.com/office/drawing/2014/main" id="{01131ECA-82FB-4183-A725-DD50DCB0C53A}"/>
-              </a:ext>
-            </a:extLst>
-          </p:cNvPr>
-          <p:cNvCxnSpPr>
-            <a:cxnSpLocks/>
-          </p:cNvCxnSpPr>
-          <p:nvPr/>
-        </p:nvCxnSpPr>
-        <p:spPr>
-          <a:xfrm flipH="1">
-            <a:off x="2640986" y="4451173"/>
+            <a:off x="2638663" y="4325864"/>
             <a:ext cx="197739" cy="0"/>
           </a:xfrm>
           <a:prstGeom prst="line">
@@ -8359,7 +8322,7 @@
         </p:nvCxnSpPr>
         <p:spPr>
           <a:xfrm>
-            <a:off x="2545555" y="3031330"/>
+            <a:off x="3390105" y="1512092"/>
             <a:ext cx="0" cy="209551"/>
           </a:xfrm>
           <a:prstGeom prst="line">
@@ -8382,45 +8345,6 @@
           </a:fontRef>
         </p:style>
       </p:cxnSp>
-      <p:cxnSp>
-        <p:nvCxnSpPr>
-          <p:cNvPr id="7" name="直接连接符 6">
-            <a:extLst>
-              <a:ext uri="{FF2B5EF4-FFF2-40B4-BE49-F238E27FC236}">
-                <a16:creationId xmlns:a16="http://schemas.microsoft.com/office/drawing/2014/main" id="{A5A81E1F-C4B0-4D18-9952-86483F9EA4B0}"/>
-              </a:ext>
-            </a:extLst>
-          </p:cNvPr>
-          <p:cNvCxnSpPr>
-            <a:cxnSpLocks/>
-          </p:cNvCxnSpPr>
-          <p:nvPr/>
-        </p:nvCxnSpPr>
-        <p:spPr>
-          <a:xfrm>
-            <a:off x="3445668" y="3530201"/>
-            <a:ext cx="0" cy="438150"/>
-          </a:xfrm>
-          <a:prstGeom prst="line">
-            <a:avLst/>
-          </a:prstGeom>
-          <a:ln w="57150"/>
-        </p:spPr>
-        <p:style>
-          <a:lnRef idx="1">
-            <a:schemeClr val="accent1"/>
-          </a:lnRef>
-          <a:fillRef idx="0">
-            <a:schemeClr val="accent1"/>
-          </a:fillRef>
-          <a:effectRef idx="0">
-            <a:schemeClr val="accent1"/>
-          </a:effectRef>
-          <a:fontRef idx="minor">
-            <a:schemeClr val="tx1"/>
-          </a:fontRef>
-        </p:style>
-      </p:cxnSp>
       <p:sp>
         <p:nvSpPr>
           <p:cNvPr id="10" name="等腰三角形 9">
@@ -8435,7 +8359,7 @@
         </p:nvSpPr>
         <p:spPr>
           <a:xfrm rot="5400000">
-            <a:off x="2697955" y="3314699"/>
+            <a:off x="3542505" y="1795461"/>
             <a:ext cx="61908" cy="159545"/>
           </a:xfrm>
           <a:prstGeom prst="triangle">
@@ -8483,7 +8407,7 @@
         </p:nvCxnSpPr>
         <p:spPr>
           <a:xfrm>
-            <a:off x="1988344" y="3094434"/>
+            <a:off x="4702174" y="1574405"/>
             <a:ext cx="0" cy="600074"/>
           </a:xfrm>
           <a:prstGeom prst="line">
@@ -8522,7 +8446,7 @@
         </p:nvCxnSpPr>
         <p:spPr>
           <a:xfrm>
-            <a:off x="2147887" y="3031330"/>
+            <a:off x="4861717" y="1511301"/>
             <a:ext cx="0" cy="726283"/>
           </a:xfrm>
           <a:prstGeom prst="line">
@@ -8561,7 +8485,7 @@
         </p:nvCxnSpPr>
         <p:spPr>
           <a:xfrm>
-            <a:off x="2386012" y="3094434"/>
+            <a:off x="3230562" y="1575196"/>
             <a:ext cx="0" cy="600074"/>
           </a:xfrm>
           <a:prstGeom prst="line">
@@ -8600,7 +8524,7 @@
         </p:nvCxnSpPr>
         <p:spPr>
           <a:xfrm>
-            <a:off x="2545555" y="3548062"/>
+            <a:off x="3390105" y="2028824"/>
             <a:ext cx="0" cy="209551"/>
           </a:xfrm>
           <a:prstGeom prst="line">
@@ -8639,7 +8563,7 @@
         </p:nvCxnSpPr>
         <p:spPr>
           <a:xfrm>
-            <a:off x="2545555" y="3289696"/>
+            <a:off x="3390105" y="1770458"/>
             <a:ext cx="0" cy="209551"/>
           </a:xfrm>
           <a:prstGeom prst="line">
@@ -8679,7 +8603,7 @@
         </p:nvCxnSpPr>
         <p:spPr>
           <a:xfrm>
-            <a:off x="2537818" y="3394471"/>
+            <a:off x="3382368" y="1875233"/>
             <a:ext cx="111319" cy="1"/>
           </a:xfrm>
           <a:prstGeom prst="line">
@@ -8718,7 +8642,7 @@
         </p:nvCxnSpPr>
         <p:spPr>
           <a:xfrm>
-            <a:off x="2566396" y="3136105"/>
+            <a:off x="3410946" y="1616867"/>
             <a:ext cx="274435" cy="0"/>
           </a:xfrm>
           <a:prstGeom prst="line">
@@ -8757,7 +8681,7 @@
         </p:nvCxnSpPr>
         <p:spPr>
           <a:xfrm flipV="1">
-            <a:off x="2840832" y="2969419"/>
+            <a:off x="3685382" y="1450181"/>
             <a:ext cx="0" cy="425052"/>
           </a:xfrm>
           <a:prstGeom prst="line">
@@ -8796,7 +8720,7 @@
         </p:nvCxnSpPr>
         <p:spPr>
           <a:xfrm>
-            <a:off x="2566396" y="3652837"/>
+            <a:off x="3410946" y="2133599"/>
             <a:ext cx="274435" cy="0"/>
           </a:xfrm>
           <a:prstGeom prst="line">
@@ -8835,7 +8759,7 @@
         </p:nvCxnSpPr>
         <p:spPr>
           <a:xfrm flipV="1">
-            <a:off x="2840831" y="3652837"/>
+            <a:off x="3685381" y="2133599"/>
             <a:ext cx="0" cy="166686"/>
           </a:xfrm>
           <a:prstGeom prst="line">
@@ -8858,10 +8782,3666 @@
           </a:fontRef>
         </p:style>
       </p:cxnSp>
+      <p:cxnSp>
+        <p:nvCxnSpPr>
+          <p:cNvPr id="15" name="直接连接符 14">
+            <a:extLst>
+              <a:ext uri="{FF2B5EF4-FFF2-40B4-BE49-F238E27FC236}">
+                <a16:creationId xmlns:a16="http://schemas.microsoft.com/office/drawing/2014/main" id="{5B9E731A-B83D-4E92-B035-39694696296A}"/>
+              </a:ext>
+            </a:extLst>
+          </p:cNvPr>
+          <p:cNvCxnSpPr>
+            <a:cxnSpLocks/>
+          </p:cNvCxnSpPr>
+          <p:nvPr/>
+        </p:nvCxnSpPr>
+        <p:spPr>
+          <a:xfrm>
+            <a:off x="3369731" y="3125705"/>
+            <a:ext cx="0" cy="209551"/>
+          </a:xfrm>
+          <a:prstGeom prst="line">
+            <a:avLst/>
+          </a:prstGeom>
+          <a:ln w="57150"/>
+        </p:spPr>
+        <p:style>
+          <a:lnRef idx="1">
+            <a:schemeClr val="accent1"/>
+          </a:lnRef>
+          <a:fillRef idx="0">
+            <a:schemeClr val="accent1"/>
+          </a:fillRef>
+          <a:effectRef idx="0">
+            <a:schemeClr val="accent1"/>
+          </a:effectRef>
+          <a:fontRef idx="minor">
+            <a:schemeClr val="tx1"/>
+          </a:fontRef>
+        </p:style>
+      </p:cxnSp>
+      <p:sp>
+        <p:nvSpPr>
+          <p:cNvPr id="17" name="等腰三角形 16">
+            <a:extLst>
+              <a:ext uri="{FF2B5EF4-FFF2-40B4-BE49-F238E27FC236}">
+                <a16:creationId xmlns:a16="http://schemas.microsoft.com/office/drawing/2014/main" id="{D8746ED2-5E01-4494-946F-5FA20D1FBF2D}"/>
+              </a:ext>
+            </a:extLst>
+          </p:cNvPr>
+          <p:cNvSpPr/>
+          <p:nvPr/>
+        </p:nvSpPr>
+        <p:spPr>
+          <a:xfrm rot="16200000" flipH="1">
+            <a:off x="3474509" y="3409074"/>
+            <a:ext cx="61908" cy="159545"/>
+          </a:xfrm>
+          <a:prstGeom prst="triangle">
+            <a:avLst/>
+          </a:prstGeom>
+        </p:spPr>
+        <p:style>
+          <a:lnRef idx="2">
+            <a:schemeClr val="accent1">
+              <a:shade val="50000"/>
+            </a:schemeClr>
+          </a:lnRef>
+          <a:fillRef idx="1">
+            <a:schemeClr val="accent1"/>
+          </a:fillRef>
+          <a:effectRef idx="0">
+            <a:schemeClr val="accent1"/>
+          </a:effectRef>
+          <a:fontRef idx="minor">
+            <a:schemeClr val="lt1"/>
+          </a:fontRef>
+        </p:style>
+        <p:txBody>
+          <a:bodyPr rtlCol="0" anchor="ctr"/>
+          <a:lstStyle/>
+          <a:p>
+            <a:pPr algn="ctr"/>
+            <a:endParaRPr lang="zh-CN" altLang="en-US"/>
+          </a:p>
+        </p:txBody>
+      </p:sp>
+      <p:cxnSp>
+        <p:nvCxnSpPr>
+          <p:cNvPr id="18" name="直接连接符 17">
+            <a:extLst>
+              <a:ext uri="{FF2B5EF4-FFF2-40B4-BE49-F238E27FC236}">
+                <a16:creationId xmlns:a16="http://schemas.microsoft.com/office/drawing/2014/main" id="{523CB530-57C8-4051-9435-040F110A3DA5}"/>
+              </a:ext>
+            </a:extLst>
+          </p:cNvPr>
+          <p:cNvCxnSpPr>
+            <a:cxnSpLocks/>
+          </p:cNvCxnSpPr>
+          <p:nvPr/>
+        </p:nvCxnSpPr>
+        <p:spPr>
+          <a:xfrm>
+            <a:off x="3210188" y="3188809"/>
+            <a:ext cx="0" cy="600074"/>
+          </a:xfrm>
+          <a:prstGeom prst="line">
+            <a:avLst/>
+          </a:prstGeom>
+          <a:ln w="57150"/>
+        </p:spPr>
+        <p:style>
+          <a:lnRef idx="1">
+            <a:schemeClr val="accent1"/>
+          </a:lnRef>
+          <a:fillRef idx="0">
+            <a:schemeClr val="accent1"/>
+          </a:fillRef>
+          <a:effectRef idx="0">
+            <a:schemeClr val="accent1"/>
+          </a:effectRef>
+          <a:fontRef idx="minor">
+            <a:schemeClr val="tx1"/>
+          </a:fontRef>
+        </p:style>
+      </p:cxnSp>
+      <p:cxnSp>
+        <p:nvCxnSpPr>
+          <p:cNvPr id="21" name="直接连接符 20">
+            <a:extLst>
+              <a:ext uri="{FF2B5EF4-FFF2-40B4-BE49-F238E27FC236}">
+                <a16:creationId xmlns:a16="http://schemas.microsoft.com/office/drawing/2014/main" id="{C5562DD3-9396-4864-876C-876425B17007}"/>
+              </a:ext>
+            </a:extLst>
+          </p:cNvPr>
+          <p:cNvCxnSpPr>
+            <a:cxnSpLocks/>
+          </p:cNvCxnSpPr>
+          <p:nvPr/>
+        </p:nvCxnSpPr>
+        <p:spPr>
+          <a:xfrm>
+            <a:off x="3369731" y="3642437"/>
+            <a:ext cx="0" cy="209551"/>
+          </a:xfrm>
+          <a:prstGeom prst="line">
+            <a:avLst/>
+          </a:prstGeom>
+          <a:ln w="57150"/>
+        </p:spPr>
+        <p:style>
+          <a:lnRef idx="1">
+            <a:schemeClr val="accent1"/>
+          </a:lnRef>
+          <a:fillRef idx="0">
+            <a:schemeClr val="accent1"/>
+          </a:fillRef>
+          <a:effectRef idx="0">
+            <a:schemeClr val="accent1"/>
+          </a:effectRef>
+          <a:fontRef idx="minor">
+            <a:schemeClr val="tx1"/>
+          </a:fontRef>
+        </p:style>
+      </p:cxnSp>
+      <p:cxnSp>
+        <p:nvCxnSpPr>
+          <p:cNvPr id="23" name="直接连接符 22">
+            <a:extLst>
+              <a:ext uri="{FF2B5EF4-FFF2-40B4-BE49-F238E27FC236}">
+                <a16:creationId xmlns:a16="http://schemas.microsoft.com/office/drawing/2014/main" id="{8406E288-FB2B-4E48-80FC-89271A4A645B}"/>
+              </a:ext>
+            </a:extLst>
+          </p:cNvPr>
+          <p:cNvCxnSpPr>
+            <a:cxnSpLocks/>
+          </p:cNvCxnSpPr>
+          <p:nvPr/>
+        </p:nvCxnSpPr>
+        <p:spPr>
+          <a:xfrm>
+            <a:off x="3369731" y="3384071"/>
+            <a:ext cx="0" cy="209551"/>
+          </a:xfrm>
+          <a:prstGeom prst="line">
+            <a:avLst/>
+          </a:prstGeom>
+          <a:ln w="57150"/>
+        </p:spPr>
+        <p:style>
+          <a:lnRef idx="1">
+            <a:schemeClr val="accent1"/>
+          </a:lnRef>
+          <a:fillRef idx="0">
+            <a:schemeClr val="accent1"/>
+          </a:fillRef>
+          <a:effectRef idx="0">
+            <a:schemeClr val="accent1"/>
+          </a:effectRef>
+          <a:fontRef idx="minor">
+            <a:schemeClr val="tx1"/>
+          </a:fontRef>
+        </p:style>
+      </p:cxnSp>
+      <p:cxnSp>
+        <p:nvCxnSpPr>
+          <p:cNvPr id="24" name="直接连接符 23">
+            <a:extLst>
+              <a:ext uri="{FF2B5EF4-FFF2-40B4-BE49-F238E27FC236}">
+                <a16:creationId xmlns:a16="http://schemas.microsoft.com/office/drawing/2014/main" id="{270668F7-5E3F-4275-99F0-2616A69EC386}"/>
+              </a:ext>
+            </a:extLst>
+          </p:cNvPr>
+          <p:cNvCxnSpPr>
+            <a:cxnSpLocks/>
+            <a:stCxn id="17" idx="3"/>
+          </p:cNvCxnSpPr>
+          <p:nvPr/>
+        </p:nvCxnSpPr>
+        <p:spPr>
+          <a:xfrm>
+            <a:off x="3585236" y="3488847"/>
+            <a:ext cx="79771" cy="0"/>
+          </a:xfrm>
+          <a:prstGeom prst="line">
+            <a:avLst/>
+          </a:prstGeom>
+          <a:ln w="19050"/>
+        </p:spPr>
+        <p:style>
+          <a:lnRef idx="1">
+            <a:schemeClr val="accent1"/>
+          </a:lnRef>
+          <a:fillRef idx="0">
+            <a:schemeClr val="accent1"/>
+          </a:fillRef>
+          <a:effectRef idx="0">
+            <a:schemeClr val="accent1"/>
+          </a:effectRef>
+          <a:fontRef idx="minor">
+            <a:schemeClr val="tx1"/>
+          </a:fontRef>
+        </p:style>
+      </p:cxnSp>
+      <p:cxnSp>
+        <p:nvCxnSpPr>
+          <p:cNvPr id="26" name="直接连接符 25">
+            <a:extLst>
+              <a:ext uri="{FF2B5EF4-FFF2-40B4-BE49-F238E27FC236}">
+                <a16:creationId xmlns:a16="http://schemas.microsoft.com/office/drawing/2014/main" id="{492E79A4-47BD-4836-8002-52BE5EDD6211}"/>
+              </a:ext>
+            </a:extLst>
+          </p:cNvPr>
+          <p:cNvCxnSpPr>
+            <a:cxnSpLocks/>
+          </p:cNvCxnSpPr>
+          <p:nvPr/>
+        </p:nvCxnSpPr>
+        <p:spPr>
+          <a:xfrm>
+            <a:off x="3390572" y="3230480"/>
+            <a:ext cx="274435" cy="0"/>
+          </a:xfrm>
+          <a:prstGeom prst="line">
+            <a:avLst/>
+          </a:prstGeom>
+          <a:ln w="19050"/>
+        </p:spPr>
+        <p:style>
+          <a:lnRef idx="1">
+            <a:schemeClr val="accent1"/>
+          </a:lnRef>
+          <a:fillRef idx="0">
+            <a:schemeClr val="accent1"/>
+          </a:fillRef>
+          <a:effectRef idx="0">
+            <a:schemeClr val="accent1"/>
+          </a:effectRef>
+          <a:fontRef idx="minor">
+            <a:schemeClr val="tx1"/>
+          </a:fontRef>
+        </p:style>
+      </p:cxnSp>
+      <p:cxnSp>
+        <p:nvCxnSpPr>
+          <p:cNvPr id="28" name="直接连接符 27">
+            <a:extLst>
+              <a:ext uri="{FF2B5EF4-FFF2-40B4-BE49-F238E27FC236}">
+                <a16:creationId xmlns:a16="http://schemas.microsoft.com/office/drawing/2014/main" id="{EA5B5B65-82D9-4541-AC6E-AD85B144B172}"/>
+              </a:ext>
+            </a:extLst>
+          </p:cNvPr>
+          <p:cNvCxnSpPr>
+            <a:cxnSpLocks/>
+          </p:cNvCxnSpPr>
+          <p:nvPr/>
+        </p:nvCxnSpPr>
+        <p:spPr>
+          <a:xfrm flipV="1">
+            <a:off x="3665008" y="3063794"/>
+            <a:ext cx="0" cy="425052"/>
+          </a:xfrm>
+          <a:prstGeom prst="line">
+            <a:avLst/>
+          </a:prstGeom>
+          <a:ln w="19050"/>
+        </p:spPr>
+        <p:style>
+          <a:lnRef idx="1">
+            <a:schemeClr val="accent1"/>
+          </a:lnRef>
+          <a:fillRef idx="0">
+            <a:schemeClr val="accent1"/>
+          </a:fillRef>
+          <a:effectRef idx="0">
+            <a:schemeClr val="accent1"/>
+          </a:effectRef>
+          <a:fontRef idx="minor">
+            <a:schemeClr val="tx1"/>
+          </a:fontRef>
+        </p:style>
+      </p:cxnSp>
+      <p:cxnSp>
+        <p:nvCxnSpPr>
+          <p:cNvPr id="30" name="直接连接符 29">
+            <a:extLst>
+              <a:ext uri="{FF2B5EF4-FFF2-40B4-BE49-F238E27FC236}">
+                <a16:creationId xmlns:a16="http://schemas.microsoft.com/office/drawing/2014/main" id="{4357111E-5009-4EB3-A7FB-80EDFB9F5AFC}"/>
+              </a:ext>
+            </a:extLst>
+          </p:cNvPr>
+          <p:cNvCxnSpPr>
+            <a:cxnSpLocks/>
+          </p:cNvCxnSpPr>
+          <p:nvPr/>
+        </p:nvCxnSpPr>
+        <p:spPr>
+          <a:xfrm>
+            <a:off x="3390572" y="3747212"/>
+            <a:ext cx="274435" cy="0"/>
+          </a:xfrm>
+          <a:prstGeom prst="line">
+            <a:avLst/>
+          </a:prstGeom>
+          <a:ln w="19050"/>
+        </p:spPr>
+        <p:style>
+          <a:lnRef idx="1">
+            <a:schemeClr val="accent1"/>
+          </a:lnRef>
+          <a:fillRef idx="0">
+            <a:schemeClr val="accent1"/>
+          </a:fillRef>
+          <a:effectRef idx="0">
+            <a:schemeClr val="accent1"/>
+          </a:effectRef>
+          <a:fontRef idx="minor">
+            <a:schemeClr val="tx1"/>
+          </a:fontRef>
+        </p:style>
+      </p:cxnSp>
+      <p:cxnSp>
+        <p:nvCxnSpPr>
+          <p:cNvPr id="32" name="直接连接符 31">
+            <a:extLst>
+              <a:ext uri="{FF2B5EF4-FFF2-40B4-BE49-F238E27FC236}">
+                <a16:creationId xmlns:a16="http://schemas.microsoft.com/office/drawing/2014/main" id="{AA0D25F1-A2E2-454D-BFE6-750E9C0C3E8C}"/>
+              </a:ext>
+            </a:extLst>
+          </p:cNvPr>
+          <p:cNvCxnSpPr>
+            <a:cxnSpLocks/>
+          </p:cNvCxnSpPr>
+          <p:nvPr/>
+        </p:nvCxnSpPr>
+        <p:spPr>
+          <a:xfrm flipV="1">
+            <a:off x="3665007" y="3747212"/>
+            <a:ext cx="0" cy="166686"/>
+          </a:xfrm>
+          <a:prstGeom prst="line">
+            <a:avLst/>
+          </a:prstGeom>
+          <a:ln w="19050"/>
+        </p:spPr>
+        <p:style>
+          <a:lnRef idx="1">
+            <a:schemeClr val="accent1"/>
+          </a:lnRef>
+          <a:fillRef idx="0">
+            <a:schemeClr val="accent1"/>
+          </a:fillRef>
+          <a:effectRef idx="0">
+            <a:schemeClr val="accent1"/>
+          </a:effectRef>
+          <a:fontRef idx="minor">
+            <a:schemeClr val="tx1"/>
+          </a:fontRef>
+        </p:style>
+      </p:cxnSp>
+      <p:sp>
+        <p:nvSpPr>
+          <p:cNvPr id="33" name="等腰三角形 32">
+            <a:extLst>
+              <a:ext uri="{FF2B5EF4-FFF2-40B4-BE49-F238E27FC236}">
+                <a16:creationId xmlns:a16="http://schemas.microsoft.com/office/drawing/2014/main" id="{16DD3E56-3604-4F8B-BF84-AB369E9482B7}"/>
+              </a:ext>
+            </a:extLst>
+          </p:cNvPr>
+          <p:cNvSpPr/>
+          <p:nvPr/>
+        </p:nvSpPr>
+        <p:spPr>
+          <a:xfrm rot="16200000" flipH="1">
+            <a:off x="4958754" y="1589879"/>
+            <a:ext cx="61908" cy="159545"/>
+          </a:xfrm>
+          <a:prstGeom prst="triangle">
+            <a:avLst/>
+          </a:prstGeom>
+        </p:spPr>
+        <p:style>
+          <a:lnRef idx="2">
+            <a:schemeClr val="accent1">
+              <a:shade val="50000"/>
+            </a:schemeClr>
+          </a:lnRef>
+          <a:fillRef idx="1">
+            <a:schemeClr val="accent1"/>
+          </a:fillRef>
+          <a:effectRef idx="0">
+            <a:schemeClr val="accent1"/>
+          </a:effectRef>
+          <a:fontRef idx="minor">
+            <a:schemeClr val="lt1"/>
+          </a:fontRef>
+        </p:style>
+        <p:txBody>
+          <a:bodyPr rtlCol="0" anchor="ctr"/>
+          <a:lstStyle/>
+          <a:p>
+            <a:pPr algn="ctr"/>
+            <a:endParaRPr lang="zh-CN" altLang="en-US"/>
+          </a:p>
+        </p:txBody>
+      </p:sp>
+      <p:cxnSp>
+        <p:nvCxnSpPr>
+          <p:cNvPr id="34" name="直接连接符 33">
+            <a:extLst>
+              <a:ext uri="{FF2B5EF4-FFF2-40B4-BE49-F238E27FC236}">
+                <a16:creationId xmlns:a16="http://schemas.microsoft.com/office/drawing/2014/main" id="{4BB1A430-F138-438B-92EC-694F69119093}"/>
+              </a:ext>
+            </a:extLst>
+          </p:cNvPr>
+          <p:cNvCxnSpPr>
+            <a:cxnSpLocks/>
+          </p:cNvCxnSpPr>
+          <p:nvPr/>
+        </p:nvCxnSpPr>
+        <p:spPr>
+          <a:xfrm>
+            <a:off x="4890594" y="2076451"/>
+            <a:ext cx="274435" cy="0"/>
+          </a:xfrm>
+          <a:prstGeom prst="line">
+            <a:avLst/>
+          </a:prstGeom>
+          <a:ln w="19050"/>
+        </p:spPr>
+        <p:style>
+          <a:lnRef idx="1">
+            <a:schemeClr val="accent1"/>
+          </a:lnRef>
+          <a:fillRef idx="0">
+            <a:schemeClr val="accent1"/>
+          </a:fillRef>
+          <a:effectRef idx="0">
+            <a:schemeClr val="accent1"/>
+          </a:effectRef>
+          <a:fontRef idx="minor">
+            <a:schemeClr val="tx1"/>
+          </a:fontRef>
+        </p:style>
+      </p:cxnSp>
+      <p:cxnSp>
+        <p:nvCxnSpPr>
+          <p:cNvPr id="35" name="直接连接符 34">
+            <a:extLst>
+              <a:ext uri="{FF2B5EF4-FFF2-40B4-BE49-F238E27FC236}">
+                <a16:creationId xmlns:a16="http://schemas.microsoft.com/office/drawing/2014/main" id="{FCE3E073-004A-4679-9489-3359232E6130}"/>
+              </a:ext>
+            </a:extLst>
+          </p:cNvPr>
+          <p:cNvCxnSpPr>
+            <a:cxnSpLocks/>
+            <a:stCxn id="33" idx="3"/>
+          </p:cNvCxnSpPr>
+          <p:nvPr/>
+        </p:nvCxnSpPr>
+        <p:spPr>
+          <a:xfrm flipV="1">
+            <a:off x="5069481" y="1669651"/>
+            <a:ext cx="79770" cy="1"/>
+          </a:xfrm>
+          <a:prstGeom prst="line">
+            <a:avLst/>
+          </a:prstGeom>
+          <a:ln w="19050"/>
+        </p:spPr>
+        <p:style>
+          <a:lnRef idx="1">
+            <a:schemeClr val="accent1"/>
+          </a:lnRef>
+          <a:fillRef idx="0">
+            <a:schemeClr val="accent1"/>
+          </a:fillRef>
+          <a:effectRef idx="0">
+            <a:schemeClr val="accent1"/>
+          </a:effectRef>
+          <a:fontRef idx="minor">
+            <a:schemeClr val="tx1"/>
+          </a:fontRef>
+        </p:style>
+      </p:cxnSp>
+      <p:cxnSp>
+        <p:nvCxnSpPr>
+          <p:cNvPr id="36" name="直接连接符 35">
+            <a:extLst>
+              <a:ext uri="{FF2B5EF4-FFF2-40B4-BE49-F238E27FC236}">
+                <a16:creationId xmlns:a16="http://schemas.microsoft.com/office/drawing/2014/main" id="{6944E112-401C-4A98-BF03-8CD8067CF661}"/>
+              </a:ext>
+            </a:extLst>
+          </p:cNvPr>
+          <p:cNvCxnSpPr>
+            <a:cxnSpLocks/>
+          </p:cNvCxnSpPr>
+          <p:nvPr/>
+        </p:nvCxnSpPr>
+        <p:spPr>
+          <a:xfrm flipV="1">
+            <a:off x="5149251" y="1502965"/>
+            <a:ext cx="0" cy="166686"/>
+          </a:xfrm>
+          <a:prstGeom prst="line">
+            <a:avLst/>
+          </a:prstGeom>
+          <a:ln w="19050"/>
+        </p:spPr>
+        <p:style>
+          <a:lnRef idx="1">
+            <a:schemeClr val="accent1"/>
+          </a:lnRef>
+          <a:fillRef idx="0">
+            <a:schemeClr val="accent1"/>
+          </a:fillRef>
+          <a:effectRef idx="0">
+            <a:schemeClr val="accent1"/>
+          </a:effectRef>
+          <a:fontRef idx="minor">
+            <a:schemeClr val="tx1"/>
+          </a:fontRef>
+        </p:style>
+      </p:cxnSp>
+      <p:cxnSp>
+        <p:nvCxnSpPr>
+          <p:cNvPr id="37" name="直接连接符 36">
+            <a:extLst>
+              <a:ext uri="{FF2B5EF4-FFF2-40B4-BE49-F238E27FC236}">
+                <a16:creationId xmlns:a16="http://schemas.microsoft.com/office/drawing/2014/main" id="{2206E2C3-62EC-4D0A-9244-8ED1A21E824D}"/>
+              </a:ext>
+            </a:extLst>
+          </p:cNvPr>
+          <p:cNvCxnSpPr>
+            <a:cxnSpLocks/>
+          </p:cNvCxnSpPr>
+          <p:nvPr/>
+        </p:nvCxnSpPr>
+        <p:spPr>
+          <a:xfrm flipV="1">
+            <a:off x="5168301" y="2076451"/>
+            <a:ext cx="0" cy="166686"/>
+          </a:xfrm>
+          <a:prstGeom prst="line">
+            <a:avLst/>
+          </a:prstGeom>
+          <a:ln w="19050"/>
+        </p:spPr>
+        <p:style>
+          <a:lnRef idx="1">
+            <a:schemeClr val="accent1"/>
+          </a:lnRef>
+          <a:fillRef idx="0">
+            <a:schemeClr val="accent1"/>
+          </a:fillRef>
+          <a:effectRef idx="0">
+            <a:schemeClr val="accent1"/>
+          </a:effectRef>
+          <a:fontRef idx="minor">
+            <a:schemeClr val="tx1"/>
+          </a:fontRef>
+        </p:style>
+      </p:cxnSp>
+      <p:cxnSp>
+        <p:nvCxnSpPr>
+          <p:cNvPr id="38" name="直接连接符 37">
+            <a:extLst>
+              <a:ext uri="{FF2B5EF4-FFF2-40B4-BE49-F238E27FC236}">
+                <a16:creationId xmlns:a16="http://schemas.microsoft.com/office/drawing/2014/main" id="{4563E06F-0D76-4A68-9733-A83A38ECABAD}"/>
+              </a:ext>
+            </a:extLst>
+          </p:cNvPr>
+          <p:cNvCxnSpPr>
+            <a:cxnSpLocks/>
+          </p:cNvCxnSpPr>
+          <p:nvPr/>
+        </p:nvCxnSpPr>
+        <p:spPr>
+          <a:xfrm>
+            <a:off x="4702174" y="3188809"/>
+            <a:ext cx="0" cy="600074"/>
+          </a:xfrm>
+          <a:prstGeom prst="line">
+            <a:avLst/>
+          </a:prstGeom>
+          <a:ln w="57150"/>
+        </p:spPr>
+        <p:style>
+          <a:lnRef idx="1">
+            <a:schemeClr val="accent1"/>
+          </a:lnRef>
+          <a:fillRef idx="0">
+            <a:schemeClr val="accent1"/>
+          </a:fillRef>
+          <a:effectRef idx="0">
+            <a:schemeClr val="accent1"/>
+          </a:effectRef>
+          <a:fontRef idx="minor">
+            <a:schemeClr val="tx1"/>
+          </a:fontRef>
+        </p:style>
+      </p:cxnSp>
+      <p:cxnSp>
+        <p:nvCxnSpPr>
+          <p:cNvPr id="39" name="直接连接符 38">
+            <a:extLst>
+              <a:ext uri="{FF2B5EF4-FFF2-40B4-BE49-F238E27FC236}">
+                <a16:creationId xmlns:a16="http://schemas.microsoft.com/office/drawing/2014/main" id="{01234B89-82A4-4B6A-879D-76141EAF33BF}"/>
+              </a:ext>
+            </a:extLst>
+          </p:cNvPr>
+          <p:cNvCxnSpPr>
+            <a:cxnSpLocks/>
+          </p:cNvCxnSpPr>
+          <p:nvPr/>
+        </p:nvCxnSpPr>
+        <p:spPr>
+          <a:xfrm>
+            <a:off x="4861717" y="3125705"/>
+            <a:ext cx="0" cy="726283"/>
+          </a:xfrm>
+          <a:prstGeom prst="line">
+            <a:avLst/>
+          </a:prstGeom>
+          <a:ln w="57150"/>
+        </p:spPr>
+        <p:style>
+          <a:lnRef idx="1">
+            <a:schemeClr val="accent1"/>
+          </a:lnRef>
+          <a:fillRef idx="0">
+            <a:schemeClr val="accent1"/>
+          </a:fillRef>
+          <a:effectRef idx="0">
+            <a:schemeClr val="accent1"/>
+          </a:effectRef>
+          <a:fontRef idx="minor">
+            <a:schemeClr val="tx1"/>
+          </a:fontRef>
+        </p:style>
+      </p:cxnSp>
+      <p:sp>
+        <p:nvSpPr>
+          <p:cNvPr id="40" name="等腰三角形 39">
+            <a:extLst>
+              <a:ext uri="{FF2B5EF4-FFF2-40B4-BE49-F238E27FC236}">
+                <a16:creationId xmlns:a16="http://schemas.microsoft.com/office/drawing/2014/main" id="{29379D38-AC0C-48CF-80D2-F6B231D51751}"/>
+              </a:ext>
+            </a:extLst>
+          </p:cNvPr>
+          <p:cNvSpPr/>
+          <p:nvPr/>
+        </p:nvSpPr>
+        <p:spPr>
+          <a:xfrm rot="5400000">
+            <a:off x="5006380" y="3204284"/>
+            <a:ext cx="61908" cy="159545"/>
+          </a:xfrm>
+          <a:prstGeom prst="triangle">
+            <a:avLst/>
+          </a:prstGeom>
+        </p:spPr>
+        <p:style>
+          <a:lnRef idx="2">
+            <a:schemeClr val="accent1">
+              <a:shade val="50000"/>
+            </a:schemeClr>
+          </a:lnRef>
+          <a:fillRef idx="1">
+            <a:schemeClr val="accent1"/>
+          </a:fillRef>
+          <a:effectRef idx="0">
+            <a:schemeClr val="accent1"/>
+          </a:effectRef>
+          <a:fontRef idx="minor">
+            <a:schemeClr val="lt1"/>
+          </a:fontRef>
+        </p:style>
+        <p:txBody>
+          <a:bodyPr rtlCol="0" anchor="ctr"/>
+          <a:lstStyle/>
+          <a:p>
+            <a:pPr algn="ctr"/>
+            <a:endParaRPr lang="zh-CN" altLang="en-US"/>
+          </a:p>
+        </p:txBody>
+      </p:sp>
+      <p:cxnSp>
+        <p:nvCxnSpPr>
+          <p:cNvPr id="41" name="直接连接符 40">
+            <a:extLst>
+              <a:ext uri="{FF2B5EF4-FFF2-40B4-BE49-F238E27FC236}">
+                <a16:creationId xmlns:a16="http://schemas.microsoft.com/office/drawing/2014/main" id="{1A79FAA8-298F-456D-935A-C3BA32085B4E}"/>
+              </a:ext>
+            </a:extLst>
+          </p:cNvPr>
+          <p:cNvCxnSpPr>
+            <a:cxnSpLocks/>
+          </p:cNvCxnSpPr>
+          <p:nvPr/>
+        </p:nvCxnSpPr>
+        <p:spPr>
+          <a:xfrm>
+            <a:off x="4890594" y="3690855"/>
+            <a:ext cx="274435" cy="0"/>
+          </a:xfrm>
+          <a:prstGeom prst="line">
+            <a:avLst/>
+          </a:prstGeom>
+          <a:ln w="19050"/>
+        </p:spPr>
+        <p:style>
+          <a:lnRef idx="1">
+            <a:schemeClr val="accent1"/>
+          </a:lnRef>
+          <a:fillRef idx="0">
+            <a:schemeClr val="accent1"/>
+          </a:fillRef>
+          <a:effectRef idx="0">
+            <a:schemeClr val="accent1"/>
+          </a:effectRef>
+          <a:fontRef idx="minor">
+            <a:schemeClr val="tx1"/>
+          </a:fontRef>
+        </p:style>
+      </p:cxnSp>
+      <p:cxnSp>
+        <p:nvCxnSpPr>
+          <p:cNvPr id="42" name="直接连接符 41">
+            <a:extLst>
+              <a:ext uri="{FF2B5EF4-FFF2-40B4-BE49-F238E27FC236}">
+                <a16:creationId xmlns:a16="http://schemas.microsoft.com/office/drawing/2014/main" id="{4B2A793A-A4A4-48EF-9048-732F5DD78D73}"/>
+              </a:ext>
+            </a:extLst>
+          </p:cNvPr>
+          <p:cNvCxnSpPr>
+            <a:cxnSpLocks/>
+          </p:cNvCxnSpPr>
+          <p:nvPr/>
+        </p:nvCxnSpPr>
+        <p:spPr>
+          <a:xfrm flipV="1">
+            <a:off x="4890594" y="3284055"/>
+            <a:ext cx="164311" cy="2"/>
+          </a:xfrm>
+          <a:prstGeom prst="line">
+            <a:avLst/>
+          </a:prstGeom>
+          <a:ln w="19050"/>
+        </p:spPr>
+        <p:style>
+          <a:lnRef idx="1">
+            <a:schemeClr val="accent1"/>
+          </a:lnRef>
+          <a:fillRef idx="0">
+            <a:schemeClr val="accent1"/>
+          </a:fillRef>
+          <a:effectRef idx="0">
+            <a:schemeClr val="accent1"/>
+          </a:effectRef>
+          <a:fontRef idx="minor">
+            <a:schemeClr val="tx1"/>
+          </a:fontRef>
+        </p:style>
+      </p:cxnSp>
+      <p:cxnSp>
+        <p:nvCxnSpPr>
+          <p:cNvPr id="43" name="直接连接符 42">
+            <a:extLst>
+              <a:ext uri="{FF2B5EF4-FFF2-40B4-BE49-F238E27FC236}">
+                <a16:creationId xmlns:a16="http://schemas.microsoft.com/office/drawing/2014/main" id="{3BA884B1-4F94-4C91-B8BC-A3E52CB25614}"/>
+              </a:ext>
+            </a:extLst>
+          </p:cNvPr>
+          <p:cNvCxnSpPr>
+            <a:cxnSpLocks/>
+          </p:cNvCxnSpPr>
+          <p:nvPr/>
+        </p:nvCxnSpPr>
+        <p:spPr>
+          <a:xfrm flipV="1">
+            <a:off x="5149251" y="3117369"/>
+            <a:ext cx="0" cy="166686"/>
+          </a:xfrm>
+          <a:prstGeom prst="line">
+            <a:avLst/>
+          </a:prstGeom>
+          <a:ln w="19050"/>
+        </p:spPr>
+        <p:style>
+          <a:lnRef idx="1">
+            <a:schemeClr val="accent1"/>
+          </a:lnRef>
+          <a:fillRef idx="0">
+            <a:schemeClr val="accent1"/>
+          </a:fillRef>
+          <a:effectRef idx="0">
+            <a:schemeClr val="accent1"/>
+          </a:effectRef>
+          <a:fontRef idx="minor">
+            <a:schemeClr val="tx1"/>
+          </a:fontRef>
+        </p:style>
+      </p:cxnSp>
+      <p:cxnSp>
+        <p:nvCxnSpPr>
+          <p:cNvPr id="44" name="直接连接符 43">
+            <a:extLst>
+              <a:ext uri="{FF2B5EF4-FFF2-40B4-BE49-F238E27FC236}">
+                <a16:creationId xmlns:a16="http://schemas.microsoft.com/office/drawing/2014/main" id="{3FE3E467-9457-48CC-86F4-F165D92D15F3}"/>
+              </a:ext>
+            </a:extLst>
+          </p:cNvPr>
+          <p:cNvCxnSpPr>
+            <a:cxnSpLocks/>
+          </p:cNvCxnSpPr>
+          <p:nvPr/>
+        </p:nvCxnSpPr>
+        <p:spPr>
+          <a:xfrm flipV="1">
+            <a:off x="5168301" y="3690855"/>
+            <a:ext cx="0" cy="166686"/>
+          </a:xfrm>
+          <a:prstGeom prst="line">
+            <a:avLst/>
+          </a:prstGeom>
+          <a:ln w="19050"/>
+        </p:spPr>
+        <p:style>
+          <a:lnRef idx="1">
+            <a:schemeClr val="accent1"/>
+          </a:lnRef>
+          <a:fillRef idx="0">
+            <a:schemeClr val="accent1"/>
+          </a:fillRef>
+          <a:effectRef idx="0">
+            <a:schemeClr val="accent1"/>
+          </a:effectRef>
+          <a:fontRef idx="minor">
+            <a:schemeClr val="tx1"/>
+          </a:fontRef>
+        </p:style>
+      </p:cxnSp>
+      <p:sp>
+        <p:nvSpPr>
+          <p:cNvPr id="46" name="文本框 45">
+            <a:extLst>
+              <a:ext uri="{FF2B5EF4-FFF2-40B4-BE49-F238E27FC236}">
+                <a16:creationId xmlns:a16="http://schemas.microsoft.com/office/drawing/2014/main" id="{79723040-6E07-408D-963C-71A9D15028C6}"/>
+              </a:ext>
+            </a:extLst>
+          </p:cNvPr>
+          <p:cNvSpPr txBox="1"/>
+          <p:nvPr/>
+        </p:nvSpPr>
+        <p:spPr>
+          <a:xfrm>
+            <a:off x="3521714" y="1094582"/>
+            <a:ext cx="327334" cy="369332"/>
+          </a:xfrm>
+          <a:prstGeom prst="rect">
+            <a:avLst/>
+          </a:prstGeom>
+          <a:noFill/>
+        </p:spPr>
+        <p:txBody>
+          <a:bodyPr wrap="none" rtlCol="0">
+            <a:spAutoFit/>
+          </a:bodyPr>
+          <a:lstStyle/>
+          <a:p>
+            <a:r>
+              <a:rPr lang="en-US" altLang="zh-CN" dirty="0"/>
+              <a:t>D</a:t>
+            </a:r>
+            <a:endParaRPr lang="zh-CN" altLang="en-US" dirty="0"/>
+          </a:p>
+        </p:txBody>
+      </p:sp>
+      <p:sp>
+        <p:nvSpPr>
+          <p:cNvPr id="47" name="文本框 46">
+            <a:extLst>
+              <a:ext uri="{FF2B5EF4-FFF2-40B4-BE49-F238E27FC236}">
+                <a16:creationId xmlns:a16="http://schemas.microsoft.com/office/drawing/2014/main" id="{BFFC5443-2B99-40F3-9E70-3C65386FE979}"/>
+              </a:ext>
+            </a:extLst>
+          </p:cNvPr>
+          <p:cNvSpPr txBox="1"/>
+          <p:nvPr/>
+        </p:nvSpPr>
+        <p:spPr>
+          <a:xfrm>
+            <a:off x="3514296" y="2707435"/>
+            <a:ext cx="327334" cy="369332"/>
+          </a:xfrm>
+          <a:prstGeom prst="rect">
+            <a:avLst/>
+          </a:prstGeom>
+          <a:noFill/>
+        </p:spPr>
+        <p:txBody>
+          <a:bodyPr wrap="none" rtlCol="0">
+            <a:spAutoFit/>
+          </a:bodyPr>
+          <a:lstStyle/>
+          <a:p>
+            <a:r>
+              <a:rPr lang="en-US" altLang="zh-CN" dirty="0"/>
+              <a:t>D</a:t>
+            </a:r>
+            <a:endParaRPr lang="zh-CN" altLang="en-US" dirty="0"/>
+          </a:p>
+        </p:txBody>
+      </p:sp>
+      <p:sp>
+        <p:nvSpPr>
+          <p:cNvPr id="48" name="文本框 47">
+            <a:extLst>
+              <a:ext uri="{FF2B5EF4-FFF2-40B4-BE49-F238E27FC236}">
+                <a16:creationId xmlns:a16="http://schemas.microsoft.com/office/drawing/2014/main" id="{8CD54874-A484-4F92-9BCB-085B85912F84}"/>
+              </a:ext>
+            </a:extLst>
+          </p:cNvPr>
+          <p:cNvSpPr txBox="1"/>
+          <p:nvPr/>
+        </p:nvSpPr>
+        <p:spPr>
+          <a:xfrm>
+            <a:off x="3524669" y="2291714"/>
+            <a:ext cx="290464" cy="369332"/>
+          </a:xfrm>
+          <a:prstGeom prst="rect">
+            <a:avLst/>
+          </a:prstGeom>
+          <a:noFill/>
+        </p:spPr>
+        <p:txBody>
+          <a:bodyPr wrap="none" rtlCol="0">
+            <a:spAutoFit/>
+          </a:bodyPr>
+          <a:lstStyle/>
+          <a:p>
+            <a:r>
+              <a:rPr lang="en-US" altLang="zh-CN" dirty="0"/>
+              <a:t>S</a:t>
+            </a:r>
+            <a:endParaRPr lang="zh-CN" altLang="en-US" dirty="0"/>
+          </a:p>
+        </p:txBody>
+      </p:sp>
+      <p:sp>
+        <p:nvSpPr>
+          <p:cNvPr id="49" name="文本框 48">
+            <a:extLst>
+              <a:ext uri="{FF2B5EF4-FFF2-40B4-BE49-F238E27FC236}">
+                <a16:creationId xmlns:a16="http://schemas.microsoft.com/office/drawing/2014/main" id="{7D887E34-1537-4F77-B1B3-C47785D63903}"/>
+              </a:ext>
+            </a:extLst>
+          </p:cNvPr>
+          <p:cNvSpPr txBox="1"/>
+          <p:nvPr/>
+        </p:nvSpPr>
+        <p:spPr>
+          <a:xfrm>
+            <a:off x="3534565" y="3905327"/>
+            <a:ext cx="290464" cy="369332"/>
+          </a:xfrm>
+          <a:prstGeom prst="rect">
+            <a:avLst/>
+          </a:prstGeom>
+          <a:noFill/>
+        </p:spPr>
+        <p:txBody>
+          <a:bodyPr wrap="none" rtlCol="0">
+            <a:spAutoFit/>
+          </a:bodyPr>
+          <a:lstStyle/>
+          <a:p>
+            <a:r>
+              <a:rPr lang="en-US" altLang="zh-CN" dirty="0"/>
+              <a:t>S</a:t>
+            </a:r>
+            <a:endParaRPr lang="zh-CN" altLang="en-US" dirty="0"/>
+          </a:p>
+        </p:txBody>
+      </p:sp>
+      <p:cxnSp>
+        <p:nvCxnSpPr>
+          <p:cNvPr id="50" name="直接连接符 49">
+            <a:extLst>
+              <a:ext uri="{FF2B5EF4-FFF2-40B4-BE49-F238E27FC236}">
+                <a16:creationId xmlns:a16="http://schemas.microsoft.com/office/drawing/2014/main" id="{E4504417-3273-40E7-81F2-3D8E433929D3}"/>
+              </a:ext>
+            </a:extLst>
+          </p:cNvPr>
+          <p:cNvCxnSpPr>
+            <a:cxnSpLocks/>
+          </p:cNvCxnSpPr>
+          <p:nvPr/>
+        </p:nvCxnSpPr>
+        <p:spPr>
+          <a:xfrm>
+            <a:off x="2948389" y="1879993"/>
+            <a:ext cx="274435" cy="0"/>
+          </a:xfrm>
+          <a:prstGeom prst="line">
+            <a:avLst/>
+          </a:prstGeom>
+          <a:ln w="19050"/>
+        </p:spPr>
+        <p:style>
+          <a:lnRef idx="1">
+            <a:schemeClr val="accent1"/>
+          </a:lnRef>
+          <a:fillRef idx="0">
+            <a:schemeClr val="accent1"/>
+          </a:fillRef>
+          <a:effectRef idx="0">
+            <a:schemeClr val="accent1"/>
+          </a:effectRef>
+          <a:fontRef idx="minor">
+            <a:schemeClr val="tx1"/>
+          </a:fontRef>
+        </p:style>
+      </p:cxnSp>
+      <p:cxnSp>
+        <p:nvCxnSpPr>
+          <p:cNvPr id="51" name="直接连接符 50">
+            <a:extLst>
+              <a:ext uri="{FF2B5EF4-FFF2-40B4-BE49-F238E27FC236}">
+                <a16:creationId xmlns:a16="http://schemas.microsoft.com/office/drawing/2014/main" id="{6C6F395C-29FF-460C-A056-3C43246A6813}"/>
+              </a:ext>
+            </a:extLst>
+          </p:cNvPr>
+          <p:cNvCxnSpPr>
+            <a:cxnSpLocks/>
+          </p:cNvCxnSpPr>
+          <p:nvPr/>
+        </p:nvCxnSpPr>
+        <p:spPr>
+          <a:xfrm>
+            <a:off x="2935753" y="3493607"/>
+            <a:ext cx="274435" cy="0"/>
+          </a:xfrm>
+          <a:prstGeom prst="line">
+            <a:avLst/>
+          </a:prstGeom>
+          <a:ln w="19050"/>
+        </p:spPr>
+        <p:style>
+          <a:lnRef idx="1">
+            <a:schemeClr val="accent1"/>
+          </a:lnRef>
+          <a:fillRef idx="0">
+            <a:schemeClr val="accent1"/>
+          </a:fillRef>
+          <a:effectRef idx="0">
+            <a:schemeClr val="accent1"/>
+          </a:effectRef>
+          <a:fontRef idx="minor">
+            <a:schemeClr val="tx1"/>
+          </a:fontRef>
+        </p:style>
+      </p:cxnSp>
+      <p:cxnSp>
+        <p:nvCxnSpPr>
+          <p:cNvPr id="52" name="直接连接符 51">
+            <a:extLst>
+              <a:ext uri="{FF2B5EF4-FFF2-40B4-BE49-F238E27FC236}">
+                <a16:creationId xmlns:a16="http://schemas.microsoft.com/office/drawing/2014/main" id="{FF93D33A-521C-4065-B5E8-624F830E767E}"/>
+              </a:ext>
+            </a:extLst>
+          </p:cNvPr>
+          <p:cNvCxnSpPr>
+            <a:cxnSpLocks/>
+          </p:cNvCxnSpPr>
+          <p:nvPr/>
+        </p:nvCxnSpPr>
+        <p:spPr>
+          <a:xfrm>
+            <a:off x="4427739" y="1868885"/>
+            <a:ext cx="274435" cy="0"/>
+          </a:xfrm>
+          <a:prstGeom prst="line">
+            <a:avLst/>
+          </a:prstGeom>
+          <a:ln w="19050"/>
+        </p:spPr>
+        <p:style>
+          <a:lnRef idx="1">
+            <a:schemeClr val="accent1"/>
+          </a:lnRef>
+          <a:fillRef idx="0">
+            <a:schemeClr val="accent1"/>
+          </a:fillRef>
+          <a:effectRef idx="0">
+            <a:schemeClr val="accent1"/>
+          </a:effectRef>
+          <a:fontRef idx="minor">
+            <a:schemeClr val="tx1"/>
+          </a:fontRef>
+        </p:style>
+      </p:cxnSp>
+      <p:cxnSp>
+        <p:nvCxnSpPr>
+          <p:cNvPr id="53" name="直接连接符 52">
+            <a:extLst>
+              <a:ext uri="{FF2B5EF4-FFF2-40B4-BE49-F238E27FC236}">
+                <a16:creationId xmlns:a16="http://schemas.microsoft.com/office/drawing/2014/main" id="{82377AFD-725F-408F-AF34-20010170637D}"/>
+              </a:ext>
+            </a:extLst>
+          </p:cNvPr>
+          <p:cNvCxnSpPr>
+            <a:cxnSpLocks/>
+          </p:cNvCxnSpPr>
+          <p:nvPr/>
+        </p:nvCxnSpPr>
+        <p:spPr>
+          <a:xfrm>
+            <a:off x="4407304" y="3488846"/>
+            <a:ext cx="274435" cy="0"/>
+          </a:xfrm>
+          <a:prstGeom prst="line">
+            <a:avLst/>
+          </a:prstGeom>
+          <a:ln w="19050"/>
+        </p:spPr>
+        <p:style>
+          <a:lnRef idx="1">
+            <a:schemeClr val="accent1"/>
+          </a:lnRef>
+          <a:fillRef idx="0">
+            <a:schemeClr val="accent1"/>
+          </a:fillRef>
+          <a:effectRef idx="0">
+            <a:schemeClr val="accent1"/>
+          </a:effectRef>
+          <a:fontRef idx="minor">
+            <a:schemeClr val="tx1"/>
+          </a:fontRef>
+        </p:style>
+      </p:cxnSp>
+      <p:sp>
+        <p:nvSpPr>
+          <p:cNvPr id="55" name="文本框 54">
+            <a:extLst>
+              <a:ext uri="{FF2B5EF4-FFF2-40B4-BE49-F238E27FC236}">
+                <a16:creationId xmlns:a16="http://schemas.microsoft.com/office/drawing/2014/main" id="{F3ADB8A5-7815-4FF7-9D66-1CDE6BD82B1C}"/>
+              </a:ext>
+            </a:extLst>
+          </p:cNvPr>
+          <p:cNvSpPr txBox="1"/>
+          <p:nvPr/>
+        </p:nvSpPr>
+        <p:spPr>
+          <a:xfrm>
+            <a:off x="2625775" y="1693660"/>
+            <a:ext cx="330540" cy="369332"/>
+          </a:xfrm>
+          <a:prstGeom prst="rect">
+            <a:avLst/>
+          </a:prstGeom>
+          <a:noFill/>
+        </p:spPr>
+        <p:txBody>
+          <a:bodyPr wrap="none" rtlCol="0">
+            <a:spAutoFit/>
+          </a:bodyPr>
+          <a:lstStyle/>
+          <a:p>
+            <a:r>
+              <a:rPr lang="en-US" altLang="zh-CN" dirty="0"/>
+              <a:t>G</a:t>
+            </a:r>
+            <a:endParaRPr lang="zh-CN" altLang="en-US" dirty="0"/>
+          </a:p>
+        </p:txBody>
+      </p:sp>
+      <p:sp>
+        <p:nvSpPr>
+          <p:cNvPr id="56" name="文本框 55">
+            <a:extLst>
+              <a:ext uri="{FF2B5EF4-FFF2-40B4-BE49-F238E27FC236}">
+                <a16:creationId xmlns:a16="http://schemas.microsoft.com/office/drawing/2014/main" id="{D152849D-34EA-4D8E-BB0C-2606D3EBF784}"/>
+              </a:ext>
+            </a:extLst>
+          </p:cNvPr>
+          <p:cNvSpPr txBox="1"/>
+          <p:nvPr/>
+        </p:nvSpPr>
+        <p:spPr>
+          <a:xfrm>
+            <a:off x="2622249" y="3307273"/>
+            <a:ext cx="330540" cy="369332"/>
+          </a:xfrm>
+          <a:prstGeom prst="rect">
+            <a:avLst/>
+          </a:prstGeom>
+          <a:noFill/>
+        </p:spPr>
+        <p:txBody>
+          <a:bodyPr wrap="none" rtlCol="0">
+            <a:spAutoFit/>
+          </a:bodyPr>
+          <a:lstStyle/>
+          <a:p>
+            <a:r>
+              <a:rPr lang="en-US" altLang="zh-CN" dirty="0"/>
+              <a:t>G</a:t>
+            </a:r>
+            <a:endParaRPr lang="zh-CN" altLang="en-US" dirty="0"/>
+          </a:p>
+        </p:txBody>
+      </p:sp>
+      <p:cxnSp>
+        <p:nvCxnSpPr>
+          <p:cNvPr id="54" name="直接连接符 53">
+            <a:extLst>
+              <a:ext uri="{FF2B5EF4-FFF2-40B4-BE49-F238E27FC236}">
+                <a16:creationId xmlns:a16="http://schemas.microsoft.com/office/drawing/2014/main" id="{C8E3CC7B-C273-461A-81CB-6438E29F8294}"/>
+              </a:ext>
+            </a:extLst>
+          </p:cNvPr>
+          <p:cNvCxnSpPr>
+            <a:cxnSpLocks/>
+          </p:cNvCxnSpPr>
+          <p:nvPr/>
+        </p:nvCxnSpPr>
+        <p:spPr>
+          <a:xfrm>
+            <a:off x="6185094" y="1574915"/>
+            <a:ext cx="0" cy="600074"/>
+          </a:xfrm>
+          <a:prstGeom prst="line">
+            <a:avLst/>
+          </a:prstGeom>
+          <a:ln w="57150"/>
+        </p:spPr>
+        <p:style>
+          <a:lnRef idx="1">
+            <a:schemeClr val="accent1"/>
+          </a:lnRef>
+          <a:fillRef idx="0">
+            <a:schemeClr val="accent1"/>
+          </a:fillRef>
+          <a:effectRef idx="0">
+            <a:schemeClr val="accent1"/>
+          </a:effectRef>
+          <a:fontRef idx="minor">
+            <a:schemeClr val="tx1"/>
+          </a:fontRef>
+        </p:style>
+      </p:cxnSp>
+      <p:cxnSp>
+        <p:nvCxnSpPr>
+          <p:cNvPr id="57" name="直接连接符 56">
+            <a:extLst>
+              <a:ext uri="{FF2B5EF4-FFF2-40B4-BE49-F238E27FC236}">
+                <a16:creationId xmlns:a16="http://schemas.microsoft.com/office/drawing/2014/main" id="{6363A3F2-7FB1-4494-8B7A-0F0741EE965F}"/>
+              </a:ext>
+            </a:extLst>
+          </p:cNvPr>
+          <p:cNvCxnSpPr>
+            <a:cxnSpLocks/>
+          </p:cNvCxnSpPr>
+          <p:nvPr/>
+        </p:nvCxnSpPr>
+        <p:spPr>
+          <a:xfrm>
+            <a:off x="6344637" y="1511811"/>
+            <a:ext cx="0" cy="726283"/>
+          </a:xfrm>
+          <a:prstGeom prst="line">
+            <a:avLst/>
+          </a:prstGeom>
+          <a:ln w="57150"/>
+        </p:spPr>
+        <p:style>
+          <a:lnRef idx="1">
+            <a:schemeClr val="accent1"/>
+          </a:lnRef>
+          <a:fillRef idx="0">
+            <a:schemeClr val="accent1"/>
+          </a:fillRef>
+          <a:effectRef idx="0">
+            <a:schemeClr val="accent1"/>
+          </a:effectRef>
+          <a:fontRef idx="minor">
+            <a:schemeClr val="tx1"/>
+          </a:fontRef>
+        </p:style>
+      </p:cxnSp>
+      <p:sp>
+        <p:nvSpPr>
+          <p:cNvPr id="2" name="椭圆 1">
+            <a:extLst>
+              <a:ext uri="{FF2B5EF4-FFF2-40B4-BE49-F238E27FC236}">
+                <a16:creationId xmlns:a16="http://schemas.microsoft.com/office/drawing/2014/main" id="{48FF4D31-9F68-4FB4-AAEE-53393ED1460E}"/>
+              </a:ext>
+            </a:extLst>
+          </p:cNvPr>
+          <p:cNvSpPr/>
+          <p:nvPr/>
+        </p:nvSpPr>
+        <p:spPr>
+          <a:xfrm>
+            <a:off x="6095981" y="1824152"/>
+            <a:ext cx="72000" cy="72000"/>
+          </a:xfrm>
+          <a:prstGeom prst="ellipse">
+            <a:avLst/>
+          </a:prstGeom>
+          <a:solidFill>
+            <a:schemeClr val="bg1"/>
+          </a:solidFill>
+        </p:spPr>
+        <p:style>
+          <a:lnRef idx="2">
+            <a:schemeClr val="accent1">
+              <a:shade val="50000"/>
+            </a:schemeClr>
+          </a:lnRef>
+          <a:fillRef idx="1">
+            <a:schemeClr val="accent1"/>
+          </a:fillRef>
+          <a:effectRef idx="0">
+            <a:schemeClr val="accent1"/>
+          </a:effectRef>
+          <a:fontRef idx="minor">
+            <a:schemeClr val="lt1"/>
+          </a:fontRef>
+        </p:style>
+        <p:txBody>
+          <a:bodyPr rtlCol="0" anchor="ctr"/>
+          <a:lstStyle/>
+          <a:p>
+            <a:pPr algn="ctr"/>
+            <a:endParaRPr lang="zh-CN" altLang="en-US" dirty="0"/>
+          </a:p>
+        </p:txBody>
+      </p:sp>
+      <p:cxnSp>
+        <p:nvCxnSpPr>
+          <p:cNvPr id="58" name="直接连接符 57">
+            <a:extLst>
+              <a:ext uri="{FF2B5EF4-FFF2-40B4-BE49-F238E27FC236}">
+                <a16:creationId xmlns:a16="http://schemas.microsoft.com/office/drawing/2014/main" id="{3B717A35-1AF2-42A7-875A-B273128FF4F5}"/>
+              </a:ext>
+            </a:extLst>
+          </p:cNvPr>
+          <p:cNvCxnSpPr>
+            <a:cxnSpLocks/>
+          </p:cNvCxnSpPr>
+          <p:nvPr/>
+        </p:nvCxnSpPr>
+        <p:spPr>
+          <a:xfrm>
+            <a:off x="6366061" y="2076961"/>
+            <a:ext cx="274435" cy="0"/>
+          </a:xfrm>
+          <a:prstGeom prst="line">
+            <a:avLst/>
+          </a:prstGeom>
+          <a:ln w="19050"/>
+        </p:spPr>
+        <p:style>
+          <a:lnRef idx="1">
+            <a:schemeClr val="accent1"/>
+          </a:lnRef>
+          <a:fillRef idx="0">
+            <a:schemeClr val="accent1"/>
+          </a:fillRef>
+          <a:effectRef idx="0">
+            <a:schemeClr val="accent1"/>
+          </a:effectRef>
+          <a:fontRef idx="minor">
+            <a:schemeClr val="tx1"/>
+          </a:fontRef>
+        </p:style>
+      </p:cxnSp>
+      <p:cxnSp>
+        <p:nvCxnSpPr>
+          <p:cNvPr id="59" name="直接连接符 58">
+            <a:extLst>
+              <a:ext uri="{FF2B5EF4-FFF2-40B4-BE49-F238E27FC236}">
+                <a16:creationId xmlns:a16="http://schemas.microsoft.com/office/drawing/2014/main" id="{663BB54B-E1CC-4290-A034-DFD720AA6689}"/>
+              </a:ext>
+            </a:extLst>
+          </p:cNvPr>
+          <p:cNvCxnSpPr>
+            <a:cxnSpLocks/>
+          </p:cNvCxnSpPr>
+          <p:nvPr/>
+        </p:nvCxnSpPr>
+        <p:spPr>
+          <a:xfrm flipV="1">
+            <a:off x="6643768" y="2076961"/>
+            <a:ext cx="0" cy="166686"/>
+          </a:xfrm>
+          <a:prstGeom prst="line">
+            <a:avLst/>
+          </a:prstGeom>
+          <a:ln w="19050"/>
+        </p:spPr>
+        <p:style>
+          <a:lnRef idx="1">
+            <a:schemeClr val="accent1"/>
+          </a:lnRef>
+          <a:fillRef idx="0">
+            <a:schemeClr val="accent1"/>
+          </a:fillRef>
+          <a:effectRef idx="0">
+            <a:schemeClr val="accent1"/>
+          </a:effectRef>
+          <a:fontRef idx="minor">
+            <a:schemeClr val="tx1"/>
+          </a:fontRef>
+        </p:style>
+      </p:cxnSp>
+      <p:cxnSp>
+        <p:nvCxnSpPr>
+          <p:cNvPr id="62" name="直接连接符 61">
+            <a:extLst>
+              <a:ext uri="{FF2B5EF4-FFF2-40B4-BE49-F238E27FC236}">
+                <a16:creationId xmlns:a16="http://schemas.microsoft.com/office/drawing/2014/main" id="{C87C6530-2B61-4E82-AE63-674830156DB2}"/>
+              </a:ext>
+            </a:extLst>
+          </p:cNvPr>
+          <p:cNvCxnSpPr>
+            <a:cxnSpLocks/>
+          </p:cNvCxnSpPr>
+          <p:nvPr/>
+        </p:nvCxnSpPr>
+        <p:spPr>
+          <a:xfrm>
+            <a:off x="5821546" y="1863438"/>
+            <a:ext cx="274435" cy="0"/>
+          </a:xfrm>
+          <a:prstGeom prst="line">
+            <a:avLst/>
+          </a:prstGeom>
+          <a:ln w="19050"/>
+        </p:spPr>
+        <p:style>
+          <a:lnRef idx="1">
+            <a:schemeClr val="accent1"/>
+          </a:lnRef>
+          <a:fillRef idx="0">
+            <a:schemeClr val="accent1"/>
+          </a:fillRef>
+          <a:effectRef idx="0">
+            <a:schemeClr val="accent1"/>
+          </a:effectRef>
+          <a:fontRef idx="minor">
+            <a:schemeClr val="tx1"/>
+          </a:fontRef>
+        </p:style>
+      </p:cxnSp>
+      <p:cxnSp>
+        <p:nvCxnSpPr>
+          <p:cNvPr id="63" name="直接连接符 62">
+            <a:extLst>
+              <a:ext uri="{FF2B5EF4-FFF2-40B4-BE49-F238E27FC236}">
+                <a16:creationId xmlns:a16="http://schemas.microsoft.com/office/drawing/2014/main" id="{6963EBE9-C6BF-46AC-AD8C-1B4D108A27C3}"/>
+              </a:ext>
+            </a:extLst>
+          </p:cNvPr>
+          <p:cNvCxnSpPr>
+            <a:cxnSpLocks/>
+          </p:cNvCxnSpPr>
+          <p:nvPr/>
+        </p:nvCxnSpPr>
+        <p:spPr>
+          <a:xfrm>
+            <a:off x="6344636" y="1670161"/>
+            <a:ext cx="299132" cy="1"/>
+          </a:xfrm>
+          <a:prstGeom prst="line">
+            <a:avLst/>
+          </a:prstGeom>
+          <a:ln w="19050"/>
+        </p:spPr>
+        <p:style>
+          <a:lnRef idx="1">
+            <a:schemeClr val="accent1"/>
+          </a:lnRef>
+          <a:fillRef idx="0">
+            <a:schemeClr val="accent1"/>
+          </a:fillRef>
+          <a:effectRef idx="0">
+            <a:schemeClr val="accent1"/>
+          </a:effectRef>
+          <a:fontRef idx="minor">
+            <a:schemeClr val="tx1"/>
+          </a:fontRef>
+        </p:style>
+      </p:cxnSp>
+      <p:cxnSp>
+        <p:nvCxnSpPr>
+          <p:cNvPr id="64" name="直接连接符 63">
+            <a:extLst>
+              <a:ext uri="{FF2B5EF4-FFF2-40B4-BE49-F238E27FC236}">
+                <a16:creationId xmlns:a16="http://schemas.microsoft.com/office/drawing/2014/main" id="{E9B67AB3-E8F7-49A7-ABC6-C55A52A93E8B}"/>
+              </a:ext>
+            </a:extLst>
+          </p:cNvPr>
+          <p:cNvCxnSpPr>
+            <a:cxnSpLocks/>
+          </p:cNvCxnSpPr>
+          <p:nvPr/>
+        </p:nvCxnSpPr>
+        <p:spPr>
+          <a:xfrm flipV="1">
+            <a:off x="6643768" y="1503475"/>
+            <a:ext cx="0" cy="166686"/>
+          </a:xfrm>
+          <a:prstGeom prst="line">
+            <a:avLst/>
+          </a:prstGeom>
+          <a:ln w="19050"/>
+        </p:spPr>
+        <p:style>
+          <a:lnRef idx="1">
+            <a:schemeClr val="accent1"/>
+          </a:lnRef>
+          <a:fillRef idx="0">
+            <a:schemeClr val="accent1"/>
+          </a:fillRef>
+          <a:effectRef idx="0">
+            <a:schemeClr val="accent1"/>
+          </a:effectRef>
+          <a:fontRef idx="minor">
+            <a:schemeClr val="tx1"/>
+          </a:fontRef>
+        </p:style>
+      </p:cxnSp>
+      <p:cxnSp>
+        <p:nvCxnSpPr>
+          <p:cNvPr id="65" name="直接连接符 64">
+            <a:extLst>
+              <a:ext uri="{FF2B5EF4-FFF2-40B4-BE49-F238E27FC236}">
+                <a16:creationId xmlns:a16="http://schemas.microsoft.com/office/drawing/2014/main" id="{E004EE93-3AF0-4AD3-B6C8-F04539ADE5C0}"/>
+              </a:ext>
+            </a:extLst>
+          </p:cNvPr>
+          <p:cNvCxnSpPr>
+            <a:cxnSpLocks/>
+          </p:cNvCxnSpPr>
+          <p:nvPr/>
+        </p:nvCxnSpPr>
+        <p:spPr>
+          <a:xfrm>
+            <a:off x="6185094" y="3206782"/>
+            <a:ext cx="0" cy="600074"/>
+          </a:xfrm>
+          <a:prstGeom prst="line">
+            <a:avLst/>
+          </a:prstGeom>
+          <a:ln w="57150"/>
+        </p:spPr>
+        <p:style>
+          <a:lnRef idx="1">
+            <a:schemeClr val="accent1"/>
+          </a:lnRef>
+          <a:fillRef idx="0">
+            <a:schemeClr val="accent1"/>
+          </a:fillRef>
+          <a:effectRef idx="0">
+            <a:schemeClr val="accent1"/>
+          </a:effectRef>
+          <a:fontRef idx="minor">
+            <a:schemeClr val="tx1"/>
+          </a:fontRef>
+        </p:style>
+      </p:cxnSp>
+      <p:cxnSp>
+        <p:nvCxnSpPr>
+          <p:cNvPr id="66" name="直接连接符 65">
+            <a:extLst>
+              <a:ext uri="{FF2B5EF4-FFF2-40B4-BE49-F238E27FC236}">
+                <a16:creationId xmlns:a16="http://schemas.microsoft.com/office/drawing/2014/main" id="{9E4FC765-4264-43B4-9CB6-F9223D077E39}"/>
+              </a:ext>
+            </a:extLst>
+          </p:cNvPr>
+          <p:cNvCxnSpPr>
+            <a:cxnSpLocks/>
+          </p:cNvCxnSpPr>
+          <p:nvPr/>
+        </p:nvCxnSpPr>
+        <p:spPr>
+          <a:xfrm>
+            <a:off x="6344637" y="3143678"/>
+            <a:ext cx="0" cy="726283"/>
+          </a:xfrm>
+          <a:prstGeom prst="line">
+            <a:avLst/>
+          </a:prstGeom>
+          <a:ln w="57150"/>
+        </p:spPr>
+        <p:style>
+          <a:lnRef idx="1">
+            <a:schemeClr val="accent1"/>
+          </a:lnRef>
+          <a:fillRef idx="0">
+            <a:schemeClr val="accent1"/>
+          </a:fillRef>
+          <a:effectRef idx="0">
+            <a:schemeClr val="accent1"/>
+          </a:effectRef>
+          <a:fontRef idx="minor">
+            <a:schemeClr val="tx1"/>
+          </a:fontRef>
+        </p:style>
+      </p:cxnSp>
+      <p:cxnSp>
+        <p:nvCxnSpPr>
+          <p:cNvPr id="68" name="直接连接符 67">
+            <a:extLst>
+              <a:ext uri="{FF2B5EF4-FFF2-40B4-BE49-F238E27FC236}">
+                <a16:creationId xmlns:a16="http://schemas.microsoft.com/office/drawing/2014/main" id="{594E19AE-90CD-4303-A017-CF95F5DCA458}"/>
+              </a:ext>
+            </a:extLst>
+          </p:cNvPr>
+          <p:cNvCxnSpPr>
+            <a:cxnSpLocks/>
+          </p:cNvCxnSpPr>
+          <p:nvPr/>
+        </p:nvCxnSpPr>
+        <p:spPr>
+          <a:xfrm>
+            <a:off x="6366061" y="3708828"/>
+            <a:ext cx="274435" cy="0"/>
+          </a:xfrm>
+          <a:prstGeom prst="line">
+            <a:avLst/>
+          </a:prstGeom>
+          <a:ln w="19050"/>
+        </p:spPr>
+        <p:style>
+          <a:lnRef idx="1">
+            <a:schemeClr val="accent1"/>
+          </a:lnRef>
+          <a:fillRef idx="0">
+            <a:schemeClr val="accent1"/>
+          </a:fillRef>
+          <a:effectRef idx="0">
+            <a:schemeClr val="accent1"/>
+          </a:effectRef>
+          <a:fontRef idx="minor">
+            <a:schemeClr val="tx1"/>
+          </a:fontRef>
+        </p:style>
+      </p:cxnSp>
+      <p:cxnSp>
+        <p:nvCxnSpPr>
+          <p:cNvPr id="69" name="直接连接符 68">
+            <a:extLst>
+              <a:ext uri="{FF2B5EF4-FFF2-40B4-BE49-F238E27FC236}">
+                <a16:creationId xmlns:a16="http://schemas.microsoft.com/office/drawing/2014/main" id="{F8705201-04DE-41E7-B00A-9A7E06CB2B41}"/>
+              </a:ext>
+            </a:extLst>
+          </p:cNvPr>
+          <p:cNvCxnSpPr>
+            <a:cxnSpLocks/>
+          </p:cNvCxnSpPr>
+          <p:nvPr/>
+        </p:nvCxnSpPr>
+        <p:spPr>
+          <a:xfrm flipV="1">
+            <a:off x="6643768" y="3708828"/>
+            <a:ext cx="0" cy="166686"/>
+          </a:xfrm>
+          <a:prstGeom prst="line">
+            <a:avLst/>
+          </a:prstGeom>
+          <a:ln w="19050"/>
+        </p:spPr>
+        <p:style>
+          <a:lnRef idx="1">
+            <a:schemeClr val="accent1"/>
+          </a:lnRef>
+          <a:fillRef idx="0">
+            <a:schemeClr val="accent1"/>
+          </a:fillRef>
+          <a:effectRef idx="0">
+            <a:schemeClr val="accent1"/>
+          </a:effectRef>
+          <a:fontRef idx="minor">
+            <a:schemeClr val="tx1"/>
+          </a:fontRef>
+        </p:style>
+      </p:cxnSp>
+      <p:cxnSp>
+        <p:nvCxnSpPr>
+          <p:cNvPr id="70" name="直接连接符 69">
+            <a:extLst>
+              <a:ext uri="{FF2B5EF4-FFF2-40B4-BE49-F238E27FC236}">
+                <a16:creationId xmlns:a16="http://schemas.microsoft.com/office/drawing/2014/main" id="{E93281DF-2455-41B4-A267-FF1793273789}"/>
+              </a:ext>
+            </a:extLst>
+          </p:cNvPr>
+          <p:cNvCxnSpPr>
+            <a:cxnSpLocks/>
+          </p:cNvCxnSpPr>
+          <p:nvPr/>
+        </p:nvCxnSpPr>
+        <p:spPr>
+          <a:xfrm flipV="1">
+            <a:off x="5821546" y="3494914"/>
+            <a:ext cx="346435" cy="391"/>
+          </a:xfrm>
+          <a:prstGeom prst="line">
+            <a:avLst/>
+          </a:prstGeom>
+          <a:ln w="19050"/>
+        </p:spPr>
+        <p:style>
+          <a:lnRef idx="1">
+            <a:schemeClr val="accent1"/>
+          </a:lnRef>
+          <a:fillRef idx="0">
+            <a:schemeClr val="accent1"/>
+          </a:fillRef>
+          <a:effectRef idx="0">
+            <a:schemeClr val="accent1"/>
+          </a:effectRef>
+          <a:fontRef idx="minor">
+            <a:schemeClr val="tx1"/>
+          </a:fontRef>
+        </p:style>
+      </p:cxnSp>
+      <p:cxnSp>
+        <p:nvCxnSpPr>
+          <p:cNvPr id="71" name="直接连接符 70">
+            <a:extLst>
+              <a:ext uri="{FF2B5EF4-FFF2-40B4-BE49-F238E27FC236}">
+                <a16:creationId xmlns:a16="http://schemas.microsoft.com/office/drawing/2014/main" id="{3EDADCA3-1A23-43B8-9BC0-23CBBF9AF2BA}"/>
+              </a:ext>
+            </a:extLst>
+          </p:cNvPr>
+          <p:cNvCxnSpPr>
+            <a:cxnSpLocks/>
+          </p:cNvCxnSpPr>
+          <p:nvPr/>
+        </p:nvCxnSpPr>
+        <p:spPr>
+          <a:xfrm>
+            <a:off x="6344636" y="3302028"/>
+            <a:ext cx="299132" cy="1"/>
+          </a:xfrm>
+          <a:prstGeom prst="line">
+            <a:avLst/>
+          </a:prstGeom>
+          <a:ln w="19050"/>
+        </p:spPr>
+        <p:style>
+          <a:lnRef idx="1">
+            <a:schemeClr val="accent1"/>
+          </a:lnRef>
+          <a:fillRef idx="0">
+            <a:schemeClr val="accent1"/>
+          </a:fillRef>
+          <a:effectRef idx="0">
+            <a:schemeClr val="accent1"/>
+          </a:effectRef>
+          <a:fontRef idx="minor">
+            <a:schemeClr val="tx1"/>
+          </a:fontRef>
+        </p:style>
+      </p:cxnSp>
+      <p:cxnSp>
+        <p:nvCxnSpPr>
+          <p:cNvPr id="72" name="直接连接符 71">
+            <a:extLst>
+              <a:ext uri="{FF2B5EF4-FFF2-40B4-BE49-F238E27FC236}">
+                <a16:creationId xmlns:a16="http://schemas.microsoft.com/office/drawing/2014/main" id="{6240EB80-8D29-4F5C-990A-027836CFD80E}"/>
+              </a:ext>
+            </a:extLst>
+          </p:cNvPr>
+          <p:cNvCxnSpPr>
+            <a:cxnSpLocks/>
+          </p:cNvCxnSpPr>
+          <p:nvPr/>
+        </p:nvCxnSpPr>
+        <p:spPr>
+          <a:xfrm flipV="1">
+            <a:off x="6643768" y="3135342"/>
+            <a:ext cx="0" cy="166686"/>
+          </a:xfrm>
+          <a:prstGeom prst="line">
+            <a:avLst/>
+          </a:prstGeom>
+          <a:ln w="19050"/>
+        </p:spPr>
+        <p:style>
+          <a:lnRef idx="1">
+            <a:schemeClr val="accent1"/>
+          </a:lnRef>
+          <a:fillRef idx="0">
+            <a:schemeClr val="accent1"/>
+          </a:fillRef>
+          <a:effectRef idx="0">
+            <a:schemeClr val="accent1"/>
+          </a:effectRef>
+          <a:fontRef idx="minor">
+            <a:schemeClr val="tx1"/>
+          </a:fontRef>
+        </p:style>
+      </p:cxnSp>
+      <p:sp>
+        <p:nvSpPr>
+          <p:cNvPr id="7" name="文本框 6">
+            <a:extLst>
+              <a:ext uri="{FF2B5EF4-FFF2-40B4-BE49-F238E27FC236}">
+                <a16:creationId xmlns:a16="http://schemas.microsoft.com/office/drawing/2014/main" id="{4DCBDCB4-0479-4C75-8003-9D65D73A9E42}"/>
+              </a:ext>
+            </a:extLst>
+          </p:cNvPr>
+          <p:cNvSpPr txBox="1"/>
+          <p:nvPr/>
+        </p:nvSpPr>
+        <p:spPr>
+          <a:xfrm>
+            <a:off x="1502429" y="1693660"/>
+            <a:ext cx="758541" cy="369332"/>
+          </a:xfrm>
+          <a:prstGeom prst="rect">
+            <a:avLst/>
+          </a:prstGeom>
+          <a:noFill/>
+        </p:spPr>
+        <p:txBody>
+          <a:bodyPr wrap="none" rtlCol="0">
+            <a:spAutoFit/>
+          </a:bodyPr>
+          <a:lstStyle/>
+          <a:p>
+            <a:r>
+              <a:rPr lang="en-US" altLang="zh-CN" dirty="0"/>
+              <a:t>PMOS</a:t>
+            </a:r>
+            <a:endParaRPr lang="zh-CN" altLang="en-US" dirty="0"/>
+          </a:p>
+        </p:txBody>
+      </p:sp>
+      <p:sp>
+        <p:nvSpPr>
+          <p:cNvPr id="73" name="文本框 72">
+            <a:extLst>
+              <a:ext uri="{FF2B5EF4-FFF2-40B4-BE49-F238E27FC236}">
+                <a16:creationId xmlns:a16="http://schemas.microsoft.com/office/drawing/2014/main" id="{2E3A548E-3582-47FB-BD20-A6B47D6D0CB9}"/>
+              </a:ext>
+            </a:extLst>
+          </p:cNvPr>
+          <p:cNvSpPr txBox="1"/>
+          <p:nvPr/>
+        </p:nvSpPr>
+        <p:spPr>
+          <a:xfrm>
+            <a:off x="1498051" y="3322153"/>
+            <a:ext cx="788999" cy="369332"/>
+          </a:xfrm>
+          <a:prstGeom prst="rect">
+            <a:avLst/>
+          </a:prstGeom>
+          <a:noFill/>
+        </p:spPr>
+        <p:txBody>
+          <a:bodyPr wrap="none" rtlCol="0">
+            <a:spAutoFit/>
+          </a:bodyPr>
+          <a:lstStyle/>
+          <a:p>
+            <a:r>
+              <a:rPr lang="en-US" altLang="zh-CN" dirty="0"/>
+              <a:t>NMOS</a:t>
+            </a:r>
+            <a:endParaRPr lang="zh-CN" altLang="en-US" dirty="0"/>
+          </a:p>
+        </p:txBody>
+      </p:sp>
     </p:spTree>
     <p:extLst>
       <p:ext uri="{BB962C8B-B14F-4D97-AF65-F5344CB8AC3E}">
         <p14:creationId xmlns:p14="http://schemas.microsoft.com/office/powerpoint/2010/main" val="926198162"/>
+      </p:ext>
+    </p:extLst>
+  </p:cSld>
+  <p:clrMapOvr>
+    <a:masterClrMapping/>
+  </p:clrMapOvr>
+</p:sld>
+</file>
+
+<file path=ppt/slides/slide6.xml><?xml version="1.0" encoding="utf-8"?>
+<p:sld xmlns:a="http://schemas.openxmlformats.org/drawingml/2006/main" xmlns:r="http://schemas.openxmlformats.org/officeDocument/2006/relationships" xmlns:p="http://schemas.openxmlformats.org/presentationml/2006/main">
+  <p:cSld>
+    <p:spTree>
+      <p:nvGrpSpPr>
+        <p:cNvPr id="1" name=""/>
+        <p:cNvGrpSpPr/>
+        <p:nvPr/>
+      </p:nvGrpSpPr>
+      <p:grpSpPr>
+        <a:xfrm>
+          <a:off x="0" y="0"/>
+          <a:ext cx="0" cy="0"/>
+          <a:chOff x="0" y="0"/>
+          <a:chExt cx="0" cy="0"/>
+        </a:xfrm>
+      </p:grpSpPr>
+      <p:cxnSp>
+        <p:nvCxnSpPr>
+          <p:cNvPr id="4" name="直接连接符 3">
+            <a:extLst>
+              <a:ext uri="{FF2B5EF4-FFF2-40B4-BE49-F238E27FC236}">
+                <a16:creationId xmlns:a16="http://schemas.microsoft.com/office/drawing/2014/main" id="{626A43A7-C529-48D4-A36F-23AE566396B2}"/>
+              </a:ext>
+            </a:extLst>
+          </p:cNvPr>
+          <p:cNvCxnSpPr>
+            <a:cxnSpLocks/>
+          </p:cNvCxnSpPr>
+          <p:nvPr/>
+        </p:nvCxnSpPr>
+        <p:spPr>
+          <a:xfrm>
+            <a:off x="4871199" y="1068888"/>
+            <a:ext cx="0" cy="600074"/>
+          </a:xfrm>
+          <a:prstGeom prst="line">
+            <a:avLst/>
+          </a:prstGeom>
+          <a:ln w="57150"/>
+        </p:spPr>
+        <p:style>
+          <a:lnRef idx="1">
+            <a:schemeClr val="accent1"/>
+          </a:lnRef>
+          <a:fillRef idx="0">
+            <a:schemeClr val="accent1"/>
+          </a:fillRef>
+          <a:effectRef idx="0">
+            <a:schemeClr val="accent1"/>
+          </a:effectRef>
+          <a:fontRef idx="minor">
+            <a:schemeClr val="tx1"/>
+          </a:fontRef>
+        </p:style>
+      </p:cxnSp>
+      <p:cxnSp>
+        <p:nvCxnSpPr>
+          <p:cNvPr id="5" name="直接连接符 4">
+            <a:extLst>
+              <a:ext uri="{FF2B5EF4-FFF2-40B4-BE49-F238E27FC236}">
+                <a16:creationId xmlns:a16="http://schemas.microsoft.com/office/drawing/2014/main" id="{501B8BA1-26A6-4548-8EC9-35850BAB0980}"/>
+              </a:ext>
+            </a:extLst>
+          </p:cNvPr>
+          <p:cNvCxnSpPr>
+            <a:cxnSpLocks/>
+          </p:cNvCxnSpPr>
+          <p:nvPr/>
+        </p:nvCxnSpPr>
+        <p:spPr>
+          <a:xfrm>
+            <a:off x="5030742" y="1005784"/>
+            <a:ext cx="0" cy="726283"/>
+          </a:xfrm>
+          <a:prstGeom prst="line">
+            <a:avLst/>
+          </a:prstGeom>
+          <a:ln w="57150"/>
+        </p:spPr>
+        <p:style>
+          <a:lnRef idx="1">
+            <a:schemeClr val="accent1"/>
+          </a:lnRef>
+          <a:fillRef idx="0">
+            <a:schemeClr val="accent1"/>
+          </a:fillRef>
+          <a:effectRef idx="0">
+            <a:schemeClr val="accent1"/>
+          </a:effectRef>
+          <a:fontRef idx="minor">
+            <a:schemeClr val="tx1"/>
+          </a:fontRef>
+        </p:style>
+      </p:cxnSp>
+      <p:sp>
+        <p:nvSpPr>
+          <p:cNvPr id="6" name="椭圆 5">
+            <a:extLst>
+              <a:ext uri="{FF2B5EF4-FFF2-40B4-BE49-F238E27FC236}">
+                <a16:creationId xmlns:a16="http://schemas.microsoft.com/office/drawing/2014/main" id="{36C8E0F8-7802-4C33-8390-E33FC059A8A2}"/>
+              </a:ext>
+            </a:extLst>
+          </p:cNvPr>
+          <p:cNvSpPr/>
+          <p:nvPr/>
+        </p:nvSpPr>
+        <p:spPr>
+          <a:xfrm>
+            <a:off x="4782086" y="1318125"/>
+            <a:ext cx="72000" cy="72000"/>
+          </a:xfrm>
+          <a:prstGeom prst="ellipse">
+            <a:avLst/>
+          </a:prstGeom>
+          <a:solidFill>
+            <a:schemeClr val="bg1"/>
+          </a:solidFill>
+        </p:spPr>
+        <p:style>
+          <a:lnRef idx="2">
+            <a:schemeClr val="accent1">
+              <a:shade val="50000"/>
+            </a:schemeClr>
+          </a:lnRef>
+          <a:fillRef idx="1">
+            <a:schemeClr val="accent1"/>
+          </a:fillRef>
+          <a:effectRef idx="0">
+            <a:schemeClr val="accent1"/>
+          </a:effectRef>
+          <a:fontRef idx="minor">
+            <a:schemeClr val="lt1"/>
+          </a:fontRef>
+        </p:style>
+        <p:txBody>
+          <a:bodyPr rtlCol="0" anchor="ctr"/>
+          <a:lstStyle/>
+          <a:p>
+            <a:pPr algn="ctr"/>
+            <a:endParaRPr lang="zh-CN" altLang="en-US" dirty="0"/>
+          </a:p>
+        </p:txBody>
+      </p:sp>
+      <p:cxnSp>
+        <p:nvCxnSpPr>
+          <p:cNvPr id="7" name="直接连接符 6">
+            <a:extLst>
+              <a:ext uri="{FF2B5EF4-FFF2-40B4-BE49-F238E27FC236}">
+                <a16:creationId xmlns:a16="http://schemas.microsoft.com/office/drawing/2014/main" id="{78CCB00E-DE86-4248-8423-90B8FC83AF46}"/>
+              </a:ext>
+            </a:extLst>
+          </p:cNvPr>
+          <p:cNvCxnSpPr>
+            <a:cxnSpLocks/>
+          </p:cNvCxnSpPr>
+          <p:nvPr/>
+        </p:nvCxnSpPr>
+        <p:spPr>
+          <a:xfrm>
+            <a:off x="5052166" y="1570934"/>
+            <a:ext cx="274435" cy="0"/>
+          </a:xfrm>
+          <a:prstGeom prst="line">
+            <a:avLst/>
+          </a:prstGeom>
+          <a:ln w="19050"/>
+        </p:spPr>
+        <p:style>
+          <a:lnRef idx="1">
+            <a:schemeClr val="accent1"/>
+          </a:lnRef>
+          <a:fillRef idx="0">
+            <a:schemeClr val="accent1"/>
+          </a:fillRef>
+          <a:effectRef idx="0">
+            <a:schemeClr val="accent1"/>
+          </a:effectRef>
+          <a:fontRef idx="minor">
+            <a:schemeClr val="tx1"/>
+          </a:fontRef>
+        </p:style>
+      </p:cxnSp>
+      <p:cxnSp>
+        <p:nvCxnSpPr>
+          <p:cNvPr id="8" name="直接连接符 7">
+            <a:extLst>
+              <a:ext uri="{FF2B5EF4-FFF2-40B4-BE49-F238E27FC236}">
+                <a16:creationId xmlns:a16="http://schemas.microsoft.com/office/drawing/2014/main" id="{641D063D-0AAA-4BDC-8DAC-FCAB77D0F266}"/>
+              </a:ext>
+            </a:extLst>
+          </p:cNvPr>
+          <p:cNvCxnSpPr>
+            <a:cxnSpLocks/>
+          </p:cNvCxnSpPr>
+          <p:nvPr/>
+        </p:nvCxnSpPr>
+        <p:spPr>
+          <a:xfrm flipV="1">
+            <a:off x="5329873" y="1570934"/>
+            <a:ext cx="0" cy="166686"/>
+          </a:xfrm>
+          <a:prstGeom prst="line">
+            <a:avLst/>
+          </a:prstGeom>
+          <a:ln w="19050"/>
+        </p:spPr>
+        <p:style>
+          <a:lnRef idx="1">
+            <a:schemeClr val="accent1"/>
+          </a:lnRef>
+          <a:fillRef idx="0">
+            <a:schemeClr val="accent1"/>
+          </a:fillRef>
+          <a:effectRef idx="0">
+            <a:schemeClr val="accent1"/>
+          </a:effectRef>
+          <a:fontRef idx="minor">
+            <a:schemeClr val="tx1"/>
+          </a:fontRef>
+        </p:style>
+      </p:cxnSp>
+      <p:cxnSp>
+        <p:nvCxnSpPr>
+          <p:cNvPr id="9" name="直接连接符 8">
+            <a:extLst>
+              <a:ext uri="{FF2B5EF4-FFF2-40B4-BE49-F238E27FC236}">
+                <a16:creationId xmlns:a16="http://schemas.microsoft.com/office/drawing/2014/main" id="{59E50824-638D-42D0-A161-30B7E49C24BC}"/>
+              </a:ext>
+            </a:extLst>
+          </p:cNvPr>
+          <p:cNvCxnSpPr>
+            <a:cxnSpLocks/>
+          </p:cNvCxnSpPr>
+          <p:nvPr/>
+        </p:nvCxnSpPr>
+        <p:spPr>
+          <a:xfrm>
+            <a:off x="4507651" y="1357411"/>
+            <a:ext cx="274435" cy="0"/>
+          </a:xfrm>
+          <a:prstGeom prst="line">
+            <a:avLst/>
+          </a:prstGeom>
+          <a:ln w="19050"/>
+        </p:spPr>
+        <p:style>
+          <a:lnRef idx="1">
+            <a:schemeClr val="accent1"/>
+          </a:lnRef>
+          <a:fillRef idx="0">
+            <a:schemeClr val="accent1"/>
+          </a:fillRef>
+          <a:effectRef idx="0">
+            <a:schemeClr val="accent1"/>
+          </a:effectRef>
+          <a:fontRef idx="minor">
+            <a:schemeClr val="tx1"/>
+          </a:fontRef>
+        </p:style>
+      </p:cxnSp>
+      <p:cxnSp>
+        <p:nvCxnSpPr>
+          <p:cNvPr id="10" name="直接连接符 9">
+            <a:extLst>
+              <a:ext uri="{FF2B5EF4-FFF2-40B4-BE49-F238E27FC236}">
+                <a16:creationId xmlns:a16="http://schemas.microsoft.com/office/drawing/2014/main" id="{B2194C07-3B9C-4500-B31D-5DAB9E1F50C8}"/>
+              </a:ext>
+            </a:extLst>
+          </p:cNvPr>
+          <p:cNvCxnSpPr>
+            <a:cxnSpLocks/>
+          </p:cNvCxnSpPr>
+          <p:nvPr/>
+        </p:nvCxnSpPr>
+        <p:spPr>
+          <a:xfrm>
+            <a:off x="5030741" y="1164134"/>
+            <a:ext cx="299132" cy="1"/>
+          </a:xfrm>
+          <a:prstGeom prst="line">
+            <a:avLst/>
+          </a:prstGeom>
+          <a:ln w="19050"/>
+        </p:spPr>
+        <p:style>
+          <a:lnRef idx="1">
+            <a:schemeClr val="accent1"/>
+          </a:lnRef>
+          <a:fillRef idx="0">
+            <a:schemeClr val="accent1"/>
+          </a:fillRef>
+          <a:effectRef idx="0">
+            <a:schemeClr val="accent1"/>
+          </a:effectRef>
+          <a:fontRef idx="minor">
+            <a:schemeClr val="tx1"/>
+          </a:fontRef>
+        </p:style>
+      </p:cxnSp>
+      <p:cxnSp>
+        <p:nvCxnSpPr>
+          <p:cNvPr id="11" name="直接连接符 10">
+            <a:extLst>
+              <a:ext uri="{FF2B5EF4-FFF2-40B4-BE49-F238E27FC236}">
+                <a16:creationId xmlns:a16="http://schemas.microsoft.com/office/drawing/2014/main" id="{57D6D966-2EFD-4AAD-B5E6-90C910A06BD5}"/>
+              </a:ext>
+            </a:extLst>
+          </p:cNvPr>
+          <p:cNvCxnSpPr>
+            <a:cxnSpLocks/>
+          </p:cNvCxnSpPr>
+          <p:nvPr/>
+        </p:nvCxnSpPr>
+        <p:spPr>
+          <a:xfrm flipV="1">
+            <a:off x="5329873" y="731308"/>
+            <a:ext cx="0" cy="432826"/>
+          </a:xfrm>
+          <a:prstGeom prst="line">
+            <a:avLst/>
+          </a:prstGeom>
+          <a:ln w="19050"/>
+        </p:spPr>
+        <p:style>
+          <a:lnRef idx="1">
+            <a:schemeClr val="accent1"/>
+          </a:lnRef>
+          <a:fillRef idx="0">
+            <a:schemeClr val="accent1"/>
+          </a:fillRef>
+          <a:effectRef idx="0">
+            <a:schemeClr val="accent1"/>
+          </a:effectRef>
+          <a:fontRef idx="minor">
+            <a:schemeClr val="tx1"/>
+          </a:fontRef>
+        </p:style>
+      </p:cxnSp>
+      <p:cxnSp>
+        <p:nvCxnSpPr>
+          <p:cNvPr id="12" name="直接连接符 11">
+            <a:extLst>
+              <a:ext uri="{FF2B5EF4-FFF2-40B4-BE49-F238E27FC236}">
+                <a16:creationId xmlns:a16="http://schemas.microsoft.com/office/drawing/2014/main" id="{53B50843-8EC8-429C-AAEC-5ED0832CA6FD}"/>
+              </a:ext>
+            </a:extLst>
+          </p:cNvPr>
+          <p:cNvCxnSpPr>
+            <a:cxnSpLocks/>
+          </p:cNvCxnSpPr>
+          <p:nvPr/>
+        </p:nvCxnSpPr>
+        <p:spPr>
+          <a:xfrm>
+            <a:off x="4868765" y="4197923"/>
+            <a:ext cx="0" cy="600074"/>
+          </a:xfrm>
+          <a:prstGeom prst="line">
+            <a:avLst/>
+          </a:prstGeom>
+          <a:ln w="57150"/>
+        </p:spPr>
+        <p:style>
+          <a:lnRef idx="1">
+            <a:schemeClr val="accent1"/>
+          </a:lnRef>
+          <a:fillRef idx="0">
+            <a:schemeClr val="accent1"/>
+          </a:fillRef>
+          <a:effectRef idx="0">
+            <a:schemeClr val="accent1"/>
+          </a:effectRef>
+          <a:fontRef idx="minor">
+            <a:schemeClr val="tx1"/>
+          </a:fontRef>
+        </p:style>
+      </p:cxnSp>
+      <p:cxnSp>
+        <p:nvCxnSpPr>
+          <p:cNvPr id="13" name="直接连接符 12">
+            <a:extLst>
+              <a:ext uri="{FF2B5EF4-FFF2-40B4-BE49-F238E27FC236}">
+                <a16:creationId xmlns:a16="http://schemas.microsoft.com/office/drawing/2014/main" id="{C1676AE3-849C-468C-AED0-1CD9D9128C7C}"/>
+              </a:ext>
+            </a:extLst>
+          </p:cNvPr>
+          <p:cNvCxnSpPr>
+            <a:cxnSpLocks/>
+          </p:cNvCxnSpPr>
+          <p:nvPr/>
+        </p:nvCxnSpPr>
+        <p:spPr>
+          <a:xfrm>
+            <a:off x="5028308" y="4134819"/>
+            <a:ext cx="0" cy="726283"/>
+          </a:xfrm>
+          <a:prstGeom prst="line">
+            <a:avLst/>
+          </a:prstGeom>
+          <a:ln w="57150"/>
+        </p:spPr>
+        <p:style>
+          <a:lnRef idx="1">
+            <a:schemeClr val="accent1"/>
+          </a:lnRef>
+          <a:fillRef idx="0">
+            <a:schemeClr val="accent1"/>
+          </a:fillRef>
+          <a:effectRef idx="0">
+            <a:schemeClr val="accent1"/>
+          </a:effectRef>
+          <a:fontRef idx="minor">
+            <a:schemeClr val="tx1"/>
+          </a:fontRef>
+        </p:style>
+      </p:cxnSp>
+      <p:cxnSp>
+        <p:nvCxnSpPr>
+          <p:cNvPr id="14" name="直接连接符 13">
+            <a:extLst>
+              <a:ext uri="{FF2B5EF4-FFF2-40B4-BE49-F238E27FC236}">
+                <a16:creationId xmlns:a16="http://schemas.microsoft.com/office/drawing/2014/main" id="{EBC315C9-34C8-481D-856F-5FEE94C7C6A3}"/>
+              </a:ext>
+            </a:extLst>
+          </p:cNvPr>
+          <p:cNvCxnSpPr>
+            <a:cxnSpLocks/>
+          </p:cNvCxnSpPr>
+          <p:nvPr/>
+        </p:nvCxnSpPr>
+        <p:spPr>
+          <a:xfrm>
+            <a:off x="5049732" y="4699969"/>
+            <a:ext cx="274435" cy="0"/>
+          </a:xfrm>
+          <a:prstGeom prst="line">
+            <a:avLst/>
+          </a:prstGeom>
+          <a:ln w="19050"/>
+        </p:spPr>
+        <p:style>
+          <a:lnRef idx="1">
+            <a:schemeClr val="accent1"/>
+          </a:lnRef>
+          <a:fillRef idx="0">
+            <a:schemeClr val="accent1"/>
+          </a:fillRef>
+          <a:effectRef idx="0">
+            <a:schemeClr val="accent1"/>
+          </a:effectRef>
+          <a:fontRef idx="minor">
+            <a:schemeClr val="tx1"/>
+          </a:fontRef>
+        </p:style>
+      </p:cxnSp>
+      <p:cxnSp>
+        <p:nvCxnSpPr>
+          <p:cNvPr id="15" name="直接连接符 14">
+            <a:extLst>
+              <a:ext uri="{FF2B5EF4-FFF2-40B4-BE49-F238E27FC236}">
+                <a16:creationId xmlns:a16="http://schemas.microsoft.com/office/drawing/2014/main" id="{005B41B1-E20F-423C-BDCB-1491AB715865}"/>
+              </a:ext>
+            </a:extLst>
+          </p:cNvPr>
+          <p:cNvCxnSpPr>
+            <a:cxnSpLocks/>
+          </p:cNvCxnSpPr>
+          <p:nvPr/>
+        </p:nvCxnSpPr>
+        <p:spPr>
+          <a:xfrm flipV="1">
+            <a:off x="5327439" y="4699969"/>
+            <a:ext cx="0" cy="264183"/>
+          </a:xfrm>
+          <a:prstGeom prst="line">
+            <a:avLst/>
+          </a:prstGeom>
+          <a:ln w="19050"/>
+        </p:spPr>
+        <p:style>
+          <a:lnRef idx="1">
+            <a:schemeClr val="accent1"/>
+          </a:lnRef>
+          <a:fillRef idx="0">
+            <a:schemeClr val="accent1"/>
+          </a:fillRef>
+          <a:effectRef idx="0">
+            <a:schemeClr val="accent1"/>
+          </a:effectRef>
+          <a:fontRef idx="minor">
+            <a:schemeClr val="tx1"/>
+          </a:fontRef>
+        </p:style>
+      </p:cxnSp>
+      <p:cxnSp>
+        <p:nvCxnSpPr>
+          <p:cNvPr id="16" name="直接连接符 15">
+            <a:extLst>
+              <a:ext uri="{FF2B5EF4-FFF2-40B4-BE49-F238E27FC236}">
+                <a16:creationId xmlns:a16="http://schemas.microsoft.com/office/drawing/2014/main" id="{9C61CB33-EF90-409B-824F-684C12A0D3B3}"/>
+              </a:ext>
+            </a:extLst>
+          </p:cNvPr>
+          <p:cNvCxnSpPr>
+            <a:cxnSpLocks/>
+          </p:cNvCxnSpPr>
+          <p:nvPr/>
+        </p:nvCxnSpPr>
+        <p:spPr>
+          <a:xfrm flipV="1">
+            <a:off x="4505217" y="4486055"/>
+            <a:ext cx="346435" cy="391"/>
+          </a:xfrm>
+          <a:prstGeom prst="line">
+            <a:avLst/>
+          </a:prstGeom>
+          <a:ln w="19050"/>
+        </p:spPr>
+        <p:style>
+          <a:lnRef idx="1">
+            <a:schemeClr val="accent1"/>
+          </a:lnRef>
+          <a:fillRef idx="0">
+            <a:schemeClr val="accent1"/>
+          </a:fillRef>
+          <a:effectRef idx="0">
+            <a:schemeClr val="accent1"/>
+          </a:effectRef>
+          <a:fontRef idx="minor">
+            <a:schemeClr val="tx1"/>
+          </a:fontRef>
+        </p:style>
+      </p:cxnSp>
+      <p:cxnSp>
+        <p:nvCxnSpPr>
+          <p:cNvPr id="17" name="直接连接符 16">
+            <a:extLst>
+              <a:ext uri="{FF2B5EF4-FFF2-40B4-BE49-F238E27FC236}">
+                <a16:creationId xmlns:a16="http://schemas.microsoft.com/office/drawing/2014/main" id="{BEB0E53F-EACA-4257-90A1-0B7B5226E66B}"/>
+              </a:ext>
+            </a:extLst>
+          </p:cNvPr>
+          <p:cNvCxnSpPr>
+            <a:cxnSpLocks/>
+          </p:cNvCxnSpPr>
+          <p:nvPr/>
+        </p:nvCxnSpPr>
+        <p:spPr>
+          <a:xfrm>
+            <a:off x="5028307" y="4293169"/>
+            <a:ext cx="299132" cy="1"/>
+          </a:xfrm>
+          <a:prstGeom prst="line">
+            <a:avLst/>
+          </a:prstGeom>
+          <a:ln w="19050"/>
+        </p:spPr>
+        <p:style>
+          <a:lnRef idx="1">
+            <a:schemeClr val="accent1"/>
+          </a:lnRef>
+          <a:fillRef idx="0">
+            <a:schemeClr val="accent1"/>
+          </a:fillRef>
+          <a:effectRef idx="0">
+            <a:schemeClr val="accent1"/>
+          </a:effectRef>
+          <a:fontRef idx="minor">
+            <a:schemeClr val="tx1"/>
+          </a:fontRef>
+        </p:style>
+      </p:cxnSp>
+      <p:cxnSp>
+        <p:nvCxnSpPr>
+          <p:cNvPr id="18" name="直接连接符 17">
+            <a:extLst>
+              <a:ext uri="{FF2B5EF4-FFF2-40B4-BE49-F238E27FC236}">
+                <a16:creationId xmlns:a16="http://schemas.microsoft.com/office/drawing/2014/main" id="{C974DFC7-83E2-497A-9BFB-FB846DCC243F}"/>
+              </a:ext>
+            </a:extLst>
+          </p:cNvPr>
+          <p:cNvCxnSpPr>
+            <a:cxnSpLocks/>
+          </p:cNvCxnSpPr>
+          <p:nvPr/>
+        </p:nvCxnSpPr>
+        <p:spPr>
+          <a:xfrm flipH="1" flipV="1">
+            <a:off x="5326600" y="3638888"/>
+            <a:ext cx="839" cy="654281"/>
+          </a:xfrm>
+          <a:prstGeom prst="line">
+            <a:avLst/>
+          </a:prstGeom>
+          <a:ln w="19050"/>
+        </p:spPr>
+        <p:style>
+          <a:lnRef idx="1">
+            <a:schemeClr val="accent1"/>
+          </a:lnRef>
+          <a:fillRef idx="0">
+            <a:schemeClr val="accent1"/>
+          </a:fillRef>
+          <a:effectRef idx="0">
+            <a:schemeClr val="accent1"/>
+          </a:effectRef>
+          <a:fontRef idx="minor">
+            <a:schemeClr val="tx1"/>
+          </a:fontRef>
+        </p:style>
+      </p:cxnSp>
+      <p:cxnSp>
+        <p:nvCxnSpPr>
+          <p:cNvPr id="19" name="直接连接符 18">
+            <a:extLst>
+              <a:ext uri="{FF2B5EF4-FFF2-40B4-BE49-F238E27FC236}">
+                <a16:creationId xmlns:a16="http://schemas.microsoft.com/office/drawing/2014/main" id="{D5EF0B48-6838-4864-89C6-D1480F4C2078}"/>
+              </a:ext>
+            </a:extLst>
+          </p:cNvPr>
+          <p:cNvCxnSpPr>
+            <a:cxnSpLocks/>
+          </p:cNvCxnSpPr>
+          <p:nvPr/>
+        </p:nvCxnSpPr>
+        <p:spPr>
+          <a:xfrm>
+            <a:off x="4867927" y="2138865"/>
+            <a:ext cx="0" cy="600074"/>
+          </a:xfrm>
+          <a:prstGeom prst="line">
+            <a:avLst/>
+          </a:prstGeom>
+          <a:ln w="57150"/>
+        </p:spPr>
+        <p:style>
+          <a:lnRef idx="1">
+            <a:schemeClr val="accent1"/>
+          </a:lnRef>
+          <a:fillRef idx="0">
+            <a:schemeClr val="accent1"/>
+          </a:fillRef>
+          <a:effectRef idx="0">
+            <a:schemeClr val="accent1"/>
+          </a:effectRef>
+          <a:fontRef idx="minor">
+            <a:schemeClr val="tx1"/>
+          </a:fontRef>
+        </p:style>
+      </p:cxnSp>
+      <p:cxnSp>
+        <p:nvCxnSpPr>
+          <p:cNvPr id="20" name="直接连接符 19">
+            <a:extLst>
+              <a:ext uri="{FF2B5EF4-FFF2-40B4-BE49-F238E27FC236}">
+                <a16:creationId xmlns:a16="http://schemas.microsoft.com/office/drawing/2014/main" id="{E32D0297-363D-481F-93D9-08ADA1A41288}"/>
+              </a:ext>
+            </a:extLst>
+          </p:cNvPr>
+          <p:cNvCxnSpPr>
+            <a:cxnSpLocks/>
+          </p:cNvCxnSpPr>
+          <p:nvPr/>
+        </p:nvCxnSpPr>
+        <p:spPr>
+          <a:xfrm>
+            <a:off x="5027470" y="2075761"/>
+            <a:ext cx="0" cy="726283"/>
+          </a:xfrm>
+          <a:prstGeom prst="line">
+            <a:avLst/>
+          </a:prstGeom>
+          <a:ln w="57150"/>
+        </p:spPr>
+        <p:style>
+          <a:lnRef idx="1">
+            <a:schemeClr val="accent1"/>
+          </a:lnRef>
+          <a:fillRef idx="0">
+            <a:schemeClr val="accent1"/>
+          </a:fillRef>
+          <a:effectRef idx="0">
+            <a:schemeClr val="accent1"/>
+          </a:effectRef>
+          <a:fontRef idx="minor">
+            <a:schemeClr val="tx1"/>
+          </a:fontRef>
+        </p:style>
+      </p:cxnSp>
+      <p:sp>
+        <p:nvSpPr>
+          <p:cNvPr id="21" name="椭圆 20">
+            <a:extLst>
+              <a:ext uri="{FF2B5EF4-FFF2-40B4-BE49-F238E27FC236}">
+                <a16:creationId xmlns:a16="http://schemas.microsoft.com/office/drawing/2014/main" id="{79C1F7C2-0D03-457E-A121-1EE3FF842858}"/>
+              </a:ext>
+            </a:extLst>
+          </p:cNvPr>
+          <p:cNvSpPr/>
+          <p:nvPr/>
+        </p:nvSpPr>
+        <p:spPr>
+          <a:xfrm>
+            <a:off x="4778814" y="2388102"/>
+            <a:ext cx="72000" cy="72000"/>
+          </a:xfrm>
+          <a:prstGeom prst="ellipse">
+            <a:avLst/>
+          </a:prstGeom>
+          <a:solidFill>
+            <a:schemeClr val="bg1"/>
+          </a:solidFill>
+        </p:spPr>
+        <p:style>
+          <a:lnRef idx="2">
+            <a:schemeClr val="accent1">
+              <a:shade val="50000"/>
+            </a:schemeClr>
+          </a:lnRef>
+          <a:fillRef idx="1">
+            <a:schemeClr val="accent1"/>
+          </a:fillRef>
+          <a:effectRef idx="0">
+            <a:schemeClr val="accent1"/>
+          </a:effectRef>
+          <a:fontRef idx="minor">
+            <a:schemeClr val="lt1"/>
+          </a:fontRef>
+        </p:style>
+        <p:txBody>
+          <a:bodyPr rtlCol="0" anchor="ctr"/>
+          <a:lstStyle/>
+          <a:p>
+            <a:pPr algn="ctr"/>
+            <a:endParaRPr lang="zh-CN" altLang="en-US" dirty="0"/>
+          </a:p>
+        </p:txBody>
+      </p:sp>
+      <p:cxnSp>
+        <p:nvCxnSpPr>
+          <p:cNvPr id="22" name="直接连接符 21">
+            <a:extLst>
+              <a:ext uri="{FF2B5EF4-FFF2-40B4-BE49-F238E27FC236}">
+                <a16:creationId xmlns:a16="http://schemas.microsoft.com/office/drawing/2014/main" id="{F1079F32-1EB6-4B9A-B8B8-104C24B4D7BA}"/>
+              </a:ext>
+            </a:extLst>
+          </p:cNvPr>
+          <p:cNvCxnSpPr>
+            <a:cxnSpLocks/>
+          </p:cNvCxnSpPr>
+          <p:nvPr/>
+        </p:nvCxnSpPr>
+        <p:spPr>
+          <a:xfrm>
+            <a:off x="5048894" y="2640911"/>
+            <a:ext cx="274435" cy="0"/>
+          </a:xfrm>
+          <a:prstGeom prst="line">
+            <a:avLst/>
+          </a:prstGeom>
+          <a:ln w="19050"/>
+        </p:spPr>
+        <p:style>
+          <a:lnRef idx="1">
+            <a:schemeClr val="accent1"/>
+          </a:lnRef>
+          <a:fillRef idx="0">
+            <a:schemeClr val="accent1"/>
+          </a:fillRef>
+          <a:effectRef idx="0">
+            <a:schemeClr val="accent1"/>
+          </a:effectRef>
+          <a:fontRef idx="minor">
+            <a:schemeClr val="tx1"/>
+          </a:fontRef>
+        </p:style>
+      </p:cxnSp>
+      <p:cxnSp>
+        <p:nvCxnSpPr>
+          <p:cNvPr id="23" name="直接连接符 22">
+            <a:extLst>
+              <a:ext uri="{FF2B5EF4-FFF2-40B4-BE49-F238E27FC236}">
+                <a16:creationId xmlns:a16="http://schemas.microsoft.com/office/drawing/2014/main" id="{512B2C6C-05C6-4381-A043-C322F01632F3}"/>
+              </a:ext>
+            </a:extLst>
+          </p:cNvPr>
+          <p:cNvCxnSpPr>
+            <a:cxnSpLocks/>
+          </p:cNvCxnSpPr>
+          <p:nvPr/>
+        </p:nvCxnSpPr>
+        <p:spPr>
+          <a:xfrm flipV="1">
+            <a:off x="5326601" y="2640911"/>
+            <a:ext cx="0" cy="166686"/>
+          </a:xfrm>
+          <a:prstGeom prst="line">
+            <a:avLst/>
+          </a:prstGeom>
+          <a:ln w="19050"/>
+        </p:spPr>
+        <p:style>
+          <a:lnRef idx="1">
+            <a:schemeClr val="accent1"/>
+          </a:lnRef>
+          <a:fillRef idx="0">
+            <a:schemeClr val="accent1"/>
+          </a:fillRef>
+          <a:effectRef idx="0">
+            <a:schemeClr val="accent1"/>
+          </a:effectRef>
+          <a:fontRef idx="minor">
+            <a:schemeClr val="tx1"/>
+          </a:fontRef>
+        </p:style>
+      </p:cxnSp>
+      <p:cxnSp>
+        <p:nvCxnSpPr>
+          <p:cNvPr id="24" name="直接连接符 23">
+            <a:extLst>
+              <a:ext uri="{FF2B5EF4-FFF2-40B4-BE49-F238E27FC236}">
+                <a16:creationId xmlns:a16="http://schemas.microsoft.com/office/drawing/2014/main" id="{72F702C2-B9F6-405B-A2AF-82BE060DC6FC}"/>
+              </a:ext>
+            </a:extLst>
+          </p:cNvPr>
+          <p:cNvCxnSpPr>
+            <a:cxnSpLocks/>
+          </p:cNvCxnSpPr>
+          <p:nvPr/>
+        </p:nvCxnSpPr>
+        <p:spPr>
+          <a:xfrm>
+            <a:off x="4504379" y="2427388"/>
+            <a:ext cx="274435" cy="0"/>
+          </a:xfrm>
+          <a:prstGeom prst="line">
+            <a:avLst/>
+          </a:prstGeom>
+          <a:ln w="19050"/>
+        </p:spPr>
+        <p:style>
+          <a:lnRef idx="1">
+            <a:schemeClr val="accent1"/>
+          </a:lnRef>
+          <a:fillRef idx="0">
+            <a:schemeClr val="accent1"/>
+          </a:fillRef>
+          <a:effectRef idx="0">
+            <a:schemeClr val="accent1"/>
+          </a:effectRef>
+          <a:fontRef idx="minor">
+            <a:schemeClr val="tx1"/>
+          </a:fontRef>
+        </p:style>
+      </p:cxnSp>
+      <p:cxnSp>
+        <p:nvCxnSpPr>
+          <p:cNvPr id="25" name="直接连接符 24">
+            <a:extLst>
+              <a:ext uri="{FF2B5EF4-FFF2-40B4-BE49-F238E27FC236}">
+                <a16:creationId xmlns:a16="http://schemas.microsoft.com/office/drawing/2014/main" id="{D562537A-295F-44B9-8B33-1C74FB525708}"/>
+              </a:ext>
+            </a:extLst>
+          </p:cNvPr>
+          <p:cNvCxnSpPr>
+            <a:cxnSpLocks/>
+          </p:cNvCxnSpPr>
+          <p:nvPr/>
+        </p:nvCxnSpPr>
+        <p:spPr>
+          <a:xfrm>
+            <a:off x="5027469" y="2234111"/>
+            <a:ext cx="299132" cy="1"/>
+          </a:xfrm>
+          <a:prstGeom prst="line">
+            <a:avLst/>
+          </a:prstGeom>
+          <a:ln w="19050"/>
+        </p:spPr>
+        <p:style>
+          <a:lnRef idx="1">
+            <a:schemeClr val="accent1"/>
+          </a:lnRef>
+          <a:fillRef idx="0">
+            <a:schemeClr val="accent1"/>
+          </a:fillRef>
+          <a:effectRef idx="0">
+            <a:schemeClr val="accent1"/>
+          </a:effectRef>
+          <a:fontRef idx="minor">
+            <a:schemeClr val="tx1"/>
+          </a:fontRef>
+        </p:style>
+      </p:cxnSp>
+      <p:cxnSp>
+        <p:nvCxnSpPr>
+          <p:cNvPr id="26" name="直接连接符 25">
+            <a:extLst>
+              <a:ext uri="{FF2B5EF4-FFF2-40B4-BE49-F238E27FC236}">
+                <a16:creationId xmlns:a16="http://schemas.microsoft.com/office/drawing/2014/main" id="{D3153254-A147-4BAC-8D39-A667BE6D5D27}"/>
+              </a:ext>
+            </a:extLst>
+          </p:cNvPr>
+          <p:cNvCxnSpPr>
+            <a:cxnSpLocks/>
+          </p:cNvCxnSpPr>
+          <p:nvPr/>
+        </p:nvCxnSpPr>
+        <p:spPr>
+          <a:xfrm flipV="1">
+            <a:off x="5326601" y="1570934"/>
+            <a:ext cx="0" cy="663177"/>
+          </a:xfrm>
+          <a:prstGeom prst="line">
+            <a:avLst/>
+          </a:prstGeom>
+          <a:ln w="19050"/>
+        </p:spPr>
+        <p:style>
+          <a:lnRef idx="1">
+            <a:schemeClr val="accent1"/>
+          </a:lnRef>
+          <a:fillRef idx="0">
+            <a:schemeClr val="accent1"/>
+          </a:fillRef>
+          <a:effectRef idx="0">
+            <a:schemeClr val="accent1"/>
+          </a:effectRef>
+          <a:fontRef idx="minor">
+            <a:schemeClr val="tx1"/>
+          </a:fontRef>
+        </p:style>
+      </p:cxnSp>
+      <p:cxnSp>
+        <p:nvCxnSpPr>
+          <p:cNvPr id="27" name="直接连接符 26">
+            <a:extLst>
+              <a:ext uri="{FF2B5EF4-FFF2-40B4-BE49-F238E27FC236}">
+                <a16:creationId xmlns:a16="http://schemas.microsoft.com/office/drawing/2014/main" id="{E3D9F096-9209-455F-A825-641C6E7F6D2A}"/>
+              </a:ext>
+            </a:extLst>
+          </p:cNvPr>
+          <p:cNvCxnSpPr>
+            <a:cxnSpLocks/>
+          </p:cNvCxnSpPr>
+          <p:nvPr/>
+        </p:nvCxnSpPr>
+        <p:spPr>
+          <a:xfrm>
+            <a:off x="4864655" y="3136842"/>
+            <a:ext cx="0" cy="600074"/>
+          </a:xfrm>
+          <a:prstGeom prst="line">
+            <a:avLst/>
+          </a:prstGeom>
+          <a:ln w="57150"/>
+        </p:spPr>
+        <p:style>
+          <a:lnRef idx="1">
+            <a:schemeClr val="accent1"/>
+          </a:lnRef>
+          <a:fillRef idx="0">
+            <a:schemeClr val="accent1"/>
+          </a:fillRef>
+          <a:effectRef idx="0">
+            <a:schemeClr val="accent1"/>
+          </a:effectRef>
+          <a:fontRef idx="minor">
+            <a:schemeClr val="tx1"/>
+          </a:fontRef>
+        </p:style>
+      </p:cxnSp>
+      <p:cxnSp>
+        <p:nvCxnSpPr>
+          <p:cNvPr id="28" name="直接连接符 27">
+            <a:extLst>
+              <a:ext uri="{FF2B5EF4-FFF2-40B4-BE49-F238E27FC236}">
+                <a16:creationId xmlns:a16="http://schemas.microsoft.com/office/drawing/2014/main" id="{DFD65C63-1AFB-4A43-B2B5-C4230E24C1F9}"/>
+              </a:ext>
+            </a:extLst>
+          </p:cNvPr>
+          <p:cNvCxnSpPr>
+            <a:cxnSpLocks/>
+          </p:cNvCxnSpPr>
+          <p:nvPr/>
+        </p:nvCxnSpPr>
+        <p:spPr>
+          <a:xfrm>
+            <a:off x="5024198" y="3073738"/>
+            <a:ext cx="0" cy="726283"/>
+          </a:xfrm>
+          <a:prstGeom prst="line">
+            <a:avLst/>
+          </a:prstGeom>
+          <a:ln w="57150"/>
+        </p:spPr>
+        <p:style>
+          <a:lnRef idx="1">
+            <a:schemeClr val="accent1"/>
+          </a:lnRef>
+          <a:fillRef idx="0">
+            <a:schemeClr val="accent1"/>
+          </a:fillRef>
+          <a:effectRef idx="0">
+            <a:schemeClr val="accent1"/>
+          </a:effectRef>
+          <a:fontRef idx="minor">
+            <a:schemeClr val="tx1"/>
+          </a:fontRef>
+        </p:style>
+      </p:cxnSp>
+      <p:cxnSp>
+        <p:nvCxnSpPr>
+          <p:cNvPr id="29" name="直接连接符 28">
+            <a:extLst>
+              <a:ext uri="{FF2B5EF4-FFF2-40B4-BE49-F238E27FC236}">
+                <a16:creationId xmlns:a16="http://schemas.microsoft.com/office/drawing/2014/main" id="{357F4135-FD1F-4425-92B9-14D60429C41A}"/>
+              </a:ext>
+            </a:extLst>
+          </p:cNvPr>
+          <p:cNvCxnSpPr>
+            <a:cxnSpLocks/>
+          </p:cNvCxnSpPr>
+          <p:nvPr/>
+        </p:nvCxnSpPr>
+        <p:spPr>
+          <a:xfrm>
+            <a:off x="5045622" y="3638888"/>
+            <a:ext cx="274435" cy="0"/>
+          </a:xfrm>
+          <a:prstGeom prst="line">
+            <a:avLst/>
+          </a:prstGeom>
+          <a:ln w="19050"/>
+        </p:spPr>
+        <p:style>
+          <a:lnRef idx="1">
+            <a:schemeClr val="accent1"/>
+          </a:lnRef>
+          <a:fillRef idx="0">
+            <a:schemeClr val="accent1"/>
+          </a:fillRef>
+          <a:effectRef idx="0">
+            <a:schemeClr val="accent1"/>
+          </a:effectRef>
+          <a:fontRef idx="minor">
+            <a:schemeClr val="tx1"/>
+          </a:fontRef>
+        </p:style>
+      </p:cxnSp>
+      <p:cxnSp>
+        <p:nvCxnSpPr>
+          <p:cNvPr id="31" name="直接连接符 30">
+            <a:extLst>
+              <a:ext uri="{FF2B5EF4-FFF2-40B4-BE49-F238E27FC236}">
+                <a16:creationId xmlns:a16="http://schemas.microsoft.com/office/drawing/2014/main" id="{06ACDB18-1CFB-4C01-995D-2EEAD0B1913C}"/>
+              </a:ext>
+            </a:extLst>
+          </p:cNvPr>
+          <p:cNvCxnSpPr>
+            <a:cxnSpLocks/>
+          </p:cNvCxnSpPr>
+          <p:nvPr/>
+        </p:nvCxnSpPr>
+        <p:spPr>
+          <a:xfrm flipV="1">
+            <a:off x="4501107" y="3424974"/>
+            <a:ext cx="346435" cy="391"/>
+          </a:xfrm>
+          <a:prstGeom prst="line">
+            <a:avLst/>
+          </a:prstGeom>
+          <a:ln w="19050"/>
+        </p:spPr>
+        <p:style>
+          <a:lnRef idx="1">
+            <a:schemeClr val="accent1"/>
+          </a:lnRef>
+          <a:fillRef idx="0">
+            <a:schemeClr val="accent1"/>
+          </a:fillRef>
+          <a:effectRef idx="0">
+            <a:schemeClr val="accent1"/>
+          </a:effectRef>
+          <a:fontRef idx="minor">
+            <a:schemeClr val="tx1"/>
+          </a:fontRef>
+        </p:style>
+      </p:cxnSp>
+      <p:cxnSp>
+        <p:nvCxnSpPr>
+          <p:cNvPr id="32" name="直接连接符 31">
+            <a:extLst>
+              <a:ext uri="{FF2B5EF4-FFF2-40B4-BE49-F238E27FC236}">
+                <a16:creationId xmlns:a16="http://schemas.microsoft.com/office/drawing/2014/main" id="{4B622204-C2FE-4005-8501-54CE157CFC10}"/>
+              </a:ext>
+            </a:extLst>
+          </p:cNvPr>
+          <p:cNvCxnSpPr>
+            <a:cxnSpLocks/>
+          </p:cNvCxnSpPr>
+          <p:nvPr/>
+        </p:nvCxnSpPr>
+        <p:spPr>
+          <a:xfrm>
+            <a:off x="5024197" y="3232088"/>
+            <a:ext cx="299132" cy="1"/>
+          </a:xfrm>
+          <a:prstGeom prst="line">
+            <a:avLst/>
+          </a:prstGeom>
+          <a:ln w="19050"/>
+        </p:spPr>
+        <p:style>
+          <a:lnRef idx="1">
+            <a:schemeClr val="accent1"/>
+          </a:lnRef>
+          <a:fillRef idx="0">
+            <a:schemeClr val="accent1"/>
+          </a:fillRef>
+          <a:effectRef idx="0">
+            <a:schemeClr val="accent1"/>
+          </a:effectRef>
+          <a:fontRef idx="minor">
+            <a:schemeClr val="tx1"/>
+          </a:fontRef>
+        </p:style>
+      </p:cxnSp>
+      <p:cxnSp>
+        <p:nvCxnSpPr>
+          <p:cNvPr id="33" name="直接连接符 32">
+            <a:extLst>
+              <a:ext uri="{FF2B5EF4-FFF2-40B4-BE49-F238E27FC236}">
+                <a16:creationId xmlns:a16="http://schemas.microsoft.com/office/drawing/2014/main" id="{36FDB700-568F-4BFE-AA9E-2CE9691E595D}"/>
+              </a:ext>
+            </a:extLst>
+          </p:cNvPr>
+          <p:cNvCxnSpPr>
+            <a:cxnSpLocks/>
+          </p:cNvCxnSpPr>
+          <p:nvPr/>
+        </p:nvCxnSpPr>
+        <p:spPr>
+          <a:xfrm flipV="1">
+            <a:off x="5323329" y="2649706"/>
+            <a:ext cx="3272" cy="582382"/>
+          </a:xfrm>
+          <a:prstGeom prst="line">
+            <a:avLst/>
+          </a:prstGeom>
+          <a:ln w="19050"/>
+        </p:spPr>
+        <p:style>
+          <a:lnRef idx="1">
+            <a:schemeClr val="accent1"/>
+          </a:lnRef>
+          <a:fillRef idx="0">
+            <a:schemeClr val="accent1"/>
+          </a:fillRef>
+          <a:effectRef idx="0">
+            <a:schemeClr val="accent1"/>
+          </a:effectRef>
+          <a:fontRef idx="minor">
+            <a:schemeClr val="tx1"/>
+          </a:fontRef>
+        </p:style>
+      </p:cxnSp>
+      <p:cxnSp>
+        <p:nvCxnSpPr>
+          <p:cNvPr id="36" name="直接连接符 35">
+            <a:extLst>
+              <a:ext uri="{FF2B5EF4-FFF2-40B4-BE49-F238E27FC236}">
+                <a16:creationId xmlns:a16="http://schemas.microsoft.com/office/drawing/2014/main" id="{1E96672B-9540-4DCC-8E23-CCE50C1F80C0}"/>
+              </a:ext>
+            </a:extLst>
+          </p:cNvPr>
+          <p:cNvCxnSpPr>
+            <a:cxnSpLocks/>
+          </p:cNvCxnSpPr>
+          <p:nvPr/>
+        </p:nvCxnSpPr>
+        <p:spPr>
+          <a:xfrm>
+            <a:off x="4505325" y="2421731"/>
+            <a:ext cx="2326" cy="1003243"/>
+          </a:xfrm>
+          <a:prstGeom prst="line">
+            <a:avLst/>
+          </a:prstGeom>
+          <a:ln w="19050"/>
+        </p:spPr>
+        <p:style>
+          <a:lnRef idx="1">
+            <a:schemeClr val="accent1"/>
+          </a:lnRef>
+          <a:fillRef idx="0">
+            <a:schemeClr val="accent1"/>
+          </a:fillRef>
+          <a:effectRef idx="0">
+            <a:schemeClr val="accent1"/>
+          </a:effectRef>
+          <a:fontRef idx="minor">
+            <a:schemeClr val="tx1"/>
+          </a:fontRef>
+        </p:style>
+      </p:cxnSp>
+      <p:cxnSp>
+        <p:nvCxnSpPr>
+          <p:cNvPr id="42" name="直接连接符 41">
+            <a:extLst>
+              <a:ext uri="{FF2B5EF4-FFF2-40B4-BE49-F238E27FC236}">
+                <a16:creationId xmlns:a16="http://schemas.microsoft.com/office/drawing/2014/main" id="{6768EC9F-8693-4A22-9FBC-64563896496C}"/>
+              </a:ext>
+            </a:extLst>
+          </p:cNvPr>
+          <p:cNvCxnSpPr>
+            <a:cxnSpLocks/>
+          </p:cNvCxnSpPr>
+          <p:nvPr/>
+        </p:nvCxnSpPr>
+        <p:spPr>
+          <a:xfrm>
+            <a:off x="5332877" y="2940897"/>
+            <a:ext cx="489279" cy="0"/>
+          </a:xfrm>
+          <a:prstGeom prst="line">
+            <a:avLst/>
+          </a:prstGeom>
+          <a:ln w="19050"/>
+        </p:spPr>
+        <p:style>
+          <a:lnRef idx="1">
+            <a:schemeClr val="accent1"/>
+          </a:lnRef>
+          <a:fillRef idx="0">
+            <a:schemeClr val="accent1"/>
+          </a:fillRef>
+          <a:effectRef idx="0">
+            <a:schemeClr val="accent1"/>
+          </a:effectRef>
+          <a:fontRef idx="minor">
+            <a:schemeClr val="tx1"/>
+          </a:fontRef>
+        </p:style>
+      </p:cxnSp>
+      <p:cxnSp>
+        <p:nvCxnSpPr>
+          <p:cNvPr id="46" name="直接连接符 45">
+            <a:extLst>
+              <a:ext uri="{FF2B5EF4-FFF2-40B4-BE49-F238E27FC236}">
+                <a16:creationId xmlns:a16="http://schemas.microsoft.com/office/drawing/2014/main" id="{5858CA09-96AB-4E04-A92C-CFC408FEFF6F}"/>
+              </a:ext>
+            </a:extLst>
+          </p:cNvPr>
+          <p:cNvCxnSpPr>
+            <a:cxnSpLocks/>
+          </p:cNvCxnSpPr>
+          <p:nvPr/>
+        </p:nvCxnSpPr>
+        <p:spPr>
+          <a:xfrm>
+            <a:off x="4018372" y="2940897"/>
+            <a:ext cx="489279" cy="0"/>
+          </a:xfrm>
+          <a:prstGeom prst="line">
+            <a:avLst/>
+          </a:prstGeom>
+          <a:ln w="19050"/>
+        </p:spPr>
+        <p:style>
+          <a:lnRef idx="1">
+            <a:schemeClr val="accent1"/>
+          </a:lnRef>
+          <a:fillRef idx="0">
+            <a:schemeClr val="accent1"/>
+          </a:fillRef>
+          <a:effectRef idx="0">
+            <a:schemeClr val="accent1"/>
+          </a:effectRef>
+          <a:fontRef idx="minor">
+            <a:schemeClr val="tx1"/>
+          </a:fontRef>
+        </p:style>
+      </p:cxnSp>
+      <p:cxnSp>
+        <p:nvCxnSpPr>
+          <p:cNvPr id="49" name="直接连接符 48">
+            <a:extLst>
+              <a:ext uri="{FF2B5EF4-FFF2-40B4-BE49-F238E27FC236}">
+                <a16:creationId xmlns:a16="http://schemas.microsoft.com/office/drawing/2014/main" id="{BDF4E0C1-EE9E-4EBA-8B37-60D0786570A8}"/>
+              </a:ext>
+            </a:extLst>
+          </p:cNvPr>
+          <p:cNvCxnSpPr>
+            <a:cxnSpLocks/>
+          </p:cNvCxnSpPr>
+          <p:nvPr/>
+        </p:nvCxnSpPr>
+        <p:spPr>
+          <a:xfrm>
+            <a:off x="5215000" y="731308"/>
+            <a:ext cx="223202" cy="0"/>
+          </a:xfrm>
+          <a:prstGeom prst="line">
+            <a:avLst/>
+          </a:prstGeom>
+          <a:ln w="19050"/>
+        </p:spPr>
+        <p:style>
+          <a:lnRef idx="1">
+            <a:schemeClr val="accent1"/>
+          </a:lnRef>
+          <a:fillRef idx="0">
+            <a:schemeClr val="accent1"/>
+          </a:fillRef>
+          <a:effectRef idx="0">
+            <a:schemeClr val="accent1"/>
+          </a:effectRef>
+          <a:fontRef idx="minor">
+            <a:schemeClr val="tx1"/>
+          </a:fontRef>
+        </p:style>
+      </p:cxnSp>
+      <p:cxnSp>
+        <p:nvCxnSpPr>
+          <p:cNvPr id="51" name="直接连接符 50">
+            <a:extLst>
+              <a:ext uri="{FF2B5EF4-FFF2-40B4-BE49-F238E27FC236}">
+                <a16:creationId xmlns:a16="http://schemas.microsoft.com/office/drawing/2014/main" id="{42E40242-1929-46A8-9EC4-9304C0BCD7BB}"/>
+              </a:ext>
+            </a:extLst>
+          </p:cNvPr>
+          <p:cNvCxnSpPr>
+            <a:cxnSpLocks/>
+          </p:cNvCxnSpPr>
+          <p:nvPr/>
+        </p:nvCxnSpPr>
+        <p:spPr>
+          <a:xfrm>
+            <a:off x="5215000" y="4964152"/>
+            <a:ext cx="223202" cy="0"/>
+          </a:xfrm>
+          <a:prstGeom prst="line">
+            <a:avLst/>
+          </a:prstGeom>
+          <a:ln w="19050"/>
+        </p:spPr>
+        <p:style>
+          <a:lnRef idx="1">
+            <a:schemeClr val="accent1"/>
+          </a:lnRef>
+          <a:fillRef idx="0">
+            <a:schemeClr val="accent1"/>
+          </a:fillRef>
+          <a:effectRef idx="0">
+            <a:schemeClr val="accent1"/>
+          </a:effectRef>
+          <a:fontRef idx="minor">
+            <a:schemeClr val="tx1"/>
+          </a:fontRef>
+        </p:style>
+      </p:cxnSp>
+      <p:cxnSp>
+        <p:nvCxnSpPr>
+          <p:cNvPr id="53" name="直接连接符 52">
+            <a:extLst>
+              <a:ext uri="{FF2B5EF4-FFF2-40B4-BE49-F238E27FC236}">
+                <a16:creationId xmlns:a16="http://schemas.microsoft.com/office/drawing/2014/main" id="{391B6A79-DF5C-4475-A0DB-5839AF704D86}"/>
+              </a:ext>
+            </a:extLst>
+          </p:cNvPr>
+          <p:cNvCxnSpPr>
+            <a:cxnSpLocks/>
+          </p:cNvCxnSpPr>
+          <p:nvPr/>
+        </p:nvCxnSpPr>
+        <p:spPr>
+          <a:xfrm>
+            <a:off x="5246860" y="5007014"/>
+            <a:ext cx="159481" cy="0"/>
+          </a:xfrm>
+          <a:prstGeom prst="line">
+            <a:avLst/>
+          </a:prstGeom>
+          <a:ln w="19050"/>
+        </p:spPr>
+        <p:style>
+          <a:lnRef idx="1">
+            <a:schemeClr val="accent1"/>
+          </a:lnRef>
+          <a:fillRef idx="0">
+            <a:schemeClr val="accent1"/>
+          </a:fillRef>
+          <a:effectRef idx="0">
+            <a:schemeClr val="accent1"/>
+          </a:effectRef>
+          <a:fontRef idx="minor">
+            <a:schemeClr val="tx1"/>
+          </a:fontRef>
+        </p:style>
+      </p:cxnSp>
+      <p:cxnSp>
+        <p:nvCxnSpPr>
+          <p:cNvPr id="55" name="直接连接符 54">
+            <a:extLst>
+              <a:ext uri="{FF2B5EF4-FFF2-40B4-BE49-F238E27FC236}">
+                <a16:creationId xmlns:a16="http://schemas.microsoft.com/office/drawing/2014/main" id="{FA986399-21F1-41F1-AA1B-3B8BB8D3D3F7}"/>
+              </a:ext>
+            </a:extLst>
+          </p:cNvPr>
+          <p:cNvCxnSpPr>
+            <a:cxnSpLocks/>
+          </p:cNvCxnSpPr>
+          <p:nvPr/>
+        </p:nvCxnSpPr>
+        <p:spPr>
+          <a:xfrm>
+            <a:off x="5294740" y="5049877"/>
+            <a:ext cx="58310" cy="0"/>
+          </a:xfrm>
+          <a:prstGeom prst="line">
+            <a:avLst/>
+          </a:prstGeom>
+          <a:ln w="19050"/>
+        </p:spPr>
+        <p:style>
+          <a:lnRef idx="1">
+            <a:schemeClr val="accent1"/>
+          </a:lnRef>
+          <a:fillRef idx="0">
+            <a:schemeClr val="accent1"/>
+          </a:fillRef>
+          <a:effectRef idx="0">
+            <a:schemeClr val="accent1"/>
+          </a:effectRef>
+          <a:fontRef idx="minor">
+            <a:schemeClr val="tx1"/>
+          </a:fontRef>
+        </p:style>
+      </p:cxnSp>
+      <p:sp>
+        <p:nvSpPr>
+          <p:cNvPr id="58" name="等腰三角形 57">
+            <a:extLst>
+              <a:ext uri="{FF2B5EF4-FFF2-40B4-BE49-F238E27FC236}">
+                <a16:creationId xmlns:a16="http://schemas.microsoft.com/office/drawing/2014/main" id="{F07DD881-5F67-4B21-BDAD-F630A2AC932C}"/>
+              </a:ext>
+            </a:extLst>
+          </p:cNvPr>
+          <p:cNvSpPr/>
+          <p:nvPr/>
+        </p:nvSpPr>
+        <p:spPr>
+          <a:xfrm rot="5400000">
+            <a:off x="3963803" y="4256312"/>
+            <a:ext cx="459487" cy="459485"/>
+          </a:xfrm>
+          <a:prstGeom prst="triangle">
+            <a:avLst/>
+          </a:prstGeom>
+        </p:spPr>
+        <p:style>
+          <a:lnRef idx="2">
+            <a:schemeClr val="accent1">
+              <a:shade val="50000"/>
+            </a:schemeClr>
+          </a:lnRef>
+          <a:fillRef idx="1">
+            <a:schemeClr val="accent1"/>
+          </a:fillRef>
+          <a:effectRef idx="0">
+            <a:schemeClr val="accent1"/>
+          </a:effectRef>
+          <a:fontRef idx="minor">
+            <a:schemeClr val="lt1"/>
+          </a:fontRef>
+        </p:style>
+        <p:txBody>
+          <a:bodyPr rtlCol="0" anchor="ctr"/>
+          <a:lstStyle/>
+          <a:p>
+            <a:pPr algn="ctr"/>
+            <a:endParaRPr lang="zh-CN" altLang="en-US" sz="1350"/>
+          </a:p>
+        </p:txBody>
+      </p:sp>
+      <p:cxnSp>
+        <p:nvCxnSpPr>
+          <p:cNvPr id="59" name="直接连接符 58">
+            <a:extLst>
+              <a:ext uri="{FF2B5EF4-FFF2-40B4-BE49-F238E27FC236}">
+                <a16:creationId xmlns:a16="http://schemas.microsoft.com/office/drawing/2014/main" id="{55019A9C-9396-4A6F-96DD-41AE54FCB2D9}"/>
+              </a:ext>
+            </a:extLst>
+          </p:cNvPr>
+          <p:cNvCxnSpPr>
+            <a:cxnSpLocks/>
+          </p:cNvCxnSpPr>
+          <p:nvPr/>
+        </p:nvCxnSpPr>
+        <p:spPr>
+          <a:xfrm flipH="1">
+            <a:off x="2952750" y="4486055"/>
+            <a:ext cx="1011055" cy="0"/>
+          </a:xfrm>
+          <a:prstGeom prst="line">
+            <a:avLst/>
+          </a:prstGeom>
+        </p:spPr>
+        <p:style>
+          <a:lnRef idx="2">
+            <a:schemeClr val="accent1"/>
+          </a:lnRef>
+          <a:fillRef idx="0">
+            <a:schemeClr val="accent1"/>
+          </a:fillRef>
+          <a:effectRef idx="1">
+            <a:schemeClr val="accent1"/>
+          </a:effectRef>
+          <a:fontRef idx="minor">
+            <a:schemeClr val="tx1"/>
+          </a:fontRef>
+        </p:style>
+      </p:cxnSp>
+      <p:sp>
+        <p:nvSpPr>
+          <p:cNvPr id="62" name="椭圆 61">
+            <a:extLst>
+              <a:ext uri="{FF2B5EF4-FFF2-40B4-BE49-F238E27FC236}">
+                <a16:creationId xmlns:a16="http://schemas.microsoft.com/office/drawing/2014/main" id="{911729EE-1489-4670-BC29-9142B8E8CA9C}"/>
+              </a:ext>
+            </a:extLst>
+          </p:cNvPr>
+          <p:cNvSpPr/>
+          <p:nvPr/>
+        </p:nvSpPr>
+        <p:spPr>
+          <a:xfrm>
+            <a:off x="4423288" y="4445554"/>
+            <a:ext cx="81000" cy="81000"/>
+          </a:xfrm>
+          <a:prstGeom prst="ellipse">
+            <a:avLst/>
+          </a:prstGeom>
+          <a:solidFill>
+            <a:schemeClr val="bg1"/>
+          </a:solidFill>
+        </p:spPr>
+        <p:style>
+          <a:lnRef idx="2">
+            <a:schemeClr val="accent1">
+              <a:shade val="50000"/>
+            </a:schemeClr>
+          </a:lnRef>
+          <a:fillRef idx="1">
+            <a:schemeClr val="accent1"/>
+          </a:fillRef>
+          <a:effectRef idx="0">
+            <a:schemeClr val="accent1"/>
+          </a:effectRef>
+          <a:fontRef idx="minor">
+            <a:schemeClr val="lt1"/>
+          </a:fontRef>
+        </p:style>
+        <p:txBody>
+          <a:bodyPr rtlCol="0" anchor="ctr"/>
+          <a:lstStyle/>
+          <a:p>
+            <a:pPr algn="ctr"/>
+            <a:endParaRPr lang="zh-CN" altLang="en-US" sz="1350"/>
+          </a:p>
+        </p:txBody>
+      </p:sp>
+      <p:cxnSp>
+        <p:nvCxnSpPr>
+          <p:cNvPr id="65" name="连接符: 肘形 64">
+            <a:extLst>
+              <a:ext uri="{FF2B5EF4-FFF2-40B4-BE49-F238E27FC236}">
+                <a16:creationId xmlns:a16="http://schemas.microsoft.com/office/drawing/2014/main" id="{38B7A8D3-DFE0-46A6-9A04-8F2B995175A7}"/>
+              </a:ext>
+            </a:extLst>
+          </p:cNvPr>
+          <p:cNvCxnSpPr>
+            <a:cxnSpLocks/>
+          </p:cNvCxnSpPr>
+          <p:nvPr/>
+        </p:nvCxnSpPr>
+        <p:spPr>
+          <a:xfrm rot="5400000">
+            <a:off x="2400461" y="2362141"/>
+            <a:ext cx="3128643" cy="1119186"/>
+          </a:xfrm>
+          <a:prstGeom prst="bentConnector3">
+            <a:avLst>
+              <a:gd name="adj1" fmla="val -82"/>
+            </a:avLst>
+          </a:prstGeom>
+          <a:ln w="19050"/>
+        </p:spPr>
+        <p:style>
+          <a:lnRef idx="1">
+            <a:schemeClr val="accent1"/>
+          </a:lnRef>
+          <a:fillRef idx="0">
+            <a:schemeClr val="accent1"/>
+          </a:fillRef>
+          <a:effectRef idx="0">
+            <a:schemeClr val="accent1"/>
+          </a:effectRef>
+          <a:fontRef idx="minor">
+            <a:schemeClr val="tx1"/>
+          </a:fontRef>
+        </p:style>
+      </p:cxnSp>
+      <p:sp>
+        <p:nvSpPr>
+          <p:cNvPr id="73" name="文本框 72">
+            <a:extLst>
+              <a:ext uri="{FF2B5EF4-FFF2-40B4-BE49-F238E27FC236}">
+                <a16:creationId xmlns:a16="http://schemas.microsoft.com/office/drawing/2014/main" id="{44CDBD6C-3318-4C09-BEB4-A1208B326539}"/>
+              </a:ext>
+            </a:extLst>
+          </p:cNvPr>
+          <p:cNvSpPr txBox="1"/>
+          <p:nvPr/>
+        </p:nvSpPr>
+        <p:spPr>
+          <a:xfrm>
+            <a:off x="2496989" y="4301388"/>
+            <a:ext cx="445956" cy="369332"/>
+          </a:xfrm>
+          <a:prstGeom prst="rect">
+            <a:avLst/>
+          </a:prstGeom>
+          <a:noFill/>
+        </p:spPr>
+        <p:txBody>
+          <a:bodyPr wrap="none" rtlCol="0">
+            <a:spAutoFit/>
+          </a:bodyPr>
+          <a:lstStyle/>
+          <a:p>
+            <a:r>
+              <a:rPr lang="en-US" altLang="zh-CN" dirty="0"/>
+              <a:t>EN</a:t>
+            </a:r>
+            <a:endParaRPr lang="zh-CN" altLang="en-US" dirty="0"/>
+          </a:p>
+        </p:txBody>
+      </p:sp>
+      <p:sp>
+        <p:nvSpPr>
+          <p:cNvPr id="74" name="文本框 73">
+            <a:extLst>
+              <a:ext uri="{FF2B5EF4-FFF2-40B4-BE49-F238E27FC236}">
+                <a16:creationId xmlns:a16="http://schemas.microsoft.com/office/drawing/2014/main" id="{660E1BDA-7A6C-4747-878E-07FFF0FE2136}"/>
+              </a:ext>
+            </a:extLst>
+          </p:cNvPr>
+          <p:cNvSpPr txBox="1"/>
+          <p:nvPr/>
+        </p:nvSpPr>
+        <p:spPr>
+          <a:xfrm>
+            <a:off x="3697518" y="2756231"/>
+            <a:ext cx="317716" cy="369332"/>
+          </a:xfrm>
+          <a:prstGeom prst="rect">
+            <a:avLst/>
+          </a:prstGeom>
+          <a:noFill/>
+        </p:spPr>
+        <p:txBody>
+          <a:bodyPr wrap="none" rtlCol="0">
+            <a:spAutoFit/>
+          </a:bodyPr>
+          <a:lstStyle/>
+          <a:p>
+            <a:r>
+              <a:rPr lang="en-US" altLang="zh-CN" dirty="0"/>
+              <a:t>A</a:t>
+            </a:r>
+            <a:endParaRPr lang="zh-CN" altLang="en-US" dirty="0"/>
+          </a:p>
+        </p:txBody>
+      </p:sp>
+      <p:sp>
+        <p:nvSpPr>
+          <p:cNvPr id="75" name="文本框 74">
+            <a:extLst>
+              <a:ext uri="{FF2B5EF4-FFF2-40B4-BE49-F238E27FC236}">
+                <a16:creationId xmlns:a16="http://schemas.microsoft.com/office/drawing/2014/main" id="{36F9A55E-8F63-4AFE-B799-C4C0544FF1DF}"/>
+              </a:ext>
+            </a:extLst>
+          </p:cNvPr>
+          <p:cNvSpPr txBox="1"/>
+          <p:nvPr/>
+        </p:nvSpPr>
+        <p:spPr>
+          <a:xfrm>
+            <a:off x="5822156" y="2756231"/>
+            <a:ext cx="296876" cy="369332"/>
+          </a:xfrm>
+          <a:prstGeom prst="rect">
+            <a:avLst/>
+          </a:prstGeom>
+          <a:noFill/>
+        </p:spPr>
+        <p:txBody>
+          <a:bodyPr wrap="none" rtlCol="0">
+            <a:spAutoFit/>
+          </a:bodyPr>
+          <a:lstStyle/>
+          <a:p>
+            <a:r>
+              <a:rPr lang="en-US" altLang="zh-CN" dirty="0"/>
+              <a:t>Y</a:t>
+            </a:r>
+            <a:endParaRPr lang="zh-CN" altLang="en-US" dirty="0"/>
+          </a:p>
+        </p:txBody>
+      </p:sp>
+    </p:spTree>
+    <p:extLst>
+      <p:ext uri="{BB962C8B-B14F-4D97-AF65-F5344CB8AC3E}">
+        <p14:creationId xmlns:p14="http://schemas.microsoft.com/office/powerpoint/2010/main" val="1835194339"/>
       </p:ext>
     </p:extLst>
   </p:cSld>

--- a/_posts/数字IC设计基础/数字IC设计基础.pptx
+++ b/_posts/数字IC设计基础/数字IC设计基础.pptx
@@ -11,6 +11,8 @@
     <p:sldId id="259" r:id="rId5"/>
     <p:sldId id="260" r:id="rId6"/>
     <p:sldId id="261" r:id="rId7"/>
+    <p:sldId id="262" r:id="rId8"/>
+    <p:sldId id="263" r:id="rId9"/>
   </p:sldIdLst>
   <p:sldSz cx="9144000" cy="6858000" type="screen4x3"/>
   <p:notesSz cx="6858000" cy="9144000"/>
@@ -12442,6 +12444,2689 @@
     <p:extLst>
       <p:ext uri="{BB962C8B-B14F-4D97-AF65-F5344CB8AC3E}">
         <p14:creationId xmlns:p14="http://schemas.microsoft.com/office/powerpoint/2010/main" val="1835194339"/>
+      </p:ext>
+    </p:extLst>
+  </p:cSld>
+  <p:clrMapOvr>
+    <a:masterClrMapping/>
+  </p:clrMapOvr>
+</p:sld>
+</file>
+
+<file path=ppt/slides/slide7.xml><?xml version="1.0" encoding="utf-8"?>
+<p:sld xmlns:a="http://schemas.openxmlformats.org/drawingml/2006/main" xmlns:r="http://schemas.openxmlformats.org/officeDocument/2006/relationships" xmlns:p="http://schemas.openxmlformats.org/presentationml/2006/main">
+  <p:cSld>
+    <p:spTree>
+      <p:nvGrpSpPr>
+        <p:cNvPr id="1" name=""/>
+        <p:cNvGrpSpPr/>
+        <p:nvPr/>
+      </p:nvGrpSpPr>
+      <p:grpSpPr>
+        <a:xfrm>
+          <a:off x="0" y="0"/>
+          <a:ext cx="0" cy="0"/>
+          <a:chOff x="0" y="0"/>
+          <a:chExt cx="0" cy="0"/>
+        </a:xfrm>
+      </p:grpSpPr>
+      <p:cxnSp>
+        <p:nvCxnSpPr>
+          <p:cNvPr id="4" name="直接连接符 3">
+            <a:extLst>
+              <a:ext uri="{FF2B5EF4-FFF2-40B4-BE49-F238E27FC236}">
+                <a16:creationId xmlns:a16="http://schemas.microsoft.com/office/drawing/2014/main" id="{626A43A7-C529-48D4-A36F-23AE566396B2}"/>
+              </a:ext>
+            </a:extLst>
+          </p:cNvPr>
+          <p:cNvCxnSpPr>
+            <a:cxnSpLocks/>
+          </p:cNvCxnSpPr>
+          <p:nvPr/>
+        </p:nvCxnSpPr>
+        <p:spPr>
+          <a:xfrm>
+            <a:off x="4871091" y="2129968"/>
+            <a:ext cx="0" cy="600074"/>
+          </a:xfrm>
+          <a:prstGeom prst="line">
+            <a:avLst/>
+          </a:prstGeom>
+          <a:ln w="57150"/>
+        </p:spPr>
+        <p:style>
+          <a:lnRef idx="1">
+            <a:schemeClr val="accent1"/>
+          </a:lnRef>
+          <a:fillRef idx="0">
+            <a:schemeClr val="accent1"/>
+          </a:fillRef>
+          <a:effectRef idx="0">
+            <a:schemeClr val="accent1"/>
+          </a:effectRef>
+          <a:fontRef idx="minor">
+            <a:schemeClr val="tx1"/>
+          </a:fontRef>
+        </p:style>
+      </p:cxnSp>
+      <p:cxnSp>
+        <p:nvCxnSpPr>
+          <p:cNvPr id="5" name="直接连接符 4">
+            <a:extLst>
+              <a:ext uri="{FF2B5EF4-FFF2-40B4-BE49-F238E27FC236}">
+                <a16:creationId xmlns:a16="http://schemas.microsoft.com/office/drawing/2014/main" id="{501B8BA1-26A6-4548-8EC9-35850BAB0980}"/>
+              </a:ext>
+            </a:extLst>
+          </p:cNvPr>
+          <p:cNvCxnSpPr>
+            <a:cxnSpLocks/>
+          </p:cNvCxnSpPr>
+          <p:nvPr/>
+        </p:nvCxnSpPr>
+        <p:spPr>
+          <a:xfrm>
+            <a:off x="5030634" y="2066864"/>
+            <a:ext cx="0" cy="726283"/>
+          </a:xfrm>
+          <a:prstGeom prst="line">
+            <a:avLst/>
+          </a:prstGeom>
+          <a:ln w="57150"/>
+        </p:spPr>
+        <p:style>
+          <a:lnRef idx="1">
+            <a:schemeClr val="accent1"/>
+          </a:lnRef>
+          <a:fillRef idx="0">
+            <a:schemeClr val="accent1"/>
+          </a:fillRef>
+          <a:effectRef idx="0">
+            <a:schemeClr val="accent1"/>
+          </a:effectRef>
+          <a:fontRef idx="minor">
+            <a:schemeClr val="tx1"/>
+          </a:fontRef>
+        </p:style>
+      </p:cxnSp>
+      <p:sp>
+        <p:nvSpPr>
+          <p:cNvPr id="6" name="椭圆 5">
+            <a:extLst>
+              <a:ext uri="{FF2B5EF4-FFF2-40B4-BE49-F238E27FC236}">
+                <a16:creationId xmlns:a16="http://schemas.microsoft.com/office/drawing/2014/main" id="{36C8E0F8-7802-4C33-8390-E33FC059A8A2}"/>
+              </a:ext>
+            </a:extLst>
+          </p:cNvPr>
+          <p:cNvSpPr/>
+          <p:nvPr/>
+        </p:nvSpPr>
+        <p:spPr>
+          <a:xfrm>
+            <a:off x="4781978" y="2379205"/>
+            <a:ext cx="72000" cy="72000"/>
+          </a:xfrm>
+          <a:prstGeom prst="ellipse">
+            <a:avLst/>
+          </a:prstGeom>
+          <a:solidFill>
+            <a:schemeClr val="bg1"/>
+          </a:solidFill>
+        </p:spPr>
+        <p:style>
+          <a:lnRef idx="2">
+            <a:schemeClr val="accent1">
+              <a:shade val="50000"/>
+            </a:schemeClr>
+          </a:lnRef>
+          <a:fillRef idx="1">
+            <a:schemeClr val="accent1"/>
+          </a:fillRef>
+          <a:effectRef idx="0">
+            <a:schemeClr val="accent1"/>
+          </a:effectRef>
+          <a:fontRef idx="minor">
+            <a:schemeClr val="lt1"/>
+          </a:fontRef>
+        </p:style>
+        <p:txBody>
+          <a:bodyPr rtlCol="0" anchor="ctr"/>
+          <a:lstStyle/>
+          <a:p>
+            <a:pPr algn="ctr"/>
+            <a:endParaRPr lang="zh-CN" altLang="en-US" dirty="0"/>
+          </a:p>
+        </p:txBody>
+      </p:sp>
+      <p:cxnSp>
+        <p:nvCxnSpPr>
+          <p:cNvPr id="7" name="直接连接符 6">
+            <a:extLst>
+              <a:ext uri="{FF2B5EF4-FFF2-40B4-BE49-F238E27FC236}">
+                <a16:creationId xmlns:a16="http://schemas.microsoft.com/office/drawing/2014/main" id="{78CCB00E-DE86-4248-8423-90B8FC83AF46}"/>
+              </a:ext>
+            </a:extLst>
+          </p:cNvPr>
+          <p:cNvCxnSpPr>
+            <a:cxnSpLocks/>
+          </p:cNvCxnSpPr>
+          <p:nvPr/>
+        </p:nvCxnSpPr>
+        <p:spPr>
+          <a:xfrm>
+            <a:off x="5052058" y="2632014"/>
+            <a:ext cx="274435" cy="0"/>
+          </a:xfrm>
+          <a:prstGeom prst="line">
+            <a:avLst/>
+          </a:prstGeom>
+          <a:ln w="19050"/>
+        </p:spPr>
+        <p:style>
+          <a:lnRef idx="1">
+            <a:schemeClr val="accent1"/>
+          </a:lnRef>
+          <a:fillRef idx="0">
+            <a:schemeClr val="accent1"/>
+          </a:fillRef>
+          <a:effectRef idx="0">
+            <a:schemeClr val="accent1"/>
+          </a:effectRef>
+          <a:fontRef idx="minor">
+            <a:schemeClr val="tx1"/>
+          </a:fontRef>
+        </p:style>
+      </p:cxnSp>
+      <p:cxnSp>
+        <p:nvCxnSpPr>
+          <p:cNvPr id="8" name="直接连接符 7">
+            <a:extLst>
+              <a:ext uri="{FF2B5EF4-FFF2-40B4-BE49-F238E27FC236}">
+                <a16:creationId xmlns:a16="http://schemas.microsoft.com/office/drawing/2014/main" id="{641D063D-0AAA-4BDC-8DAC-FCAB77D0F266}"/>
+              </a:ext>
+            </a:extLst>
+          </p:cNvPr>
+          <p:cNvCxnSpPr>
+            <a:cxnSpLocks/>
+          </p:cNvCxnSpPr>
+          <p:nvPr/>
+        </p:nvCxnSpPr>
+        <p:spPr>
+          <a:xfrm flipV="1">
+            <a:off x="5329765" y="2632014"/>
+            <a:ext cx="0" cy="166686"/>
+          </a:xfrm>
+          <a:prstGeom prst="line">
+            <a:avLst/>
+          </a:prstGeom>
+          <a:ln w="19050"/>
+        </p:spPr>
+        <p:style>
+          <a:lnRef idx="1">
+            <a:schemeClr val="accent1"/>
+          </a:lnRef>
+          <a:fillRef idx="0">
+            <a:schemeClr val="accent1"/>
+          </a:fillRef>
+          <a:effectRef idx="0">
+            <a:schemeClr val="accent1"/>
+          </a:effectRef>
+          <a:fontRef idx="minor">
+            <a:schemeClr val="tx1"/>
+          </a:fontRef>
+        </p:style>
+      </p:cxnSp>
+      <p:cxnSp>
+        <p:nvCxnSpPr>
+          <p:cNvPr id="9" name="直接连接符 8">
+            <a:extLst>
+              <a:ext uri="{FF2B5EF4-FFF2-40B4-BE49-F238E27FC236}">
+                <a16:creationId xmlns:a16="http://schemas.microsoft.com/office/drawing/2014/main" id="{59E50824-638D-42D0-A161-30B7E49C24BC}"/>
+              </a:ext>
+            </a:extLst>
+          </p:cNvPr>
+          <p:cNvCxnSpPr>
+            <a:cxnSpLocks/>
+          </p:cNvCxnSpPr>
+          <p:nvPr/>
+        </p:nvCxnSpPr>
+        <p:spPr>
+          <a:xfrm>
+            <a:off x="4507543" y="2418491"/>
+            <a:ext cx="274435" cy="0"/>
+          </a:xfrm>
+          <a:prstGeom prst="line">
+            <a:avLst/>
+          </a:prstGeom>
+          <a:ln w="19050"/>
+        </p:spPr>
+        <p:style>
+          <a:lnRef idx="1">
+            <a:schemeClr val="accent1"/>
+          </a:lnRef>
+          <a:fillRef idx="0">
+            <a:schemeClr val="accent1"/>
+          </a:fillRef>
+          <a:effectRef idx="0">
+            <a:schemeClr val="accent1"/>
+          </a:effectRef>
+          <a:fontRef idx="minor">
+            <a:schemeClr val="tx1"/>
+          </a:fontRef>
+        </p:style>
+      </p:cxnSp>
+      <p:cxnSp>
+        <p:nvCxnSpPr>
+          <p:cNvPr id="10" name="直接连接符 9">
+            <a:extLst>
+              <a:ext uri="{FF2B5EF4-FFF2-40B4-BE49-F238E27FC236}">
+                <a16:creationId xmlns:a16="http://schemas.microsoft.com/office/drawing/2014/main" id="{B2194C07-3B9C-4500-B31D-5DAB9E1F50C8}"/>
+              </a:ext>
+            </a:extLst>
+          </p:cNvPr>
+          <p:cNvCxnSpPr>
+            <a:cxnSpLocks/>
+          </p:cNvCxnSpPr>
+          <p:nvPr/>
+        </p:nvCxnSpPr>
+        <p:spPr>
+          <a:xfrm>
+            <a:off x="5030633" y="2225214"/>
+            <a:ext cx="299132" cy="1"/>
+          </a:xfrm>
+          <a:prstGeom prst="line">
+            <a:avLst/>
+          </a:prstGeom>
+          <a:ln w="19050"/>
+        </p:spPr>
+        <p:style>
+          <a:lnRef idx="1">
+            <a:schemeClr val="accent1"/>
+          </a:lnRef>
+          <a:fillRef idx="0">
+            <a:schemeClr val="accent1"/>
+          </a:fillRef>
+          <a:effectRef idx="0">
+            <a:schemeClr val="accent1"/>
+          </a:effectRef>
+          <a:fontRef idx="minor">
+            <a:schemeClr val="tx1"/>
+          </a:fontRef>
+        </p:style>
+      </p:cxnSp>
+      <p:cxnSp>
+        <p:nvCxnSpPr>
+          <p:cNvPr id="11" name="直接连接符 10">
+            <a:extLst>
+              <a:ext uri="{FF2B5EF4-FFF2-40B4-BE49-F238E27FC236}">
+                <a16:creationId xmlns:a16="http://schemas.microsoft.com/office/drawing/2014/main" id="{57D6D966-2EFD-4AAD-B5E6-90C910A06BD5}"/>
+              </a:ext>
+            </a:extLst>
+          </p:cNvPr>
+          <p:cNvCxnSpPr>
+            <a:cxnSpLocks/>
+          </p:cNvCxnSpPr>
+          <p:nvPr/>
+        </p:nvCxnSpPr>
+        <p:spPr>
+          <a:xfrm flipV="1">
+            <a:off x="5329765" y="1792388"/>
+            <a:ext cx="0" cy="432826"/>
+          </a:xfrm>
+          <a:prstGeom prst="line">
+            <a:avLst/>
+          </a:prstGeom>
+          <a:ln w="19050"/>
+        </p:spPr>
+        <p:style>
+          <a:lnRef idx="1">
+            <a:schemeClr val="accent1"/>
+          </a:lnRef>
+          <a:fillRef idx="0">
+            <a:schemeClr val="accent1"/>
+          </a:fillRef>
+          <a:effectRef idx="0">
+            <a:schemeClr val="accent1"/>
+          </a:effectRef>
+          <a:fontRef idx="minor">
+            <a:schemeClr val="tx1"/>
+          </a:fontRef>
+        </p:style>
+      </p:cxnSp>
+      <p:cxnSp>
+        <p:nvCxnSpPr>
+          <p:cNvPr id="12" name="直接连接符 11">
+            <a:extLst>
+              <a:ext uri="{FF2B5EF4-FFF2-40B4-BE49-F238E27FC236}">
+                <a16:creationId xmlns:a16="http://schemas.microsoft.com/office/drawing/2014/main" id="{53B50843-8EC8-429C-AAEC-5ED0832CA6FD}"/>
+              </a:ext>
+            </a:extLst>
+          </p:cNvPr>
+          <p:cNvCxnSpPr>
+            <a:cxnSpLocks/>
+          </p:cNvCxnSpPr>
+          <p:nvPr/>
+        </p:nvCxnSpPr>
+        <p:spPr>
+          <a:xfrm>
+            <a:off x="4868765" y="4197923"/>
+            <a:ext cx="0" cy="600074"/>
+          </a:xfrm>
+          <a:prstGeom prst="line">
+            <a:avLst/>
+          </a:prstGeom>
+          <a:ln w="57150"/>
+        </p:spPr>
+        <p:style>
+          <a:lnRef idx="1">
+            <a:schemeClr val="accent1"/>
+          </a:lnRef>
+          <a:fillRef idx="0">
+            <a:schemeClr val="accent1"/>
+          </a:fillRef>
+          <a:effectRef idx="0">
+            <a:schemeClr val="accent1"/>
+          </a:effectRef>
+          <a:fontRef idx="minor">
+            <a:schemeClr val="tx1"/>
+          </a:fontRef>
+        </p:style>
+      </p:cxnSp>
+      <p:cxnSp>
+        <p:nvCxnSpPr>
+          <p:cNvPr id="13" name="直接连接符 12">
+            <a:extLst>
+              <a:ext uri="{FF2B5EF4-FFF2-40B4-BE49-F238E27FC236}">
+                <a16:creationId xmlns:a16="http://schemas.microsoft.com/office/drawing/2014/main" id="{C1676AE3-849C-468C-AED0-1CD9D9128C7C}"/>
+              </a:ext>
+            </a:extLst>
+          </p:cNvPr>
+          <p:cNvCxnSpPr>
+            <a:cxnSpLocks/>
+          </p:cNvCxnSpPr>
+          <p:nvPr/>
+        </p:nvCxnSpPr>
+        <p:spPr>
+          <a:xfrm>
+            <a:off x="5028308" y="4134819"/>
+            <a:ext cx="0" cy="726283"/>
+          </a:xfrm>
+          <a:prstGeom prst="line">
+            <a:avLst/>
+          </a:prstGeom>
+          <a:ln w="57150"/>
+        </p:spPr>
+        <p:style>
+          <a:lnRef idx="1">
+            <a:schemeClr val="accent1"/>
+          </a:lnRef>
+          <a:fillRef idx="0">
+            <a:schemeClr val="accent1"/>
+          </a:fillRef>
+          <a:effectRef idx="0">
+            <a:schemeClr val="accent1"/>
+          </a:effectRef>
+          <a:fontRef idx="minor">
+            <a:schemeClr val="tx1"/>
+          </a:fontRef>
+        </p:style>
+      </p:cxnSp>
+      <p:cxnSp>
+        <p:nvCxnSpPr>
+          <p:cNvPr id="14" name="直接连接符 13">
+            <a:extLst>
+              <a:ext uri="{FF2B5EF4-FFF2-40B4-BE49-F238E27FC236}">
+                <a16:creationId xmlns:a16="http://schemas.microsoft.com/office/drawing/2014/main" id="{EBC315C9-34C8-481D-856F-5FEE94C7C6A3}"/>
+              </a:ext>
+            </a:extLst>
+          </p:cNvPr>
+          <p:cNvCxnSpPr>
+            <a:cxnSpLocks/>
+          </p:cNvCxnSpPr>
+          <p:nvPr/>
+        </p:nvCxnSpPr>
+        <p:spPr>
+          <a:xfrm>
+            <a:off x="5049732" y="4699969"/>
+            <a:ext cx="274435" cy="0"/>
+          </a:xfrm>
+          <a:prstGeom prst="line">
+            <a:avLst/>
+          </a:prstGeom>
+          <a:ln w="19050"/>
+        </p:spPr>
+        <p:style>
+          <a:lnRef idx="1">
+            <a:schemeClr val="accent1"/>
+          </a:lnRef>
+          <a:fillRef idx="0">
+            <a:schemeClr val="accent1"/>
+          </a:fillRef>
+          <a:effectRef idx="0">
+            <a:schemeClr val="accent1"/>
+          </a:effectRef>
+          <a:fontRef idx="minor">
+            <a:schemeClr val="tx1"/>
+          </a:fontRef>
+        </p:style>
+      </p:cxnSp>
+      <p:cxnSp>
+        <p:nvCxnSpPr>
+          <p:cNvPr id="15" name="直接连接符 14">
+            <a:extLst>
+              <a:ext uri="{FF2B5EF4-FFF2-40B4-BE49-F238E27FC236}">
+                <a16:creationId xmlns:a16="http://schemas.microsoft.com/office/drawing/2014/main" id="{005B41B1-E20F-423C-BDCB-1491AB715865}"/>
+              </a:ext>
+            </a:extLst>
+          </p:cNvPr>
+          <p:cNvCxnSpPr>
+            <a:cxnSpLocks/>
+          </p:cNvCxnSpPr>
+          <p:nvPr/>
+        </p:nvCxnSpPr>
+        <p:spPr>
+          <a:xfrm flipV="1">
+            <a:off x="5327439" y="4699969"/>
+            <a:ext cx="0" cy="264183"/>
+          </a:xfrm>
+          <a:prstGeom prst="line">
+            <a:avLst/>
+          </a:prstGeom>
+          <a:ln w="19050"/>
+        </p:spPr>
+        <p:style>
+          <a:lnRef idx="1">
+            <a:schemeClr val="accent1"/>
+          </a:lnRef>
+          <a:fillRef idx="0">
+            <a:schemeClr val="accent1"/>
+          </a:fillRef>
+          <a:effectRef idx="0">
+            <a:schemeClr val="accent1"/>
+          </a:effectRef>
+          <a:fontRef idx="minor">
+            <a:schemeClr val="tx1"/>
+          </a:fontRef>
+        </p:style>
+      </p:cxnSp>
+      <p:cxnSp>
+        <p:nvCxnSpPr>
+          <p:cNvPr id="17" name="直接连接符 16">
+            <a:extLst>
+              <a:ext uri="{FF2B5EF4-FFF2-40B4-BE49-F238E27FC236}">
+                <a16:creationId xmlns:a16="http://schemas.microsoft.com/office/drawing/2014/main" id="{BEB0E53F-EACA-4257-90A1-0B7B5226E66B}"/>
+              </a:ext>
+            </a:extLst>
+          </p:cNvPr>
+          <p:cNvCxnSpPr>
+            <a:cxnSpLocks/>
+          </p:cNvCxnSpPr>
+          <p:nvPr/>
+        </p:nvCxnSpPr>
+        <p:spPr>
+          <a:xfrm>
+            <a:off x="5027362" y="4307902"/>
+            <a:ext cx="299132" cy="1"/>
+          </a:xfrm>
+          <a:prstGeom prst="line">
+            <a:avLst/>
+          </a:prstGeom>
+          <a:ln w="19050"/>
+        </p:spPr>
+        <p:style>
+          <a:lnRef idx="1">
+            <a:schemeClr val="accent1"/>
+          </a:lnRef>
+          <a:fillRef idx="0">
+            <a:schemeClr val="accent1"/>
+          </a:fillRef>
+          <a:effectRef idx="0">
+            <a:schemeClr val="accent1"/>
+          </a:effectRef>
+          <a:fontRef idx="minor">
+            <a:schemeClr val="tx1"/>
+          </a:fontRef>
+        </p:style>
+      </p:cxnSp>
+      <p:cxnSp>
+        <p:nvCxnSpPr>
+          <p:cNvPr id="19" name="直接连接符 18">
+            <a:extLst>
+              <a:ext uri="{FF2B5EF4-FFF2-40B4-BE49-F238E27FC236}">
+                <a16:creationId xmlns:a16="http://schemas.microsoft.com/office/drawing/2014/main" id="{D5EF0B48-6838-4864-89C6-D1480F4C2078}"/>
+              </a:ext>
+            </a:extLst>
+          </p:cNvPr>
+          <p:cNvCxnSpPr>
+            <a:cxnSpLocks/>
+          </p:cNvCxnSpPr>
+          <p:nvPr/>
+        </p:nvCxnSpPr>
+        <p:spPr>
+          <a:xfrm>
+            <a:off x="4867819" y="3199945"/>
+            <a:ext cx="0" cy="600074"/>
+          </a:xfrm>
+          <a:prstGeom prst="line">
+            <a:avLst/>
+          </a:prstGeom>
+          <a:ln w="57150"/>
+        </p:spPr>
+        <p:style>
+          <a:lnRef idx="1">
+            <a:schemeClr val="accent1"/>
+          </a:lnRef>
+          <a:fillRef idx="0">
+            <a:schemeClr val="accent1"/>
+          </a:fillRef>
+          <a:effectRef idx="0">
+            <a:schemeClr val="accent1"/>
+          </a:effectRef>
+          <a:fontRef idx="minor">
+            <a:schemeClr val="tx1"/>
+          </a:fontRef>
+        </p:style>
+      </p:cxnSp>
+      <p:cxnSp>
+        <p:nvCxnSpPr>
+          <p:cNvPr id="20" name="直接连接符 19">
+            <a:extLst>
+              <a:ext uri="{FF2B5EF4-FFF2-40B4-BE49-F238E27FC236}">
+                <a16:creationId xmlns:a16="http://schemas.microsoft.com/office/drawing/2014/main" id="{E32D0297-363D-481F-93D9-08ADA1A41288}"/>
+              </a:ext>
+            </a:extLst>
+          </p:cNvPr>
+          <p:cNvCxnSpPr>
+            <a:cxnSpLocks/>
+          </p:cNvCxnSpPr>
+          <p:nvPr/>
+        </p:nvCxnSpPr>
+        <p:spPr>
+          <a:xfrm>
+            <a:off x="5027362" y="3136841"/>
+            <a:ext cx="0" cy="726283"/>
+          </a:xfrm>
+          <a:prstGeom prst="line">
+            <a:avLst/>
+          </a:prstGeom>
+          <a:ln w="57150"/>
+        </p:spPr>
+        <p:style>
+          <a:lnRef idx="1">
+            <a:schemeClr val="accent1"/>
+          </a:lnRef>
+          <a:fillRef idx="0">
+            <a:schemeClr val="accent1"/>
+          </a:fillRef>
+          <a:effectRef idx="0">
+            <a:schemeClr val="accent1"/>
+          </a:effectRef>
+          <a:fontRef idx="minor">
+            <a:schemeClr val="tx1"/>
+          </a:fontRef>
+        </p:style>
+      </p:cxnSp>
+      <p:sp>
+        <p:nvSpPr>
+          <p:cNvPr id="21" name="椭圆 20">
+            <a:extLst>
+              <a:ext uri="{FF2B5EF4-FFF2-40B4-BE49-F238E27FC236}">
+                <a16:creationId xmlns:a16="http://schemas.microsoft.com/office/drawing/2014/main" id="{79C1F7C2-0D03-457E-A121-1EE3FF842858}"/>
+              </a:ext>
+            </a:extLst>
+          </p:cNvPr>
+          <p:cNvSpPr/>
+          <p:nvPr/>
+        </p:nvSpPr>
+        <p:spPr>
+          <a:xfrm>
+            <a:off x="4778706" y="3449182"/>
+            <a:ext cx="72000" cy="72000"/>
+          </a:xfrm>
+          <a:prstGeom prst="ellipse">
+            <a:avLst/>
+          </a:prstGeom>
+          <a:solidFill>
+            <a:schemeClr val="bg1"/>
+          </a:solidFill>
+        </p:spPr>
+        <p:style>
+          <a:lnRef idx="2">
+            <a:schemeClr val="accent1">
+              <a:shade val="50000"/>
+            </a:schemeClr>
+          </a:lnRef>
+          <a:fillRef idx="1">
+            <a:schemeClr val="accent1"/>
+          </a:fillRef>
+          <a:effectRef idx="0">
+            <a:schemeClr val="accent1"/>
+          </a:effectRef>
+          <a:fontRef idx="minor">
+            <a:schemeClr val="lt1"/>
+          </a:fontRef>
+        </p:style>
+        <p:txBody>
+          <a:bodyPr rtlCol="0" anchor="ctr"/>
+          <a:lstStyle/>
+          <a:p>
+            <a:pPr algn="ctr"/>
+            <a:endParaRPr lang="zh-CN" altLang="en-US" dirty="0"/>
+          </a:p>
+        </p:txBody>
+      </p:sp>
+      <p:cxnSp>
+        <p:nvCxnSpPr>
+          <p:cNvPr id="22" name="直接连接符 21">
+            <a:extLst>
+              <a:ext uri="{FF2B5EF4-FFF2-40B4-BE49-F238E27FC236}">
+                <a16:creationId xmlns:a16="http://schemas.microsoft.com/office/drawing/2014/main" id="{F1079F32-1EB6-4B9A-B8B8-104C24B4D7BA}"/>
+              </a:ext>
+            </a:extLst>
+          </p:cNvPr>
+          <p:cNvCxnSpPr>
+            <a:cxnSpLocks/>
+          </p:cNvCxnSpPr>
+          <p:nvPr/>
+        </p:nvCxnSpPr>
+        <p:spPr>
+          <a:xfrm>
+            <a:off x="5048786" y="3701991"/>
+            <a:ext cx="274435" cy="0"/>
+          </a:xfrm>
+          <a:prstGeom prst="line">
+            <a:avLst/>
+          </a:prstGeom>
+          <a:ln w="19050"/>
+        </p:spPr>
+        <p:style>
+          <a:lnRef idx="1">
+            <a:schemeClr val="accent1"/>
+          </a:lnRef>
+          <a:fillRef idx="0">
+            <a:schemeClr val="accent1"/>
+          </a:fillRef>
+          <a:effectRef idx="0">
+            <a:schemeClr val="accent1"/>
+          </a:effectRef>
+          <a:fontRef idx="minor">
+            <a:schemeClr val="tx1"/>
+          </a:fontRef>
+        </p:style>
+      </p:cxnSp>
+      <p:cxnSp>
+        <p:nvCxnSpPr>
+          <p:cNvPr id="23" name="直接连接符 22">
+            <a:extLst>
+              <a:ext uri="{FF2B5EF4-FFF2-40B4-BE49-F238E27FC236}">
+                <a16:creationId xmlns:a16="http://schemas.microsoft.com/office/drawing/2014/main" id="{512B2C6C-05C6-4381-A043-C322F01632F3}"/>
+              </a:ext>
+            </a:extLst>
+          </p:cNvPr>
+          <p:cNvCxnSpPr>
+            <a:cxnSpLocks/>
+          </p:cNvCxnSpPr>
+          <p:nvPr/>
+        </p:nvCxnSpPr>
+        <p:spPr>
+          <a:xfrm flipV="1">
+            <a:off x="5326493" y="3701991"/>
+            <a:ext cx="0" cy="166686"/>
+          </a:xfrm>
+          <a:prstGeom prst="line">
+            <a:avLst/>
+          </a:prstGeom>
+          <a:ln w="19050"/>
+        </p:spPr>
+        <p:style>
+          <a:lnRef idx="1">
+            <a:schemeClr val="accent1"/>
+          </a:lnRef>
+          <a:fillRef idx="0">
+            <a:schemeClr val="accent1"/>
+          </a:fillRef>
+          <a:effectRef idx="0">
+            <a:schemeClr val="accent1"/>
+          </a:effectRef>
+          <a:fontRef idx="minor">
+            <a:schemeClr val="tx1"/>
+          </a:fontRef>
+        </p:style>
+      </p:cxnSp>
+      <p:cxnSp>
+        <p:nvCxnSpPr>
+          <p:cNvPr id="24" name="直接连接符 23">
+            <a:extLst>
+              <a:ext uri="{FF2B5EF4-FFF2-40B4-BE49-F238E27FC236}">
+                <a16:creationId xmlns:a16="http://schemas.microsoft.com/office/drawing/2014/main" id="{72F702C2-B9F6-405B-A2AF-82BE060DC6FC}"/>
+              </a:ext>
+            </a:extLst>
+          </p:cNvPr>
+          <p:cNvCxnSpPr>
+            <a:cxnSpLocks/>
+          </p:cNvCxnSpPr>
+          <p:nvPr/>
+        </p:nvCxnSpPr>
+        <p:spPr>
+          <a:xfrm>
+            <a:off x="4504271" y="3488468"/>
+            <a:ext cx="274435" cy="0"/>
+          </a:xfrm>
+          <a:prstGeom prst="line">
+            <a:avLst/>
+          </a:prstGeom>
+          <a:ln w="19050"/>
+        </p:spPr>
+        <p:style>
+          <a:lnRef idx="1">
+            <a:schemeClr val="accent1"/>
+          </a:lnRef>
+          <a:fillRef idx="0">
+            <a:schemeClr val="accent1"/>
+          </a:fillRef>
+          <a:effectRef idx="0">
+            <a:schemeClr val="accent1"/>
+          </a:effectRef>
+          <a:fontRef idx="minor">
+            <a:schemeClr val="tx1"/>
+          </a:fontRef>
+        </p:style>
+      </p:cxnSp>
+      <p:cxnSp>
+        <p:nvCxnSpPr>
+          <p:cNvPr id="25" name="直接连接符 24">
+            <a:extLst>
+              <a:ext uri="{FF2B5EF4-FFF2-40B4-BE49-F238E27FC236}">
+                <a16:creationId xmlns:a16="http://schemas.microsoft.com/office/drawing/2014/main" id="{D562537A-295F-44B9-8B33-1C74FB525708}"/>
+              </a:ext>
+            </a:extLst>
+          </p:cNvPr>
+          <p:cNvCxnSpPr>
+            <a:cxnSpLocks/>
+          </p:cNvCxnSpPr>
+          <p:nvPr/>
+        </p:nvCxnSpPr>
+        <p:spPr>
+          <a:xfrm>
+            <a:off x="5027361" y="3295191"/>
+            <a:ext cx="299132" cy="1"/>
+          </a:xfrm>
+          <a:prstGeom prst="line">
+            <a:avLst/>
+          </a:prstGeom>
+          <a:ln w="19050"/>
+        </p:spPr>
+        <p:style>
+          <a:lnRef idx="1">
+            <a:schemeClr val="accent1"/>
+          </a:lnRef>
+          <a:fillRef idx="0">
+            <a:schemeClr val="accent1"/>
+          </a:fillRef>
+          <a:effectRef idx="0">
+            <a:schemeClr val="accent1"/>
+          </a:effectRef>
+          <a:fontRef idx="minor">
+            <a:schemeClr val="tx1"/>
+          </a:fontRef>
+        </p:style>
+      </p:cxnSp>
+      <p:cxnSp>
+        <p:nvCxnSpPr>
+          <p:cNvPr id="26" name="直接连接符 25">
+            <a:extLst>
+              <a:ext uri="{FF2B5EF4-FFF2-40B4-BE49-F238E27FC236}">
+                <a16:creationId xmlns:a16="http://schemas.microsoft.com/office/drawing/2014/main" id="{D3153254-A147-4BAC-8D39-A667BE6D5D27}"/>
+              </a:ext>
+            </a:extLst>
+          </p:cNvPr>
+          <p:cNvCxnSpPr>
+            <a:cxnSpLocks/>
+          </p:cNvCxnSpPr>
+          <p:nvPr/>
+        </p:nvCxnSpPr>
+        <p:spPr>
+          <a:xfrm flipV="1">
+            <a:off x="5326493" y="2632014"/>
+            <a:ext cx="0" cy="663177"/>
+          </a:xfrm>
+          <a:prstGeom prst="line">
+            <a:avLst/>
+          </a:prstGeom>
+          <a:ln w="19050"/>
+        </p:spPr>
+        <p:style>
+          <a:lnRef idx="1">
+            <a:schemeClr val="accent1"/>
+          </a:lnRef>
+          <a:fillRef idx="0">
+            <a:schemeClr val="accent1"/>
+          </a:fillRef>
+          <a:effectRef idx="0">
+            <a:schemeClr val="accent1"/>
+          </a:effectRef>
+          <a:fontRef idx="minor">
+            <a:schemeClr val="tx1"/>
+          </a:fontRef>
+        </p:style>
+      </p:cxnSp>
+      <p:cxnSp>
+        <p:nvCxnSpPr>
+          <p:cNvPr id="33" name="直接连接符 32">
+            <a:extLst>
+              <a:ext uri="{FF2B5EF4-FFF2-40B4-BE49-F238E27FC236}">
+                <a16:creationId xmlns:a16="http://schemas.microsoft.com/office/drawing/2014/main" id="{36FDB700-568F-4BFE-AA9E-2CE9691E595D}"/>
+              </a:ext>
+            </a:extLst>
+          </p:cNvPr>
+          <p:cNvCxnSpPr>
+            <a:cxnSpLocks/>
+          </p:cNvCxnSpPr>
+          <p:nvPr/>
+        </p:nvCxnSpPr>
+        <p:spPr>
+          <a:xfrm flipH="1" flipV="1">
+            <a:off x="5326493" y="3710786"/>
+            <a:ext cx="3272" cy="597115"/>
+          </a:xfrm>
+          <a:prstGeom prst="line">
+            <a:avLst/>
+          </a:prstGeom>
+          <a:ln w="19050"/>
+        </p:spPr>
+        <p:style>
+          <a:lnRef idx="1">
+            <a:schemeClr val="accent1"/>
+          </a:lnRef>
+          <a:fillRef idx="0">
+            <a:schemeClr val="accent1"/>
+          </a:fillRef>
+          <a:effectRef idx="0">
+            <a:schemeClr val="accent1"/>
+          </a:effectRef>
+          <a:fontRef idx="minor">
+            <a:schemeClr val="tx1"/>
+          </a:fontRef>
+        </p:style>
+      </p:cxnSp>
+      <p:cxnSp>
+        <p:nvCxnSpPr>
+          <p:cNvPr id="36" name="直接连接符 35">
+            <a:extLst>
+              <a:ext uri="{FF2B5EF4-FFF2-40B4-BE49-F238E27FC236}">
+                <a16:creationId xmlns:a16="http://schemas.microsoft.com/office/drawing/2014/main" id="{1E96672B-9540-4DCC-8E23-CCE50C1F80C0}"/>
+              </a:ext>
+            </a:extLst>
+          </p:cNvPr>
+          <p:cNvCxnSpPr>
+            <a:cxnSpLocks/>
+          </p:cNvCxnSpPr>
+          <p:nvPr/>
+        </p:nvCxnSpPr>
+        <p:spPr>
+          <a:xfrm>
+            <a:off x="4518227" y="2415205"/>
+            <a:ext cx="2326" cy="1069977"/>
+          </a:xfrm>
+          <a:prstGeom prst="line">
+            <a:avLst/>
+          </a:prstGeom>
+          <a:ln w="19050"/>
+        </p:spPr>
+        <p:style>
+          <a:lnRef idx="1">
+            <a:schemeClr val="accent1"/>
+          </a:lnRef>
+          <a:fillRef idx="0">
+            <a:schemeClr val="accent1"/>
+          </a:fillRef>
+          <a:effectRef idx="0">
+            <a:schemeClr val="accent1"/>
+          </a:effectRef>
+          <a:fontRef idx="minor">
+            <a:schemeClr val="tx1"/>
+          </a:fontRef>
+        </p:style>
+      </p:cxnSp>
+      <p:cxnSp>
+        <p:nvCxnSpPr>
+          <p:cNvPr id="42" name="直接连接符 41">
+            <a:extLst>
+              <a:ext uri="{FF2B5EF4-FFF2-40B4-BE49-F238E27FC236}">
+                <a16:creationId xmlns:a16="http://schemas.microsoft.com/office/drawing/2014/main" id="{6768EC9F-8693-4A22-9FBC-64563896496C}"/>
+              </a:ext>
+            </a:extLst>
+          </p:cNvPr>
+          <p:cNvCxnSpPr>
+            <a:cxnSpLocks/>
+          </p:cNvCxnSpPr>
+          <p:nvPr/>
+        </p:nvCxnSpPr>
+        <p:spPr>
+          <a:xfrm>
+            <a:off x="5332769" y="4001977"/>
+            <a:ext cx="489279" cy="0"/>
+          </a:xfrm>
+          <a:prstGeom prst="line">
+            <a:avLst/>
+          </a:prstGeom>
+          <a:ln w="19050"/>
+        </p:spPr>
+        <p:style>
+          <a:lnRef idx="1">
+            <a:schemeClr val="accent1"/>
+          </a:lnRef>
+          <a:fillRef idx="0">
+            <a:schemeClr val="accent1"/>
+          </a:fillRef>
+          <a:effectRef idx="0">
+            <a:schemeClr val="accent1"/>
+          </a:effectRef>
+          <a:fontRef idx="minor">
+            <a:schemeClr val="tx1"/>
+          </a:fontRef>
+        </p:style>
+      </p:cxnSp>
+      <p:cxnSp>
+        <p:nvCxnSpPr>
+          <p:cNvPr id="49" name="直接连接符 48">
+            <a:extLst>
+              <a:ext uri="{FF2B5EF4-FFF2-40B4-BE49-F238E27FC236}">
+                <a16:creationId xmlns:a16="http://schemas.microsoft.com/office/drawing/2014/main" id="{BDF4E0C1-EE9E-4EBA-8B37-60D0786570A8}"/>
+              </a:ext>
+            </a:extLst>
+          </p:cNvPr>
+          <p:cNvCxnSpPr>
+            <a:cxnSpLocks/>
+          </p:cNvCxnSpPr>
+          <p:nvPr/>
+        </p:nvCxnSpPr>
+        <p:spPr>
+          <a:xfrm>
+            <a:off x="5214892" y="1792388"/>
+            <a:ext cx="223202" cy="0"/>
+          </a:xfrm>
+          <a:prstGeom prst="line">
+            <a:avLst/>
+          </a:prstGeom>
+          <a:ln w="19050"/>
+        </p:spPr>
+        <p:style>
+          <a:lnRef idx="1">
+            <a:schemeClr val="accent1"/>
+          </a:lnRef>
+          <a:fillRef idx="0">
+            <a:schemeClr val="accent1"/>
+          </a:fillRef>
+          <a:effectRef idx="0">
+            <a:schemeClr val="accent1"/>
+          </a:effectRef>
+          <a:fontRef idx="minor">
+            <a:schemeClr val="tx1"/>
+          </a:fontRef>
+        </p:style>
+      </p:cxnSp>
+      <p:cxnSp>
+        <p:nvCxnSpPr>
+          <p:cNvPr id="51" name="直接连接符 50">
+            <a:extLst>
+              <a:ext uri="{FF2B5EF4-FFF2-40B4-BE49-F238E27FC236}">
+                <a16:creationId xmlns:a16="http://schemas.microsoft.com/office/drawing/2014/main" id="{42E40242-1929-46A8-9EC4-9304C0BCD7BB}"/>
+              </a:ext>
+            </a:extLst>
+          </p:cNvPr>
+          <p:cNvCxnSpPr>
+            <a:cxnSpLocks/>
+          </p:cNvCxnSpPr>
+          <p:nvPr/>
+        </p:nvCxnSpPr>
+        <p:spPr>
+          <a:xfrm>
+            <a:off x="5215000" y="4964152"/>
+            <a:ext cx="223202" cy="0"/>
+          </a:xfrm>
+          <a:prstGeom prst="line">
+            <a:avLst/>
+          </a:prstGeom>
+          <a:ln w="19050"/>
+        </p:spPr>
+        <p:style>
+          <a:lnRef idx="1">
+            <a:schemeClr val="accent1"/>
+          </a:lnRef>
+          <a:fillRef idx="0">
+            <a:schemeClr val="accent1"/>
+          </a:fillRef>
+          <a:effectRef idx="0">
+            <a:schemeClr val="accent1"/>
+          </a:effectRef>
+          <a:fontRef idx="minor">
+            <a:schemeClr val="tx1"/>
+          </a:fontRef>
+        </p:style>
+      </p:cxnSp>
+      <p:cxnSp>
+        <p:nvCxnSpPr>
+          <p:cNvPr id="53" name="直接连接符 52">
+            <a:extLst>
+              <a:ext uri="{FF2B5EF4-FFF2-40B4-BE49-F238E27FC236}">
+                <a16:creationId xmlns:a16="http://schemas.microsoft.com/office/drawing/2014/main" id="{391B6A79-DF5C-4475-A0DB-5839AF704D86}"/>
+              </a:ext>
+            </a:extLst>
+          </p:cNvPr>
+          <p:cNvCxnSpPr>
+            <a:cxnSpLocks/>
+          </p:cNvCxnSpPr>
+          <p:nvPr/>
+        </p:nvCxnSpPr>
+        <p:spPr>
+          <a:xfrm>
+            <a:off x="5246860" y="5007014"/>
+            <a:ext cx="159481" cy="0"/>
+          </a:xfrm>
+          <a:prstGeom prst="line">
+            <a:avLst/>
+          </a:prstGeom>
+          <a:ln w="19050"/>
+        </p:spPr>
+        <p:style>
+          <a:lnRef idx="1">
+            <a:schemeClr val="accent1"/>
+          </a:lnRef>
+          <a:fillRef idx="0">
+            <a:schemeClr val="accent1"/>
+          </a:fillRef>
+          <a:effectRef idx="0">
+            <a:schemeClr val="accent1"/>
+          </a:effectRef>
+          <a:fontRef idx="minor">
+            <a:schemeClr val="tx1"/>
+          </a:fontRef>
+        </p:style>
+      </p:cxnSp>
+      <p:cxnSp>
+        <p:nvCxnSpPr>
+          <p:cNvPr id="55" name="直接连接符 54">
+            <a:extLst>
+              <a:ext uri="{FF2B5EF4-FFF2-40B4-BE49-F238E27FC236}">
+                <a16:creationId xmlns:a16="http://schemas.microsoft.com/office/drawing/2014/main" id="{FA986399-21F1-41F1-AA1B-3B8BB8D3D3F7}"/>
+              </a:ext>
+            </a:extLst>
+          </p:cNvPr>
+          <p:cNvCxnSpPr>
+            <a:cxnSpLocks/>
+          </p:cNvCxnSpPr>
+          <p:nvPr/>
+        </p:nvCxnSpPr>
+        <p:spPr>
+          <a:xfrm>
+            <a:off x="5294740" y="5049877"/>
+            <a:ext cx="58310" cy="0"/>
+          </a:xfrm>
+          <a:prstGeom prst="line">
+            <a:avLst/>
+          </a:prstGeom>
+          <a:ln w="19050"/>
+        </p:spPr>
+        <p:style>
+          <a:lnRef idx="1">
+            <a:schemeClr val="accent1"/>
+          </a:lnRef>
+          <a:fillRef idx="0">
+            <a:schemeClr val="accent1"/>
+          </a:fillRef>
+          <a:effectRef idx="0">
+            <a:schemeClr val="accent1"/>
+          </a:effectRef>
+          <a:fontRef idx="minor">
+            <a:schemeClr val="tx1"/>
+          </a:fontRef>
+        </p:style>
+      </p:cxnSp>
+      <p:sp>
+        <p:nvSpPr>
+          <p:cNvPr id="73" name="文本框 72">
+            <a:extLst>
+              <a:ext uri="{FF2B5EF4-FFF2-40B4-BE49-F238E27FC236}">
+                <a16:creationId xmlns:a16="http://schemas.microsoft.com/office/drawing/2014/main" id="{44CDBD6C-3318-4C09-BEB4-A1208B326539}"/>
+              </a:ext>
+            </a:extLst>
+          </p:cNvPr>
+          <p:cNvSpPr txBox="1"/>
+          <p:nvPr/>
+        </p:nvSpPr>
+        <p:spPr>
+          <a:xfrm>
+            <a:off x="2994336" y="2925859"/>
+            <a:ext cx="445956" cy="369332"/>
+          </a:xfrm>
+          <a:prstGeom prst="rect">
+            <a:avLst/>
+          </a:prstGeom>
+          <a:noFill/>
+        </p:spPr>
+        <p:txBody>
+          <a:bodyPr wrap="none" rtlCol="0">
+            <a:spAutoFit/>
+          </a:bodyPr>
+          <a:lstStyle/>
+          <a:p>
+            <a:r>
+              <a:rPr lang="en-US" altLang="zh-CN" dirty="0"/>
+              <a:t>EN</a:t>
+            </a:r>
+            <a:endParaRPr lang="zh-CN" altLang="en-US" dirty="0"/>
+          </a:p>
+        </p:txBody>
+      </p:sp>
+      <p:sp>
+        <p:nvSpPr>
+          <p:cNvPr id="74" name="文本框 73">
+            <a:extLst>
+              <a:ext uri="{FF2B5EF4-FFF2-40B4-BE49-F238E27FC236}">
+                <a16:creationId xmlns:a16="http://schemas.microsoft.com/office/drawing/2014/main" id="{660E1BDA-7A6C-4747-878E-07FFF0FE2136}"/>
+              </a:ext>
+            </a:extLst>
+          </p:cNvPr>
+          <p:cNvSpPr txBox="1"/>
+          <p:nvPr/>
+        </p:nvSpPr>
+        <p:spPr>
+          <a:xfrm>
+            <a:off x="3105416" y="2660608"/>
+            <a:ext cx="317716" cy="369332"/>
+          </a:xfrm>
+          <a:prstGeom prst="rect">
+            <a:avLst/>
+          </a:prstGeom>
+          <a:noFill/>
+        </p:spPr>
+        <p:txBody>
+          <a:bodyPr wrap="none" rtlCol="0">
+            <a:spAutoFit/>
+          </a:bodyPr>
+          <a:lstStyle/>
+          <a:p>
+            <a:r>
+              <a:rPr lang="en-US" altLang="zh-CN" dirty="0"/>
+              <a:t>A</a:t>
+            </a:r>
+            <a:endParaRPr lang="zh-CN" altLang="en-US" dirty="0"/>
+          </a:p>
+        </p:txBody>
+      </p:sp>
+      <p:sp>
+        <p:nvSpPr>
+          <p:cNvPr id="75" name="文本框 74">
+            <a:extLst>
+              <a:ext uri="{FF2B5EF4-FFF2-40B4-BE49-F238E27FC236}">
+                <a16:creationId xmlns:a16="http://schemas.microsoft.com/office/drawing/2014/main" id="{36F9A55E-8F63-4AFE-B799-C4C0544FF1DF}"/>
+              </a:ext>
+            </a:extLst>
+          </p:cNvPr>
+          <p:cNvSpPr txBox="1"/>
+          <p:nvPr/>
+        </p:nvSpPr>
+        <p:spPr>
+          <a:xfrm>
+            <a:off x="5822048" y="3817311"/>
+            <a:ext cx="296876" cy="369332"/>
+          </a:xfrm>
+          <a:prstGeom prst="rect">
+            <a:avLst/>
+          </a:prstGeom>
+          <a:noFill/>
+        </p:spPr>
+        <p:txBody>
+          <a:bodyPr wrap="none" rtlCol="0">
+            <a:spAutoFit/>
+          </a:bodyPr>
+          <a:lstStyle/>
+          <a:p>
+            <a:r>
+              <a:rPr lang="en-US" altLang="zh-CN" dirty="0"/>
+              <a:t>Y</a:t>
+            </a:r>
+            <a:endParaRPr lang="zh-CN" altLang="en-US" dirty="0"/>
+          </a:p>
+        </p:txBody>
+      </p:sp>
+      <p:sp>
+        <p:nvSpPr>
+          <p:cNvPr id="47" name="流程图: 延期 46">
+            <a:extLst>
+              <a:ext uri="{FF2B5EF4-FFF2-40B4-BE49-F238E27FC236}">
+                <a16:creationId xmlns:a16="http://schemas.microsoft.com/office/drawing/2014/main" id="{D40ADF4D-9AA2-487A-93B5-4AF6B19522B1}"/>
+              </a:ext>
+            </a:extLst>
+          </p:cNvPr>
+          <p:cNvSpPr/>
+          <p:nvPr/>
+        </p:nvSpPr>
+        <p:spPr>
+          <a:xfrm>
+            <a:off x="3620284" y="2750749"/>
+            <a:ext cx="459486" cy="459486"/>
+          </a:xfrm>
+          <a:prstGeom prst="flowChartDelay">
+            <a:avLst/>
+          </a:prstGeom>
+        </p:spPr>
+        <p:style>
+          <a:lnRef idx="2">
+            <a:schemeClr val="accent1">
+              <a:shade val="50000"/>
+            </a:schemeClr>
+          </a:lnRef>
+          <a:fillRef idx="1">
+            <a:schemeClr val="accent1"/>
+          </a:fillRef>
+          <a:effectRef idx="0">
+            <a:schemeClr val="accent1"/>
+          </a:effectRef>
+          <a:fontRef idx="minor">
+            <a:schemeClr val="lt1"/>
+          </a:fontRef>
+        </p:style>
+        <p:txBody>
+          <a:bodyPr rtlCol="0" anchor="ctr"/>
+          <a:lstStyle/>
+          <a:p>
+            <a:pPr algn="ctr"/>
+            <a:endParaRPr lang="zh-CN" altLang="en-US" sz="1350"/>
+          </a:p>
+        </p:txBody>
+      </p:sp>
+      <p:cxnSp>
+        <p:nvCxnSpPr>
+          <p:cNvPr id="48" name="直接连接符 47">
+            <a:extLst>
+              <a:ext uri="{FF2B5EF4-FFF2-40B4-BE49-F238E27FC236}">
+                <a16:creationId xmlns:a16="http://schemas.microsoft.com/office/drawing/2014/main" id="{942E119A-B33E-4A59-B8D3-9816CCF51308}"/>
+              </a:ext>
+            </a:extLst>
+          </p:cNvPr>
+          <p:cNvCxnSpPr>
+            <a:cxnSpLocks/>
+          </p:cNvCxnSpPr>
+          <p:nvPr/>
+        </p:nvCxnSpPr>
+        <p:spPr>
+          <a:xfrm flipH="1">
+            <a:off x="3422546" y="2845274"/>
+            <a:ext cx="197738" cy="0"/>
+          </a:xfrm>
+          <a:prstGeom prst="line">
+            <a:avLst/>
+          </a:prstGeom>
+        </p:spPr>
+        <p:style>
+          <a:lnRef idx="2">
+            <a:schemeClr val="accent1"/>
+          </a:lnRef>
+          <a:fillRef idx="0">
+            <a:schemeClr val="accent1"/>
+          </a:fillRef>
+          <a:effectRef idx="1">
+            <a:schemeClr val="accent1"/>
+          </a:effectRef>
+          <a:fontRef idx="minor">
+            <a:schemeClr val="tx1"/>
+          </a:fontRef>
+        </p:style>
+      </p:cxnSp>
+      <p:cxnSp>
+        <p:nvCxnSpPr>
+          <p:cNvPr id="50" name="直接连接符 49">
+            <a:extLst>
+              <a:ext uri="{FF2B5EF4-FFF2-40B4-BE49-F238E27FC236}">
+                <a16:creationId xmlns:a16="http://schemas.microsoft.com/office/drawing/2014/main" id="{9B7E038F-B64A-45E0-9511-17B65B84BD01}"/>
+              </a:ext>
+            </a:extLst>
+          </p:cNvPr>
+          <p:cNvCxnSpPr>
+            <a:cxnSpLocks/>
+          </p:cNvCxnSpPr>
+          <p:nvPr/>
+        </p:nvCxnSpPr>
+        <p:spPr>
+          <a:xfrm flipH="1">
+            <a:off x="3422546" y="3111974"/>
+            <a:ext cx="197738" cy="0"/>
+          </a:xfrm>
+          <a:prstGeom prst="line">
+            <a:avLst/>
+          </a:prstGeom>
+        </p:spPr>
+        <p:style>
+          <a:lnRef idx="2">
+            <a:schemeClr val="accent1"/>
+          </a:lnRef>
+          <a:fillRef idx="0">
+            <a:schemeClr val="accent1"/>
+          </a:fillRef>
+          <a:effectRef idx="1">
+            <a:schemeClr val="accent1"/>
+          </a:effectRef>
+          <a:fontRef idx="minor">
+            <a:schemeClr val="tx1"/>
+          </a:fontRef>
+        </p:style>
+      </p:cxnSp>
+      <p:cxnSp>
+        <p:nvCxnSpPr>
+          <p:cNvPr id="52" name="直接连接符 51">
+            <a:extLst>
+              <a:ext uri="{FF2B5EF4-FFF2-40B4-BE49-F238E27FC236}">
+                <a16:creationId xmlns:a16="http://schemas.microsoft.com/office/drawing/2014/main" id="{62A4191D-B3C4-4EAF-8751-3BFF620650B4}"/>
+              </a:ext>
+            </a:extLst>
+          </p:cNvPr>
+          <p:cNvCxnSpPr>
+            <a:cxnSpLocks/>
+            <a:endCxn id="47" idx="3"/>
+          </p:cNvCxnSpPr>
+          <p:nvPr/>
+        </p:nvCxnSpPr>
+        <p:spPr>
+          <a:xfrm flipH="1">
+            <a:off x="4079770" y="2980492"/>
+            <a:ext cx="435186" cy="0"/>
+          </a:xfrm>
+          <a:prstGeom prst="line">
+            <a:avLst/>
+          </a:prstGeom>
+        </p:spPr>
+        <p:style>
+          <a:lnRef idx="2">
+            <a:schemeClr val="accent1"/>
+          </a:lnRef>
+          <a:fillRef idx="0">
+            <a:schemeClr val="accent1"/>
+          </a:fillRef>
+          <a:effectRef idx="1">
+            <a:schemeClr val="accent1"/>
+          </a:effectRef>
+          <a:fontRef idx="minor">
+            <a:schemeClr val="tx1"/>
+          </a:fontRef>
+        </p:style>
+      </p:cxnSp>
+      <p:sp>
+        <p:nvSpPr>
+          <p:cNvPr id="54" name="椭圆 53">
+            <a:extLst>
+              <a:ext uri="{FF2B5EF4-FFF2-40B4-BE49-F238E27FC236}">
+                <a16:creationId xmlns:a16="http://schemas.microsoft.com/office/drawing/2014/main" id="{6E448D57-668B-4807-9667-0259D7959D69}"/>
+              </a:ext>
+            </a:extLst>
+          </p:cNvPr>
+          <p:cNvSpPr/>
+          <p:nvPr/>
+        </p:nvSpPr>
+        <p:spPr>
+          <a:xfrm>
+            <a:off x="4084732" y="2938754"/>
+            <a:ext cx="81000" cy="81000"/>
+          </a:xfrm>
+          <a:prstGeom prst="ellipse">
+            <a:avLst/>
+          </a:prstGeom>
+          <a:solidFill>
+            <a:schemeClr val="bg1"/>
+          </a:solidFill>
+        </p:spPr>
+        <p:style>
+          <a:lnRef idx="2">
+            <a:schemeClr val="accent1">
+              <a:shade val="50000"/>
+            </a:schemeClr>
+          </a:lnRef>
+          <a:fillRef idx="1">
+            <a:schemeClr val="accent1"/>
+          </a:fillRef>
+          <a:effectRef idx="0">
+            <a:schemeClr val="accent1"/>
+          </a:effectRef>
+          <a:fontRef idx="minor">
+            <a:schemeClr val="lt1"/>
+          </a:fontRef>
+        </p:style>
+        <p:txBody>
+          <a:bodyPr rtlCol="0" anchor="ctr"/>
+          <a:lstStyle/>
+          <a:p>
+            <a:pPr algn="ctr"/>
+            <a:endParaRPr lang="zh-CN" altLang="en-US" sz="1350"/>
+          </a:p>
+        </p:txBody>
+      </p:sp>
+      <p:cxnSp>
+        <p:nvCxnSpPr>
+          <p:cNvPr id="38" name="连接符: 肘形 37">
+            <a:extLst>
+              <a:ext uri="{FF2B5EF4-FFF2-40B4-BE49-F238E27FC236}">
+                <a16:creationId xmlns:a16="http://schemas.microsoft.com/office/drawing/2014/main" id="{D4BE005F-1F3B-40AF-8A6F-50CA9053D393}"/>
+              </a:ext>
+            </a:extLst>
+          </p:cNvPr>
+          <p:cNvCxnSpPr>
+            <a:cxnSpLocks/>
+          </p:cNvCxnSpPr>
+          <p:nvPr/>
+        </p:nvCxnSpPr>
+        <p:spPr>
+          <a:xfrm rot="16200000" flipV="1">
+            <a:off x="3484179" y="3119527"/>
+            <a:ext cx="1371674" cy="1361381"/>
+          </a:xfrm>
+          <a:prstGeom prst="bentConnector3">
+            <a:avLst>
+              <a:gd name="adj1" fmla="val -229"/>
+            </a:avLst>
+          </a:prstGeom>
+          <a:ln w="12700"/>
+        </p:spPr>
+        <p:style>
+          <a:lnRef idx="1">
+            <a:schemeClr val="accent1"/>
+          </a:lnRef>
+          <a:fillRef idx="0">
+            <a:schemeClr val="accent1"/>
+          </a:fillRef>
+          <a:effectRef idx="0">
+            <a:schemeClr val="accent1"/>
+          </a:effectRef>
+          <a:fontRef idx="minor">
+            <a:schemeClr val="tx1"/>
+          </a:fontRef>
+        </p:style>
+      </p:cxnSp>
+    </p:spTree>
+    <p:extLst>
+      <p:ext uri="{BB962C8B-B14F-4D97-AF65-F5344CB8AC3E}">
+        <p14:creationId xmlns:p14="http://schemas.microsoft.com/office/powerpoint/2010/main" val="1581502648"/>
+      </p:ext>
+    </p:extLst>
+  </p:cSld>
+  <p:clrMapOvr>
+    <a:masterClrMapping/>
+  </p:clrMapOvr>
+</p:sld>
+</file>
+
+<file path=ppt/slides/slide8.xml><?xml version="1.0" encoding="utf-8"?>
+<p:sld xmlns:a="http://schemas.openxmlformats.org/drawingml/2006/main" xmlns:r="http://schemas.openxmlformats.org/officeDocument/2006/relationships" xmlns:p="http://schemas.openxmlformats.org/presentationml/2006/main">
+  <p:cSld>
+    <p:spTree>
+      <p:nvGrpSpPr>
+        <p:cNvPr id="1" name=""/>
+        <p:cNvGrpSpPr/>
+        <p:nvPr/>
+      </p:nvGrpSpPr>
+      <p:grpSpPr>
+        <a:xfrm>
+          <a:off x="0" y="0"/>
+          <a:ext cx="0" cy="0"/>
+          <a:chOff x="0" y="0"/>
+          <a:chExt cx="0" cy="0"/>
+        </a:xfrm>
+      </p:grpSpPr>
+      <p:cxnSp>
+        <p:nvCxnSpPr>
+          <p:cNvPr id="26" name="直接连接符 25">
+            <a:extLst>
+              <a:ext uri="{FF2B5EF4-FFF2-40B4-BE49-F238E27FC236}">
+                <a16:creationId xmlns:a16="http://schemas.microsoft.com/office/drawing/2014/main" id="{D3153254-A147-4BAC-8D39-A667BE6D5D27}"/>
+              </a:ext>
+            </a:extLst>
+          </p:cNvPr>
+          <p:cNvCxnSpPr>
+            <a:cxnSpLocks/>
+          </p:cNvCxnSpPr>
+          <p:nvPr/>
+        </p:nvCxnSpPr>
+        <p:spPr>
+          <a:xfrm flipV="1">
+            <a:off x="3701809" y="1970393"/>
+            <a:ext cx="0" cy="636384"/>
+          </a:xfrm>
+          <a:prstGeom prst="line">
+            <a:avLst/>
+          </a:prstGeom>
+          <a:ln w="19050"/>
+        </p:spPr>
+        <p:style>
+          <a:lnRef idx="1">
+            <a:schemeClr val="accent1"/>
+          </a:lnRef>
+          <a:fillRef idx="0">
+            <a:schemeClr val="accent1"/>
+          </a:fillRef>
+          <a:effectRef idx="0">
+            <a:schemeClr val="accent1"/>
+          </a:effectRef>
+          <a:fontRef idx="minor">
+            <a:schemeClr val="tx1"/>
+          </a:fontRef>
+        </p:style>
+      </p:cxnSp>
+      <p:cxnSp>
+        <p:nvCxnSpPr>
+          <p:cNvPr id="42" name="直接连接符 41">
+            <a:extLst>
+              <a:ext uri="{FF2B5EF4-FFF2-40B4-BE49-F238E27FC236}">
+                <a16:creationId xmlns:a16="http://schemas.microsoft.com/office/drawing/2014/main" id="{6768EC9F-8693-4A22-9FBC-64563896496C}"/>
+              </a:ext>
+            </a:extLst>
+          </p:cNvPr>
+          <p:cNvCxnSpPr>
+            <a:cxnSpLocks/>
+          </p:cNvCxnSpPr>
+          <p:nvPr/>
+        </p:nvCxnSpPr>
+        <p:spPr>
+          <a:xfrm>
+            <a:off x="3210518" y="2283082"/>
+            <a:ext cx="489279" cy="0"/>
+          </a:xfrm>
+          <a:prstGeom prst="line">
+            <a:avLst/>
+          </a:prstGeom>
+          <a:ln w="19050"/>
+        </p:spPr>
+        <p:style>
+          <a:lnRef idx="1">
+            <a:schemeClr val="accent1"/>
+          </a:lnRef>
+          <a:fillRef idx="0">
+            <a:schemeClr val="accent1"/>
+          </a:fillRef>
+          <a:effectRef idx="0">
+            <a:schemeClr val="accent1"/>
+          </a:effectRef>
+          <a:fontRef idx="minor">
+            <a:schemeClr val="tx1"/>
+          </a:fontRef>
+        </p:style>
+      </p:cxnSp>
+      <p:cxnSp>
+        <p:nvCxnSpPr>
+          <p:cNvPr id="46" name="直接连接符 45">
+            <a:extLst>
+              <a:ext uri="{FF2B5EF4-FFF2-40B4-BE49-F238E27FC236}">
+                <a16:creationId xmlns:a16="http://schemas.microsoft.com/office/drawing/2014/main" id="{5858CA09-96AB-4E04-A92C-CFC408FEFF6F}"/>
+              </a:ext>
+            </a:extLst>
+          </p:cNvPr>
+          <p:cNvCxnSpPr>
+            <a:cxnSpLocks/>
+          </p:cNvCxnSpPr>
+          <p:nvPr/>
+        </p:nvCxnSpPr>
+        <p:spPr>
+          <a:xfrm>
+            <a:off x="4439663" y="2283082"/>
+            <a:ext cx="489279" cy="0"/>
+          </a:xfrm>
+          <a:prstGeom prst="line">
+            <a:avLst/>
+          </a:prstGeom>
+          <a:ln w="19050"/>
+        </p:spPr>
+        <p:style>
+          <a:lnRef idx="1">
+            <a:schemeClr val="accent1"/>
+          </a:lnRef>
+          <a:fillRef idx="0">
+            <a:schemeClr val="accent1"/>
+          </a:fillRef>
+          <a:effectRef idx="0">
+            <a:schemeClr val="accent1"/>
+          </a:effectRef>
+          <a:fontRef idx="minor">
+            <a:schemeClr val="tx1"/>
+          </a:fontRef>
+        </p:style>
+      </p:cxnSp>
+      <p:sp>
+        <p:nvSpPr>
+          <p:cNvPr id="74" name="文本框 73">
+            <a:extLst>
+              <a:ext uri="{FF2B5EF4-FFF2-40B4-BE49-F238E27FC236}">
+                <a16:creationId xmlns:a16="http://schemas.microsoft.com/office/drawing/2014/main" id="{660E1BDA-7A6C-4747-878E-07FFF0FE2136}"/>
+              </a:ext>
+            </a:extLst>
+          </p:cNvPr>
+          <p:cNvSpPr txBox="1"/>
+          <p:nvPr/>
+        </p:nvSpPr>
+        <p:spPr>
+          <a:xfrm>
+            <a:off x="3924434" y="788176"/>
+            <a:ext cx="317716" cy="369332"/>
+          </a:xfrm>
+          <a:prstGeom prst="rect">
+            <a:avLst/>
+          </a:prstGeom>
+          <a:noFill/>
+        </p:spPr>
+        <p:txBody>
+          <a:bodyPr wrap="none" rtlCol="0">
+            <a:spAutoFit/>
+          </a:bodyPr>
+          <a:lstStyle/>
+          <a:p>
+            <a:pPr marL="0" marR="0" lvl="0" indent="0" algn="l" defTabSz="457200" rtl="0" eaLnBrk="1" fontAlgn="auto" latinLnBrk="0" hangingPunct="1">
+              <a:lnSpc>
+                <a:spcPct val="100000"/>
+              </a:lnSpc>
+              <a:spcBef>
+                <a:spcPts val="0"/>
+              </a:spcBef>
+              <a:spcAft>
+                <a:spcPts val="0"/>
+              </a:spcAft>
+              <a:buClrTx/>
+              <a:buSzTx/>
+              <a:buFontTx/>
+              <a:buNone/>
+              <a:tabLst/>
+              <a:defRPr/>
+            </a:pPr>
+            <a:r>
+              <a:rPr kumimoji="0" lang="en-US" altLang="zh-CN" sz="1800" b="0" i="0" u="none" strike="noStrike" kern="1200" cap="none" spc="0" normalizeH="0" baseline="0" noProof="0" dirty="0">
+                <a:ln>
+                  <a:noFill/>
+                </a:ln>
+                <a:solidFill>
+                  <a:prstClr val="black"/>
+                </a:solidFill>
+                <a:effectLst/>
+                <a:uLnTx/>
+                <a:uFillTx/>
+                <a:latin typeface="Calibri" panose="020F0502020204030204"/>
+                <a:ea typeface="等线" panose="02010600030101010101" pitchFamily="2" charset="-122"/>
+                <a:cs typeface="+mn-cs"/>
+              </a:rPr>
+              <a:t>C</a:t>
+            </a:r>
+            <a:endParaRPr kumimoji="0" lang="zh-CN" altLang="en-US" sz="1800" b="0" i="0" u="none" strike="noStrike" kern="1200" cap="none" spc="0" normalizeH="0" baseline="0" noProof="0" dirty="0">
+              <a:ln>
+                <a:noFill/>
+              </a:ln>
+              <a:solidFill>
+                <a:prstClr val="black"/>
+              </a:solidFill>
+              <a:effectLst/>
+              <a:uLnTx/>
+              <a:uFillTx/>
+              <a:latin typeface="Calibri" panose="020F0502020204030204"/>
+              <a:ea typeface="等线" panose="02010600030101010101" pitchFamily="2" charset="-122"/>
+              <a:cs typeface="+mn-cs"/>
+            </a:endParaRPr>
+          </a:p>
+        </p:txBody>
+      </p:sp>
+      <p:sp>
+        <p:nvSpPr>
+          <p:cNvPr id="75" name="文本框 74">
+            <a:extLst>
+              <a:ext uri="{FF2B5EF4-FFF2-40B4-BE49-F238E27FC236}">
+                <a16:creationId xmlns:a16="http://schemas.microsoft.com/office/drawing/2014/main" id="{36F9A55E-8F63-4AFE-B799-C4C0544FF1DF}"/>
+              </a:ext>
+            </a:extLst>
+          </p:cNvPr>
+          <p:cNvSpPr txBox="1"/>
+          <p:nvPr/>
+        </p:nvSpPr>
+        <p:spPr>
+          <a:xfrm>
+            <a:off x="2726090" y="2098416"/>
+            <a:ext cx="484428" cy="369332"/>
+          </a:xfrm>
+          <a:prstGeom prst="rect">
+            <a:avLst/>
+          </a:prstGeom>
+          <a:noFill/>
+        </p:spPr>
+        <p:txBody>
+          <a:bodyPr wrap="none" rtlCol="0">
+            <a:spAutoFit/>
+          </a:bodyPr>
+          <a:lstStyle/>
+          <a:p>
+            <a:pPr marL="0" marR="0" lvl="0" indent="0" algn="l" defTabSz="457200" rtl="0" eaLnBrk="1" fontAlgn="auto" latinLnBrk="0" hangingPunct="1">
+              <a:lnSpc>
+                <a:spcPct val="100000"/>
+              </a:lnSpc>
+              <a:spcBef>
+                <a:spcPts val="0"/>
+              </a:spcBef>
+              <a:spcAft>
+                <a:spcPts val="0"/>
+              </a:spcAft>
+              <a:buClrTx/>
+              <a:buSzTx/>
+              <a:buFontTx/>
+              <a:buNone/>
+              <a:tabLst/>
+              <a:defRPr/>
+            </a:pPr>
+            <a:r>
+              <a:rPr kumimoji="0" lang="en-US" altLang="zh-CN" sz="1800" b="0" i="0" u="none" strike="noStrike" kern="1200" cap="none" spc="0" normalizeH="0" baseline="0" noProof="0" dirty="0">
+                <a:ln>
+                  <a:noFill/>
+                </a:ln>
+                <a:solidFill>
+                  <a:prstClr val="black"/>
+                </a:solidFill>
+                <a:effectLst/>
+                <a:uLnTx/>
+                <a:uFillTx/>
+                <a:latin typeface="Calibri" panose="020F0502020204030204"/>
+                <a:ea typeface="等线" panose="02010600030101010101" pitchFamily="2" charset="-122"/>
+                <a:cs typeface="+mn-cs"/>
+              </a:rPr>
+              <a:t>I/O</a:t>
+            </a:r>
+            <a:endParaRPr kumimoji="0" lang="zh-CN" altLang="en-US" sz="1800" b="0" i="0" u="none" strike="noStrike" kern="1200" cap="none" spc="0" normalizeH="0" baseline="0" noProof="0" dirty="0">
+              <a:ln>
+                <a:noFill/>
+              </a:ln>
+              <a:solidFill>
+                <a:prstClr val="black"/>
+              </a:solidFill>
+              <a:effectLst/>
+              <a:uLnTx/>
+              <a:uFillTx/>
+              <a:latin typeface="Calibri" panose="020F0502020204030204"/>
+              <a:ea typeface="等线" panose="02010600030101010101" pitchFamily="2" charset="-122"/>
+              <a:cs typeface="+mn-cs"/>
+            </a:endParaRPr>
+          </a:p>
+        </p:txBody>
+      </p:sp>
+      <p:grpSp>
+        <p:nvGrpSpPr>
+          <p:cNvPr id="34" name="组合 33">
+            <a:extLst>
+              <a:ext uri="{FF2B5EF4-FFF2-40B4-BE49-F238E27FC236}">
+                <a16:creationId xmlns:a16="http://schemas.microsoft.com/office/drawing/2014/main" id="{DFAC5B51-9F0F-491C-95C8-59ECF939257C}"/>
+              </a:ext>
+            </a:extLst>
+          </p:cNvPr>
+          <p:cNvGrpSpPr/>
+          <p:nvPr/>
+        </p:nvGrpSpPr>
+        <p:grpSpPr>
+          <a:xfrm rot="16200000">
+            <a:off x="3664019" y="2644569"/>
+            <a:ext cx="822222" cy="740172"/>
+            <a:chOff x="5821546" y="3135342"/>
+            <a:chExt cx="822222" cy="740172"/>
+          </a:xfrm>
+        </p:grpSpPr>
+        <p:cxnSp>
+          <p:nvCxnSpPr>
+            <p:cNvPr id="48" name="直接连接符 47">
+              <a:extLst>
+                <a:ext uri="{FF2B5EF4-FFF2-40B4-BE49-F238E27FC236}">
+                  <a16:creationId xmlns:a16="http://schemas.microsoft.com/office/drawing/2014/main" id="{FE4B51F1-3470-4B41-9881-F25A26A892D5}"/>
+                </a:ext>
+              </a:extLst>
+            </p:cNvPr>
+            <p:cNvCxnSpPr>
+              <a:cxnSpLocks/>
+            </p:cNvCxnSpPr>
+            <p:nvPr/>
+          </p:nvCxnSpPr>
+          <p:spPr>
+            <a:xfrm>
+              <a:off x="6185094" y="3206782"/>
+              <a:ext cx="0" cy="600074"/>
+            </a:xfrm>
+            <a:prstGeom prst="line">
+              <a:avLst/>
+            </a:prstGeom>
+            <a:ln w="57150"/>
+          </p:spPr>
+          <p:style>
+            <a:lnRef idx="1">
+              <a:schemeClr val="accent1"/>
+            </a:lnRef>
+            <a:fillRef idx="0">
+              <a:schemeClr val="accent1"/>
+            </a:fillRef>
+            <a:effectRef idx="0">
+              <a:schemeClr val="accent1"/>
+            </a:effectRef>
+            <a:fontRef idx="minor">
+              <a:schemeClr val="tx1"/>
+            </a:fontRef>
+          </p:style>
+        </p:cxnSp>
+        <p:cxnSp>
+          <p:nvCxnSpPr>
+            <p:cNvPr id="50" name="直接连接符 49">
+              <a:extLst>
+                <a:ext uri="{FF2B5EF4-FFF2-40B4-BE49-F238E27FC236}">
+                  <a16:creationId xmlns:a16="http://schemas.microsoft.com/office/drawing/2014/main" id="{B1DD0B0E-2E49-4C56-A59B-32AA21790782}"/>
+                </a:ext>
+              </a:extLst>
+            </p:cNvPr>
+            <p:cNvCxnSpPr>
+              <a:cxnSpLocks/>
+            </p:cNvCxnSpPr>
+            <p:nvPr/>
+          </p:nvCxnSpPr>
+          <p:spPr>
+            <a:xfrm>
+              <a:off x="6344637" y="3143678"/>
+              <a:ext cx="0" cy="726283"/>
+            </a:xfrm>
+            <a:prstGeom prst="line">
+              <a:avLst/>
+            </a:prstGeom>
+            <a:ln w="57150"/>
+          </p:spPr>
+          <p:style>
+            <a:lnRef idx="1">
+              <a:schemeClr val="accent1"/>
+            </a:lnRef>
+            <a:fillRef idx="0">
+              <a:schemeClr val="accent1"/>
+            </a:fillRef>
+            <a:effectRef idx="0">
+              <a:schemeClr val="accent1"/>
+            </a:effectRef>
+            <a:fontRef idx="minor">
+              <a:schemeClr val="tx1"/>
+            </a:fontRef>
+          </p:style>
+        </p:cxnSp>
+        <p:cxnSp>
+          <p:nvCxnSpPr>
+            <p:cNvPr id="52" name="直接连接符 51">
+              <a:extLst>
+                <a:ext uri="{FF2B5EF4-FFF2-40B4-BE49-F238E27FC236}">
+                  <a16:creationId xmlns:a16="http://schemas.microsoft.com/office/drawing/2014/main" id="{80280ED9-F433-46B6-813D-043627D45DCE}"/>
+                </a:ext>
+              </a:extLst>
+            </p:cNvPr>
+            <p:cNvCxnSpPr>
+              <a:cxnSpLocks/>
+            </p:cNvCxnSpPr>
+            <p:nvPr/>
+          </p:nvCxnSpPr>
+          <p:spPr>
+            <a:xfrm>
+              <a:off x="6366061" y="3708828"/>
+              <a:ext cx="274435" cy="0"/>
+            </a:xfrm>
+            <a:prstGeom prst="line">
+              <a:avLst/>
+            </a:prstGeom>
+            <a:ln w="19050"/>
+          </p:spPr>
+          <p:style>
+            <a:lnRef idx="1">
+              <a:schemeClr val="accent1"/>
+            </a:lnRef>
+            <a:fillRef idx="0">
+              <a:schemeClr val="accent1"/>
+            </a:fillRef>
+            <a:effectRef idx="0">
+              <a:schemeClr val="accent1"/>
+            </a:effectRef>
+            <a:fontRef idx="minor">
+              <a:schemeClr val="tx1"/>
+            </a:fontRef>
+          </p:style>
+        </p:cxnSp>
+        <p:cxnSp>
+          <p:nvCxnSpPr>
+            <p:cNvPr id="54" name="直接连接符 53">
+              <a:extLst>
+                <a:ext uri="{FF2B5EF4-FFF2-40B4-BE49-F238E27FC236}">
+                  <a16:creationId xmlns:a16="http://schemas.microsoft.com/office/drawing/2014/main" id="{2451F1C9-E198-4283-AD65-6F5EE46B72F9}"/>
+                </a:ext>
+              </a:extLst>
+            </p:cNvPr>
+            <p:cNvCxnSpPr>
+              <a:cxnSpLocks/>
+            </p:cNvCxnSpPr>
+            <p:nvPr/>
+          </p:nvCxnSpPr>
+          <p:spPr>
+            <a:xfrm flipV="1">
+              <a:off x="6643768" y="3708828"/>
+              <a:ext cx="0" cy="166686"/>
+            </a:xfrm>
+            <a:prstGeom prst="line">
+              <a:avLst/>
+            </a:prstGeom>
+            <a:ln w="19050"/>
+          </p:spPr>
+          <p:style>
+            <a:lnRef idx="1">
+              <a:schemeClr val="accent1"/>
+            </a:lnRef>
+            <a:fillRef idx="0">
+              <a:schemeClr val="accent1"/>
+            </a:fillRef>
+            <a:effectRef idx="0">
+              <a:schemeClr val="accent1"/>
+            </a:effectRef>
+            <a:fontRef idx="minor">
+              <a:schemeClr val="tx1"/>
+            </a:fontRef>
+          </p:style>
+        </p:cxnSp>
+        <p:cxnSp>
+          <p:nvCxnSpPr>
+            <p:cNvPr id="56" name="直接连接符 55">
+              <a:extLst>
+                <a:ext uri="{FF2B5EF4-FFF2-40B4-BE49-F238E27FC236}">
+                  <a16:creationId xmlns:a16="http://schemas.microsoft.com/office/drawing/2014/main" id="{36FD5F2C-DB8F-4839-9A5D-07B2D066DFDD}"/>
+                </a:ext>
+              </a:extLst>
+            </p:cNvPr>
+            <p:cNvCxnSpPr>
+              <a:cxnSpLocks/>
+            </p:cNvCxnSpPr>
+            <p:nvPr/>
+          </p:nvCxnSpPr>
+          <p:spPr>
+            <a:xfrm flipV="1">
+              <a:off x="5821546" y="3494914"/>
+              <a:ext cx="346435" cy="391"/>
+            </a:xfrm>
+            <a:prstGeom prst="line">
+              <a:avLst/>
+            </a:prstGeom>
+            <a:ln w="19050"/>
+          </p:spPr>
+          <p:style>
+            <a:lnRef idx="1">
+              <a:schemeClr val="accent1"/>
+            </a:lnRef>
+            <a:fillRef idx="0">
+              <a:schemeClr val="accent1"/>
+            </a:fillRef>
+            <a:effectRef idx="0">
+              <a:schemeClr val="accent1"/>
+            </a:effectRef>
+            <a:fontRef idx="minor">
+              <a:schemeClr val="tx1"/>
+            </a:fontRef>
+          </p:style>
+        </p:cxnSp>
+        <p:cxnSp>
+          <p:nvCxnSpPr>
+            <p:cNvPr id="57" name="直接连接符 56">
+              <a:extLst>
+                <a:ext uri="{FF2B5EF4-FFF2-40B4-BE49-F238E27FC236}">
+                  <a16:creationId xmlns:a16="http://schemas.microsoft.com/office/drawing/2014/main" id="{16CCE651-9AB4-487C-A013-72EBAE5A9D54}"/>
+                </a:ext>
+              </a:extLst>
+            </p:cNvPr>
+            <p:cNvCxnSpPr>
+              <a:cxnSpLocks/>
+            </p:cNvCxnSpPr>
+            <p:nvPr/>
+          </p:nvCxnSpPr>
+          <p:spPr>
+            <a:xfrm>
+              <a:off x="6344636" y="3302028"/>
+              <a:ext cx="299132" cy="1"/>
+            </a:xfrm>
+            <a:prstGeom prst="line">
+              <a:avLst/>
+            </a:prstGeom>
+            <a:ln w="19050"/>
+          </p:spPr>
+          <p:style>
+            <a:lnRef idx="1">
+              <a:schemeClr val="accent1"/>
+            </a:lnRef>
+            <a:fillRef idx="0">
+              <a:schemeClr val="accent1"/>
+            </a:fillRef>
+            <a:effectRef idx="0">
+              <a:schemeClr val="accent1"/>
+            </a:effectRef>
+            <a:fontRef idx="minor">
+              <a:schemeClr val="tx1"/>
+            </a:fontRef>
+          </p:style>
+        </p:cxnSp>
+        <p:cxnSp>
+          <p:nvCxnSpPr>
+            <p:cNvPr id="60" name="直接连接符 59">
+              <a:extLst>
+                <a:ext uri="{FF2B5EF4-FFF2-40B4-BE49-F238E27FC236}">
+                  <a16:creationId xmlns:a16="http://schemas.microsoft.com/office/drawing/2014/main" id="{4E5DCD64-C095-4C62-A68D-51B756B8226B}"/>
+                </a:ext>
+              </a:extLst>
+            </p:cNvPr>
+            <p:cNvCxnSpPr>
+              <a:cxnSpLocks/>
+            </p:cNvCxnSpPr>
+            <p:nvPr/>
+          </p:nvCxnSpPr>
+          <p:spPr>
+            <a:xfrm flipV="1">
+              <a:off x="6643768" y="3135342"/>
+              <a:ext cx="0" cy="166686"/>
+            </a:xfrm>
+            <a:prstGeom prst="line">
+              <a:avLst/>
+            </a:prstGeom>
+            <a:ln w="19050"/>
+          </p:spPr>
+          <p:style>
+            <a:lnRef idx="1">
+              <a:schemeClr val="accent1"/>
+            </a:lnRef>
+            <a:fillRef idx="0">
+              <a:schemeClr val="accent1"/>
+            </a:fillRef>
+            <a:effectRef idx="0">
+              <a:schemeClr val="accent1"/>
+            </a:effectRef>
+            <a:fontRef idx="minor">
+              <a:schemeClr val="tx1"/>
+            </a:fontRef>
+          </p:style>
+        </p:cxnSp>
+      </p:grpSp>
+      <p:grpSp>
+        <p:nvGrpSpPr>
+          <p:cNvPr id="35" name="组合 34">
+            <a:extLst>
+              <a:ext uri="{FF2B5EF4-FFF2-40B4-BE49-F238E27FC236}">
+                <a16:creationId xmlns:a16="http://schemas.microsoft.com/office/drawing/2014/main" id="{6C6CB82E-02DF-4D1A-BC3E-B3E8CF85FA4F}"/>
+              </a:ext>
+            </a:extLst>
+          </p:cNvPr>
+          <p:cNvGrpSpPr/>
+          <p:nvPr/>
+        </p:nvGrpSpPr>
+        <p:grpSpPr>
+          <a:xfrm rot="5400000">
+            <a:off x="3658772" y="1192466"/>
+            <a:ext cx="822222" cy="740172"/>
+            <a:chOff x="5821546" y="1503475"/>
+            <a:chExt cx="822222" cy="740172"/>
+          </a:xfrm>
+        </p:grpSpPr>
+        <p:cxnSp>
+          <p:nvCxnSpPr>
+            <p:cNvPr id="61" name="直接连接符 60">
+              <a:extLst>
+                <a:ext uri="{FF2B5EF4-FFF2-40B4-BE49-F238E27FC236}">
+                  <a16:creationId xmlns:a16="http://schemas.microsoft.com/office/drawing/2014/main" id="{786954BC-8833-44CC-AC4B-CFB63E90AA2B}"/>
+                </a:ext>
+              </a:extLst>
+            </p:cNvPr>
+            <p:cNvCxnSpPr>
+              <a:cxnSpLocks/>
+            </p:cNvCxnSpPr>
+            <p:nvPr/>
+          </p:nvCxnSpPr>
+          <p:spPr>
+            <a:xfrm>
+              <a:off x="6185094" y="1574915"/>
+              <a:ext cx="0" cy="600074"/>
+            </a:xfrm>
+            <a:prstGeom prst="line">
+              <a:avLst/>
+            </a:prstGeom>
+            <a:ln w="57150"/>
+          </p:spPr>
+          <p:style>
+            <a:lnRef idx="1">
+              <a:schemeClr val="accent1"/>
+            </a:lnRef>
+            <a:fillRef idx="0">
+              <a:schemeClr val="accent1"/>
+            </a:fillRef>
+            <a:effectRef idx="0">
+              <a:schemeClr val="accent1"/>
+            </a:effectRef>
+            <a:fontRef idx="minor">
+              <a:schemeClr val="tx1"/>
+            </a:fontRef>
+          </p:style>
+        </p:cxnSp>
+        <p:cxnSp>
+          <p:nvCxnSpPr>
+            <p:cNvPr id="63" name="直接连接符 62">
+              <a:extLst>
+                <a:ext uri="{FF2B5EF4-FFF2-40B4-BE49-F238E27FC236}">
+                  <a16:creationId xmlns:a16="http://schemas.microsoft.com/office/drawing/2014/main" id="{5F4734FB-0E62-477B-A5B7-4315EB4CF1B5}"/>
+                </a:ext>
+              </a:extLst>
+            </p:cNvPr>
+            <p:cNvCxnSpPr>
+              <a:cxnSpLocks/>
+            </p:cNvCxnSpPr>
+            <p:nvPr/>
+          </p:nvCxnSpPr>
+          <p:spPr>
+            <a:xfrm>
+              <a:off x="6344637" y="1511811"/>
+              <a:ext cx="0" cy="726283"/>
+            </a:xfrm>
+            <a:prstGeom prst="line">
+              <a:avLst/>
+            </a:prstGeom>
+            <a:ln w="57150"/>
+          </p:spPr>
+          <p:style>
+            <a:lnRef idx="1">
+              <a:schemeClr val="accent1"/>
+            </a:lnRef>
+            <a:fillRef idx="0">
+              <a:schemeClr val="accent1"/>
+            </a:fillRef>
+            <a:effectRef idx="0">
+              <a:schemeClr val="accent1"/>
+            </a:effectRef>
+            <a:fontRef idx="minor">
+              <a:schemeClr val="tx1"/>
+            </a:fontRef>
+          </p:style>
+        </p:cxnSp>
+        <p:sp>
+          <p:nvSpPr>
+            <p:cNvPr id="64" name="椭圆 63">
+              <a:extLst>
+                <a:ext uri="{FF2B5EF4-FFF2-40B4-BE49-F238E27FC236}">
+                  <a16:creationId xmlns:a16="http://schemas.microsoft.com/office/drawing/2014/main" id="{6909D0A5-4973-46E3-88C5-B297C31D245F}"/>
+                </a:ext>
+              </a:extLst>
+            </p:cNvPr>
+            <p:cNvSpPr/>
+            <p:nvPr/>
+          </p:nvSpPr>
+          <p:spPr>
+            <a:xfrm>
+              <a:off x="6095981" y="1824152"/>
+              <a:ext cx="72000" cy="72000"/>
+            </a:xfrm>
+            <a:prstGeom prst="ellipse">
+              <a:avLst/>
+            </a:prstGeom>
+            <a:solidFill>
+              <a:schemeClr val="bg1"/>
+            </a:solidFill>
+          </p:spPr>
+          <p:style>
+            <a:lnRef idx="2">
+              <a:schemeClr val="accent1">
+                <a:shade val="50000"/>
+              </a:schemeClr>
+            </a:lnRef>
+            <a:fillRef idx="1">
+              <a:schemeClr val="accent1"/>
+            </a:fillRef>
+            <a:effectRef idx="0">
+              <a:schemeClr val="accent1"/>
+            </a:effectRef>
+            <a:fontRef idx="minor">
+              <a:schemeClr val="lt1"/>
+            </a:fontRef>
+          </p:style>
+          <p:txBody>
+            <a:bodyPr rtlCol="0" anchor="ctr"/>
+            <a:lstStyle/>
+            <a:p>
+              <a:pPr algn="ctr"/>
+              <a:endParaRPr lang="zh-CN" altLang="en-US" dirty="0"/>
+            </a:p>
+          </p:txBody>
+        </p:sp>
+        <p:cxnSp>
+          <p:nvCxnSpPr>
+            <p:cNvPr id="66" name="直接连接符 65">
+              <a:extLst>
+                <a:ext uri="{FF2B5EF4-FFF2-40B4-BE49-F238E27FC236}">
+                  <a16:creationId xmlns:a16="http://schemas.microsoft.com/office/drawing/2014/main" id="{D5B47077-565A-4EEE-BCAE-E720614968CA}"/>
+                </a:ext>
+              </a:extLst>
+            </p:cNvPr>
+            <p:cNvCxnSpPr>
+              <a:cxnSpLocks/>
+            </p:cNvCxnSpPr>
+            <p:nvPr/>
+          </p:nvCxnSpPr>
+          <p:spPr>
+            <a:xfrm>
+              <a:off x="6366061" y="2076961"/>
+              <a:ext cx="274435" cy="0"/>
+            </a:xfrm>
+            <a:prstGeom prst="line">
+              <a:avLst/>
+            </a:prstGeom>
+            <a:ln w="19050"/>
+          </p:spPr>
+          <p:style>
+            <a:lnRef idx="1">
+              <a:schemeClr val="accent1"/>
+            </a:lnRef>
+            <a:fillRef idx="0">
+              <a:schemeClr val="accent1"/>
+            </a:fillRef>
+            <a:effectRef idx="0">
+              <a:schemeClr val="accent1"/>
+            </a:effectRef>
+            <a:fontRef idx="minor">
+              <a:schemeClr val="tx1"/>
+            </a:fontRef>
+          </p:style>
+        </p:cxnSp>
+        <p:cxnSp>
+          <p:nvCxnSpPr>
+            <p:cNvPr id="67" name="直接连接符 66">
+              <a:extLst>
+                <a:ext uri="{FF2B5EF4-FFF2-40B4-BE49-F238E27FC236}">
+                  <a16:creationId xmlns:a16="http://schemas.microsoft.com/office/drawing/2014/main" id="{85D9846B-CABC-492F-838A-435C78B18927}"/>
+                </a:ext>
+              </a:extLst>
+            </p:cNvPr>
+            <p:cNvCxnSpPr>
+              <a:cxnSpLocks/>
+            </p:cNvCxnSpPr>
+            <p:nvPr/>
+          </p:nvCxnSpPr>
+          <p:spPr>
+            <a:xfrm flipV="1">
+              <a:off x="6643768" y="2076961"/>
+              <a:ext cx="0" cy="166686"/>
+            </a:xfrm>
+            <a:prstGeom prst="line">
+              <a:avLst/>
+            </a:prstGeom>
+            <a:ln w="19050"/>
+          </p:spPr>
+          <p:style>
+            <a:lnRef idx="1">
+              <a:schemeClr val="accent1"/>
+            </a:lnRef>
+            <a:fillRef idx="0">
+              <a:schemeClr val="accent1"/>
+            </a:fillRef>
+            <a:effectRef idx="0">
+              <a:schemeClr val="accent1"/>
+            </a:effectRef>
+            <a:fontRef idx="minor">
+              <a:schemeClr val="tx1"/>
+            </a:fontRef>
+          </p:style>
+        </p:cxnSp>
+        <p:cxnSp>
+          <p:nvCxnSpPr>
+            <p:cNvPr id="68" name="直接连接符 67">
+              <a:extLst>
+                <a:ext uri="{FF2B5EF4-FFF2-40B4-BE49-F238E27FC236}">
+                  <a16:creationId xmlns:a16="http://schemas.microsoft.com/office/drawing/2014/main" id="{71345575-482E-499C-AAFC-A7650F63A2F5}"/>
+                </a:ext>
+              </a:extLst>
+            </p:cNvPr>
+            <p:cNvCxnSpPr>
+              <a:cxnSpLocks/>
+            </p:cNvCxnSpPr>
+            <p:nvPr/>
+          </p:nvCxnSpPr>
+          <p:spPr>
+            <a:xfrm>
+              <a:off x="5821546" y="1863438"/>
+              <a:ext cx="274435" cy="0"/>
+            </a:xfrm>
+            <a:prstGeom prst="line">
+              <a:avLst/>
+            </a:prstGeom>
+            <a:ln w="19050"/>
+          </p:spPr>
+          <p:style>
+            <a:lnRef idx="1">
+              <a:schemeClr val="accent1"/>
+            </a:lnRef>
+            <a:fillRef idx="0">
+              <a:schemeClr val="accent1"/>
+            </a:fillRef>
+            <a:effectRef idx="0">
+              <a:schemeClr val="accent1"/>
+            </a:effectRef>
+            <a:fontRef idx="minor">
+              <a:schemeClr val="tx1"/>
+            </a:fontRef>
+          </p:style>
+        </p:cxnSp>
+        <p:cxnSp>
+          <p:nvCxnSpPr>
+            <p:cNvPr id="69" name="直接连接符 68">
+              <a:extLst>
+                <a:ext uri="{FF2B5EF4-FFF2-40B4-BE49-F238E27FC236}">
+                  <a16:creationId xmlns:a16="http://schemas.microsoft.com/office/drawing/2014/main" id="{FC50FA5C-1950-412B-A98F-126892133A91}"/>
+                </a:ext>
+              </a:extLst>
+            </p:cNvPr>
+            <p:cNvCxnSpPr>
+              <a:cxnSpLocks/>
+            </p:cNvCxnSpPr>
+            <p:nvPr/>
+          </p:nvCxnSpPr>
+          <p:spPr>
+            <a:xfrm>
+              <a:off x="6344636" y="1670161"/>
+              <a:ext cx="299132" cy="1"/>
+            </a:xfrm>
+            <a:prstGeom prst="line">
+              <a:avLst/>
+            </a:prstGeom>
+            <a:ln w="19050"/>
+          </p:spPr>
+          <p:style>
+            <a:lnRef idx="1">
+              <a:schemeClr val="accent1"/>
+            </a:lnRef>
+            <a:fillRef idx="0">
+              <a:schemeClr val="accent1"/>
+            </a:fillRef>
+            <a:effectRef idx="0">
+              <a:schemeClr val="accent1"/>
+            </a:effectRef>
+            <a:fontRef idx="minor">
+              <a:schemeClr val="tx1"/>
+            </a:fontRef>
+          </p:style>
+        </p:cxnSp>
+        <p:cxnSp>
+          <p:nvCxnSpPr>
+            <p:cNvPr id="70" name="直接连接符 69">
+              <a:extLst>
+                <a:ext uri="{FF2B5EF4-FFF2-40B4-BE49-F238E27FC236}">
+                  <a16:creationId xmlns:a16="http://schemas.microsoft.com/office/drawing/2014/main" id="{C7003615-B13E-436D-BEF5-99FA94FCC90E}"/>
+                </a:ext>
+              </a:extLst>
+            </p:cNvPr>
+            <p:cNvCxnSpPr>
+              <a:cxnSpLocks/>
+            </p:cNvCxnSpPr>
+            <p:nvPr/>
+          </p:nvCxnSpPr>
+          <p:spPr>
+            <a:xfrm flipV="1">
+              <a:off x="6643768" y="1503475"/>
+              <a:ext cx="0" cy="166686"/>
+            </a:xfrm>
+            <a:prstGeom prst="line">
+              <a:avLst/>
+            </a:prstGeom>
+            <a:ln w="19050"/>
+          </p:spPr>
+          <p:style>
+            <a:lnRef idx="1">
+              <a:schemeClr val="accent1"/>
+            </a:lnRef>
+            <a:fillRef idx="0">
+              <a:schemeClr val="accent1"/>
+            </a:fillRef>
+            <a:effectRef idx="0">
+              <a:schemeClr val="accent1"/>
+            </a:effectRef>
+            <a:fontRef idx="minor">
+              <a:schemeClr val="tx1"/>
+            </a:fontRef>
+          </p:style>
+        </p:cxnSp>
+      </p:grpSp>
+      <p:sp>
+        <p:nvSpPr>
+          <p:cNvPr id="71" name="文本框 70">
+            <a:extLst>
+              <a:ext uri="{FF2B5EF4-FFF2-40B4-BE49-F238E27FC236}">
+                <a16:creationId xmlns:a16="http://schemas.microsoft.com/office/drawing/2014/main" id="{45DCEF6A-2C54-4FB1-92CE-761F35F4C6C8}"/>
+              </a:ext>
+            </a:extLst>
+          </p:cNvPr>
+          <p:cNvSpPr txBox="1"/>
+          <p:nvPr/>
+        </p:nvSpPr>
+        <p:spPr>
+          <a:xfrm>
+            <a:off x="3916272" y="3421775"/>
+            <a:ext cx="317716" cy="369332"/>
+          </a:xfrm>
+          <a:prstGeom prst="rect">
+            <a:avLst/>
+          </a:prstGeom>
+          <a:noFill/>
+        </p:spPr>
+        <p:txBody>
+          <a:bodyPr wrap="none" rtlCol="0">
+            <a:spAutoFit/>
+          </a:bodyPr>
+          <a:lstStyle/>
+          <a:p>
+            <a:pPr marL="0" marR="0" lvl="0" indent="0" algn="l" defTabSz="457200" rtl="0" eaLnBrk="1" fontAlgn="auto" latinLnBrk="0" hangingPunct="1">
+              <a:lnSpc>
+                <a:spcPct val="100000"/>
+              </a:lnSpc>
+              <a:spcBef>
+                <a:spcPts val="0"/>
+              </a:spcBef>
+              <a:spcAft>
+                <a:spcPts val="0"/>
+              </a:spcAft>
+              <a:buClrTx/>
+              <a:buSzTx/>
+              <a:buFontTx/>
+              <a:buNone/>
+              <a:tabLst/>
+              <a:defRPr/>
+            </a:pPr>
+            <a:r>
+              <a:rPr kumimoji="0" lang="en-US" altLang="zh-CN" sz="1800" b="0" i="0" u="none" strike="noStrike" kern="1200" cap="none" spc="0" normalizeH="0" baseline="0" noProof="0" dirty="0">
+                <a:ln>
+                  <a:noFill/>
+                </a:ln>
+                <a:solidFill>
+                  <a:prstClr val="black"/>
+                </a:solidFill>
+                <a:effectLst/>
+                <a:uLnTx/>
+                <a:uFillTx/>
+                <a:latin typeface="Calibri" panose="020F0502020204030204"/>
+                <a:ea typeface="等线" panose="02010600030101010101" pitchFamily="2" charset="-122"/>
+                <a:cs typeface="+mn-cs"/>
+              </a:rPr>
+              <a:t>C</a:t>
+            </a:r>
+            <a:endParaRPr kumimoji="0" lang="zh-CN" altLang="en-US" sz="1800" b="0" i="0" u="none" strike="noStrike" kern="1200" cap="none" spc="0" normalizeH="0" baseline="0" noProof="0" dirty="0">
+              <a:ln>
+                <a:noFill/>
+              </a:ln>
+              <a:solidFill>
+                <a:prstClr val="black"/>
+              </a:solidFill>
+              <a:effectLst/>
+              <a:uLnTx/>
+              <a:uFillTx/>
+              <a:latin typeface="Calibri" panose="020F0502020204030204"/>
+              <a:ea typeface="等线" panose="02010600030101010101" pitchFamily="2" charset="-122"/>
+              <a:cs typeface="+mn-cs"/>
+            </a:endParaRPr>
+          </a:p>
+        </p:txBody>
+      </p:sp>
+      <p:cxnSp>
+        <p:nvCxnSpPr>
+          <p:cNvPr id="38" name="直接连接符 37">
+            <a:extLst>
+              <a:ext uri="{FF2B5EF4-FFF2-40B4-BE49-F238E27FC236}">
+                <a16:creationId xmlns:a16="http://schemas.microsoft.com/office/drawing/2014/main" id="{8ED041B9-A5C0-4E9E-9162-142D82FF2D70}"/>
+              </a:ext>
+            </a:extLst>
+          </p:cNvPr>
+          <p:cNvCxnSpPr>
+            <a:cxnSpLocks/>
+          </p:cNvCxnSpPr>
+          <p:nvPr/>
+        </p:nvCxnSpPr>
+        <p:spPr>
+          <a:xfrm flipH="1">
+            <a:off x="4028165" y="859614"/>
+            <a:ext cx="110254" cy="0"/>
+          </a:xfrm>
+          <a:prstGeom prst="line">
+            <a:avLst/>
+          </a:prstGeom>
+          <a:ln w="19050">
+            <a:solidFill>
+              <a:schemeClr val="tx1"/>
+            </a:solidFill>
+          </a:ln>
+        </p:spPr>
+        <p:style>
+          <a:lnRef idx="1">
+            <a:schemeClr val="accent1"/>
+          </a:lnRef>
+          <a:fillRef idx="0">
+            <a:schemeClr val="accent1"/>
+          </a:fillRef>
+          <a:effectRef idx="0">
+            <a:schemeClr val="accent1"/>
+          </a:effectRef>
+          <a:fontRef idx="minor">
+            <a:schemeClr val="tx1"/>
+          </a:fontRef>
+        </p:style>
+      </p:cxnSp>
+      <p:cxnSp>
+        <p:nvCxnSpPr>
+          <p:cNvPr id="72" name="直接连接符 71">
+            <a:extLst>
+              <a:ext uri="{FF2B5EF4-FFF2-40B4-BE49-F238E27FC236}">
+                <a16:creationId xmlns:a16="http://schemas.microsoft.com/office/drawing/2014/main" id="{D7911D8A-B59F-4350-B306-100C81500D32}"/>
+              </a:ext>
+            </a:extLst>
+          </p:cNvPr>
+          <p:cNvCxnSpPr>
+            <a:cxnSpLocks/>
+          </p:cNvCxnSpPr>
+          <p:nvPr/>
+        </p:nvCxnSpPr>
+        <p:spPr>
+          <a:xfrm flipV="1">
+            <a:off x="4437743" y="1970393"/>
+            <a:ext cx="0" cy="636384"/>
+          </a:xfrm>
+          <a:prstGeom prst="line">
+            <a:avLst/>
+          </a:prstGeom>
+          <a:ln w="19050"/>
+        </p:spPr>
+        <p:style>
+          <a:lnRef idx="1">
+            <a:schemeClr val="accent1"/>
+          </a:lnRef>
+          <a:fillRef idx="0">
+            <a:schemeClr val="accent1"/>
+          </a:fillRef>
+          <a:effectRef idx="0">
+            <a:schemeClr val="accent1"/>
+          </a:effectRef>
+          <a:fontRef idx="minor">
+            <a:schemeClr val="tx1"/>
+          </a:fontRef>
+        </p:style>
+      </p:cxnSp>
+      <p:sp>
+        <p:nvSpPr>
+          <p:cNvPr id="76" name="文本框 75">
+            <a:extLst>
+              <a:ext uri="{FF2B5EF4-FFF2-40B4-BE49-F238E27FC236}">
+                <a16:creationId xmlns:a16="http://schemas.microsoft.com/office/drawing/2014/main" id="{166561AF-4639-4FFA-B3E1-6162DC4A1A7A}"/>
+              </a:ext>
+            </a:extLst>
+          </p:cNvPr>
+          <p:cNvSpPr txBox="1"/>
+          <p:nvPr/>
+        </p:nvSpPr>
+        <p:spPr>
+          <a:xfrm>
+            <a:off x="4928942" y="2098416"/>
+            <a:ext cx="484428" cy="369332"/>
+          </a:xfrm>
+          <a:prstGeom prst="rect">
+            <a:avLst/>
+          </a:prstGeom>
+          <a:noFill/>
+        </p:spPr>
+        <p:txBody>
+          <a:bodyPr wrap="none" rtlCol="0">
+            <a:spAutoFit/>
+          </a:bodyPr>
+          <a:lstStyle/>
+          <a:p>
+            <a:pPr marL="0" marR="0" lvl="0" indent="0" algn="l" defTabSz="457200" rtl="0" eaLnBrk="1" fontAlgn="auto" latinLnBrk="0" hangingPunct="1">
+              <a:lnSpc>
+                <a:spcPct val="100000"/>
+              </a:lnSpc>
+              <a:spcBef>
+                <a:spcPts val="0"/>
+              </a:spcBef>
+              <a:spcAft>
+                <a:spcPts val="0"/>
+              </a:spcAft>
+              <a:buClrTx/>
+              <a:buSzTx/>
+              <a:buFontTx/>
+              <a:buNone/>
+              <a:tabLst/>
+              <a:defRPr/>
+            </a:pPr>
+            <a:r>
+              <a:rPr kumimoji="0" lang="en-US" altLang="zh-CN" sz="1800" b="0" i="0" u="none" strike="noStrike" kern="1200" cap="none" spc="0" normalizeH="0" baseline="0" noProof="0" dirty="0">
+                <a:ln>
+                  <a:noFill/>
+                </a:ln>
+                <a:solidFill>
+                  <a:prstClr val="black"/>
+                </a:solidFill>
+                <a:effectLst/>
+                <a:uLnTx/>
+                <a:uFillTx/>
+                <a:latin typeface="Calibri" panose="020F0502020204030204"/>
+                <a:ea typeface="等线" panose="02010600030101010101" pitchFamily="2" charset="-122"/>
+                <a:cs typeface="+mn-cs"/>
+              </a:rPr>
+              <a:t>O/I</a:t>
+            </a:r>
+            <a:endParaRPr kumimoji="0" lang="zh-CN" altLang="en-US" sz="1800" b="0" i="0" u="none" strike="noStrike" kern="1200" cap="none" spc="0" normalizeH="0" baseline="0" noProof="0" dirty="0">
+              <a:ln>
+                <a:noFill/>
+              </a:ln>
+              <a:solidFill>
+                <a:prstClr val="black"/>
+              </a:solidFill>
+              <a:effectLst/>
+              <a:uLnTx/>
+              <a:uFillTx/>
+              <a:latin typeface="Calibri" panose="020F0502020204030204"/>
+              <a:ea typeface="等线" panose="02010600030101010101" pitchFamily="2" charset="-122"/>
+              <a:cs typeface="+mn-cs"/>
+            </a:endParaRPr>
+          </a:p>
+        </p:txBody>
+      </p:sp>
+    </p:spTree>
+    <p:extLst>
+      <p:ext uri="{BB962C8B-B14F-4D97-AF65-F5344CB8AC3E}">
+        <p14:creationId xmlns:p14="http://schemas.microsoft.com/office/powerpoint/2010/main" val="908675078"/>
       </p:ext>
     </p:extLst>
   </p:cSld>

--- a/_posts/数字IC设计基础/数字IC设计基础.pptx
+++ b/_posts/数字IC设计基础/数字IC设计基础.pptx
@@ -13,6 +13,7 @@
     <p:sldId id="261" r:id="rId7"/>
     <p:sldId id="262" r:id="rId8"/>
     <p:sldId id="263" r:id="rId9"/>
+    <p:sldId id="264" r:id="rId10"/>
   </p:sldIdLst>
   <p:sldSz cx="9144000" cy="6858000" type="screen4x3"/>
   <p:notesSz cx="6858000" cy="9144000"/>
@@ -250,7 +251,7 @@
           <a:p>
             <a:fld id="{2ED2ECD0-3590-4724-B42F-4E4CFF5CAAD1}" type="datetimeFigureOut">
               <a:rPr lang="zh-CN" altLang="en-US" smtClean="0"/>
-              <a:t>2020/2/29</a:t>
+              <a:t>2020/4/7</a:t>
             </a:fld>
             <a:endParaRPr lang="zh-CN" altLang="en-US"/>
           </a:p>
@@ -420,7 +421,7 @@
           <a:p>
             <a:fld id="{2ED2ECD0-3590-4724-B42F-4E4CFF5CAAD1}" type="datetimeFigureOut">
               <a:rPr lang="zh-CN" altLang="en-US" smtClean="0"/>
-              <a:t>2020/2/29</a:t>
+              <a:t>2020/4/7</a:t>
             </a:fld>
             <a:endParaRPr lang="zh-CN" altLang="en-US"/>
           </a:p>
@@ -600,7 +601,7 @@
           <a:p>
             <a:fld id="{2ED2ECD0-3590-4724-B42F-4E4CFF5CAAD1}" type="datetimeFigureOut">
               <a:rPr lang="zh-CN" altLang="en-US" smtClean="0"/>
-              <a:t>2020/2/29</a:t>
+              <a:t>2020/4/7</a:t>
             </a:fld>
             <a:endParaRPr lang="zh-CN" altLang="en-US"/>
           </a:p>
@@ -770,7 +771,7 @@
           <a:p>
             <a:fld id="{2ED2ECD0-3590-4724-B42F-4E4CFF5CAAD1}" type="datetimeFigureOut">
               <a:rPr lang="zh-CN" altLang="en-US" smtClean="0"/>
-              <a:t>2020/2/29</a:t>
+              <a:t>2020/4/7</a:t>
             </a:fld>
             <a:endParaRPr lang="zh-CN" altLang="en-US"/>
           </a:p>
@@ -1014,7 +1015,7 @@
           <a:p>
             <a:fld id="{2ED2ECD0-3590-4724-B42F-4E4CFF5CAAD1}" type="datetimeFigureOut">
               <a:rPr lang="zh-CN" altLang="en-US" smtClean="0"/>
-              <a:t>2020/2/29</a:t>
+              <a:t>2020/4/7</a:t>
             </a:fld>
             <a:endParaRPr lang="zh-CN" altLang="en-US"/>
           </a:p>
@@ -1246,7 +1247,7 @@
           <a:p>
             <a:fld id="{2ED2ECD0-3590-4724-B42F-4E4CFF5CAAD1}" type="datetimeFigureOut">
               <a:rPr lang="zh-CN" altLang="en-US" smtClean="0"/>
-              <a:t>2020/2/29</a:t>
+              <a:t>2020/4/7</a:t>
             </a:fld>
             <a:endParaRPr lang="zh-CN" altLang="en-US"/>
           </a:p>
@@ -1613,7 +1614,7 @@
           <a:p>
             <a:fld id="{2ED2ECD0-3590-4724-B42F-4E4CFF5CAAD1}" type="datetimeFigureOut">
               <a:rPr lang="zh-CN" altLang="en-US" smtClean="0"/>
-              <a:t>2020/2/29</a:t>
+              <a:t>2020/4/7</a:t>
             </a:fld>
             <a:endParaRPr lang="zh-CN" altLang="en-US"/>
           </a:p>
@@ -1731,7 +1732,7 @@
           <a:p>
             <a:fld id="{2ED2ECD0-3590-4724-B42F-4E4CFF5CAAD1}" type="datetimeFigureOut">
               <a:rPr lang="zh-CN" altLang="en-US" smtClean="0"/>
-              <a:t>2020/2/29</a:t>
+              <a:t>2020/4/7</a:t>
             </a:fld>
             <a:endParaRPr lang="zh-CN" altLang="en-US"/>
           </a:p>
@@ -1826,7 +1827,7 @@
           <a:p>
             <a:fld id="{2ED2ECD0-3590-4724-B42F-4E4CFF5CAAD1}" type="datetimeFigureOut">
               <a:rPr lang="zh-CN" altLang="en-US" smtClean="0"/>
-              <a:t>2020/2/29</a:t>
+              <a:t>2020/4/7</a:t>
             </a:fld>
             <a:endParaRPr lang="zh-CN" altLang="en-US"/>
           </a:p>
@@ -2103,7 +2104,7 @@
           <a:p>
             <a:fld id="{2ED2ECD0-3590-4724-B42F-4E4CFF5CAAD1}" type="datetimeFigureOut">
               <a:rPr lang="zh-CN" altLang="en-US" smtClean="0"/>
-              <a:t>2020/2/29</a:t>
+              <a:t>2020/4/7</a:t>
             </a:fld>
             <a:endParaRPr lang="zh-CN" altLang="en-US"/>
           </a:p>
@@ -2360,7 +2361,7 @@
           <a:p>
             <a:fld id="{2ED2ECD0-3590-4724-B42F-4E4CFF5CAAD1}" type="datetimeFigureOut">
               <a:rPr lang="zh-CN" altLang="en-US" smtClean="0"/>
-              <a:t>2020/2/29</a:t>
+              <a:t>2020/4/7</a:t>
             </a:fld>
             <a:endParaRPr lang="zh-CN" altLang="en-US"/>
           </a:p>
@@ -2573,7 +2574,7 @@
           <a:p>
             <a:fld id="{2ED2ECD0-3590-4724-B42F-4E4CFF5CAAD1}" type="datetimeFigureOut">
               <a:rPr lang="zh-CN" altLang="en-US" smtClean="0"/>
-              <a:t>2020/2/29</a:t>
+              <a:t>2020/4/7</a:t>
             </a:fld>
             <a:endParaRPr lang="zh-CN" altLang="en-US"/>
           </a:p>
@@ -15136,6 +15137,1434 @@
 </p:sld>
 </file>
 
+<file path=ppt/slides/slide9.xml><?xml version="1.0" encoding="utf-8"?>
+<p:sld xmlns:a="http://schemas.openxmlformats.org/drawingml/2006/main" xmlns:r="http://schemas.openxmlformats.org/officeDocument/2006/relationships" xmlns:p="http://schemas.openxmlformats.org/presentationml/2006/main">
+  <p:cSld>
+    <p:spTree>
+      <p:nvGrpSpPr>
+        <p:cNvPr id="1" name=""/>
+        <p:cNvGrpSpPr/>
+        <p:nvPr/>
+      </p:nvGrpSpPr>
+      <p:grpSpPr>
+        <a:xfrm>
+          <a:off x="0" y="0"/>
+          <a:ext cx="0" cy="0"/>
+          <a:chOff x="0" y="0"/>
+          <a:chExt cx="0" cy="0"/>
+        </a:xfrm>
+      </p:grpSpPr>
+      <p:sp>
+        <p:nvSpPr>
+          <p:cNvPr id="9" name="流程图: 延期 8">
+            <a:extLst>
+              <a:ext uri="{FF2B5EF4-FFF2-40B4-BE49-F238E27FC236}">
+                <a16:creationId xmlns:a16="http://schemas.microsoft.com/office/drawing/2014/main" id="{627BB3F3-053F-4F64-9A7E-3B9D1B34D42F}"/>
+              </a:ext>
+            </a:extLst>
+          </p:cNvPr>
+          <p:cNvSpPr/>
+          <p:nvPr/>
+        </p:nvSpPr>
+        <p:spPr>
+          <a:xfrm>
+            <a:off x="2695850" y="2748749"/>
+            <a:ext cx="459486" cy="459486"/>
+          </a:xfrm>
+          <a:prstGeom prst="flowChartDelay">
+            <a:avLst/>
+          </a:prstGeom>
+          <a:noFill/>
+        </p:spPr>
+        <p:style>
+          <a:lnRef idx="2">
+            <a:schemeClr val="accent1">
+              <a:shade val="50000"/>
+            </a:schemeClr>
+          </a:lnRef>
+          <a:fillRef idx="1">
+            <a:schemeClr val="accent1"/>
+          </a:fillRef>
+          <a:effectRef idx="0">
+            <a:schemeClr val="accent1"/>
+          </a:effectRef>
+          <a:fontRef idx="minor">
+            <a:schemeClr val="lt1"/>
+          </a:fontRef>
+        </p:style>
+        <p:txBody>
+          <a:bodyPr rtlCol="0" anchor="ctr"/>
+          <a:lstStyle/>
+          <a:p>
+            <a:pPr algn="ctr"/>
+            <a:endParaRPr lang="zh-CN" altLang="en-US" sz="1350"/>
+          </a:p>
+        </p:txBody>
+      </p:sp>
+      <p:cxnSp>
+        <p:nvCxnSpPr>
+          <p:cNvPr id="10" name="直接连接符 9">
+            <a:extLst>
+              <a:ext uri="{FF2B5EF4-FFF2-40B4-BE49-F238E27FC236}">
+                <a16:creationId xmlns:a16="http://schemas.microsoft.com/office/drawing/2014/main" id="{FC8BBC3E-78AB-4730-9616-B993D2D3ACDC}"/>
+              </a:ext>
+            </a:extLst>
+          </p:cNvPr>
+          <p:cNvCxnSpPr>
+            <a:cxnSpLocks/>
+          </p:cNvCxnSpPr>
+          <p:nvPr/>
+        </p:nvCxnSpPr>
+        <p:spPr>
+          <a:xfrm flipH="1">
+            <a:off x="2498111" y="2843274"/>
+            <a:ext cx="197739" cy="0"/>
+          </a:xfrm>
+          <a:prstGeom prst="line">
+            <a:avLst/>
+          </a:prstGeom>
+        </p:spPr>
+        <p:style>
+          <a:lnRef idx="2">
+            <a:schemeClr val="accent1"/>
+          </a:lnRef>
+          <a:fillRef idx="0">
+            <a:schemeClr val="accent1"/>
+          </a:fillRef>
+          <a:effectRef idx="1">
+            <a:schemeClr val="accent1"/>
+          </a:effectRef>
+          <a:fontRef idx="minor">
+            <a:schemeClr val="tx1"/>
+          </a:fontRef>
+        </p:style>
+      </p:cxnSp>
+      <p:cxnSp>
+        <p:nvCxnSpPr>
+          <p:cNvPr id="11" name="直接连接符 10">
+            <a:extLst>
+              <a:ext uri="{FF2B5EF4-FFF2-40B4-BE49-F238E27FC236}">
+                <a16:creationId xmlns:a16="http://schemas.microsoft.com/office/drawing/2014/main" id="{48EF6902-F5E1-4418-B616-93154E5B89A2}"/>
+              </a:ext>
+            </a:extLst>
+          </p:cNvPr>
+          <p:cNvCxnSpPr>
+            <a:cxnSpLocks/>
+          </p:cNvCxnSpPr>
+          <p:nvPr/>
+        </p:nvCxnSpPr>
+        <p:spPr>
+          <a:xfrm flipH="1">
+            <a:off x="2498111" y="3109974"/>
+            <a:ext cx="197739" cy="0"/>
+          </a:xfrm>
+          <a:prstGeom prst="line">
+            <a:avLst/>
+          </a:prstGeom>
+        </p:spPr>
+        <p:style>
+          <a:lnRef idx="2">
+            <a:schemeClr val="accent1"/>
+          </a:lnRef>
+          <a:fillRef idx="0">
+            <a:schemeClr val="accent1"/>
+          </a:fillRef>
+          <a:effectRef idx="1">
+            <a:schemeClr val="accent1"/>
+          </a:effectRef>
+          <a:fontRef idx="minor">
+            <a:schemeClr val="tx1"/>
+          </a:fontRef>
+        </p:style>
+      </p:cxnSp>
+      <p:cxnSp>
+        <p:nvCxnSpPr>
+          <p:cNvPr id="12" name="直接连接符 11">
+            <a:extLst>
+              <a:ext uri="{FF2B5EF4-FFF2-40B4-BE49-F238E27FC236}">
+                <a16:creationId xmlns:a16="http://schemas.microsoft.com/office/drawing/2014/main" id="{ED381E57-3D85-4F5B-93AB-B92306FC8DC7}"/>
+              </a:ext>
+            </a:extLst>
+          </p:cNvPr>
+          <p:cNvCxnSpPr>
+            <a:cxnSpLocks/>
+            <a:endCxn id="9" idx="3"/>
+          </p:cNvCxnSpPr>
+          <p:nvPr/>
+        </p:nvCxnSpPr>
+        <p:spPr>
+          <a:xfrm flipH="1">
+            <a:off x="3155336" y="2978492"/>
+            <a:ext cx="229743" cy="0"/>
+          </a:xfrm>
+          <a:prstGeom prst="line">
+            <a:avLst/>
+          </a:prstGeom>
+        </p:spPr>
+        <p:style>
+          <a:lnRef idx="2">
+            <a:schemeClr val="accent1"/>
+          </a:lnRef>
+          <a:fillRef idx="0">
+            <a:schemeClr val="accent1"/>
+          </a:fillRef>
+          <a:effectRef idx="1">
+            <a:schemeClr val="accent1"/>
+          </a:effectRef>
+          <a:fontRef idx="minor">
+            <a:schemeClr val="tx1"/>
+          </a:fontRef>
+        </p:style>
+      </p:cxnSp>
+      <p:sp>
+        <p:nvSpPr>
+          <p:cNvPr id="13" name="椭圆 12">
+            <a:extLst>
+              <a:ext uri="{FF2B5EF4-FFF2-40B4-BE49-F238E27FC236}">
+                <a16:creationId xmlns:a16="http://schemas.microsoft.com/office/drawing/2014/main" id="{5398F8CB-1F0C-46C8-936D-87564E03BF55}"/>
+              </a:ext>
+            </a:extLst>
+          </p:cNvPr>
+          <p:cNvSpPr/>
+          <p:nvPr/>
+        </p:nvSpPr>
+        <p:spPr>
+          <a:xfrm>
+            <a:off x="3160298" y="2936754"/>
+            <a:ext cx="81000" cy="81000"/>
+          </a:xfrm>
+          <a:prstGeom prst="ellipse">
+            <a:avLst/>
+          </a:prstGeom>
+          <a:solidFill>
+            <a:schemeClr val="bg1"/>
+          </a:solidFill>
+        </p:spPr>
+        <p:style>
+          <a:lnRef idx="2">
+            <a:schemeClr val="accent1">
+              <a:shade val="50000"/>
+            </a:schemeClr>
+          </a:lnRef>
+          <a:fillRef idx="1">
+            <a:schemeClr val="accent1"/>
+          </a:fillRef>
+          <a:effectRef idx="0">
+            <a:schemeClr val="accent1"/>
+          </a:effectRef>
+          <a:fontRef idx="minor">
+            <a:schemeClr val="lt1"/>
+          </a:fontRef>
+        </p:style>
+        <p:txBody>
+          <a:bodyPr rtlCol="0" anchor="ctr"/>
+          <a:lstStyle/>
+          <a:p>
+            <a:pPr algn="ctr"/>
+            <a:endParaRPr lang="zh-CN" altLang="en-US" sz="1350"/>
+          </a:p>
+        </p:txBody>
+      </p:sp>
+      <p:sp>
+        <p:nvSpPr>
+          <p:cNvPr id="14" name="文本框 13">
+            <a:extLst>
+              <a:ext uri="{FF2B5EF4-FFF2-40B4-BE49-F238E27FC236}">
+                <a16:creationId xmlns:a16="http://schemas.microsoft.com/office/drawing/2014/main" id="{11A7DFC2-E42E-4AD5-AA1F-A4DDF95E2F82}"/>
+              </a:ext>
+            </a:extLst>
+          </p:cNvPr>
+          <p:cNvSpPr txBox="1"/>
+          <p:nvPr/>
+        </p:nvSpPr>
+        <p:spPr>
+          <a:xfrm>
+            <a:off x="2607527" y="3290572"/>
+            <a:ext cx="566181" cy="300082"/>
+          </a:xfrm>
+          <a:prstGeom prst="rect">
+            <a:avLst/>
+          </a:prstGeom>
+          <a:noFill/>
+        </p:spPr>
+        <p:txBody>
+          <a:bodyPr wrap="none" rtlCol="0">
+            <a:spAutoFit/>
+          </a:bodyPr>
+          <a:lstStyle/>
+          <a:p>
+            <a:r>
+              <a:rPr lang="en-US" altLang="zh-CN" sz="1350" dirty="0"/>
+              <a:t>OC</a:t>
+            </a:r>
+            <a:r>
+              <a:rPr lang="zh-CN" altLang="en-US" sz="1350" dirty="0"/>
+              <a:t>门</a:t>
+            </a:r>
+          </a:p>
+        </p:txBody>
+      </p:sp>
+      <p:sp>
+        <p:nvSpPr>
+          <p:cNvPr id="15" name="菱形 14">
+            <a:extLst>
+              <a:ext uri="{FF2B5EF4-FFF2-40B4-BE49-F238E27FC236}">
+                <a16:creationId xmlns:a16="http://schemas.microsoft.com/office/drawing/2014/main" id="{98867171-ABCE-458A-89AF-9574682ECF6F}"/>
+              </a:ext>
+            </a:extLst>
+          </p:cNvPr>
+          <p:cNvSpPr/>
+          <p:nvPr/>
+        </p:nvSpPr>
+        <p:spPr>
+          <a:xfrm>
+            <a:off x="2956786" y="2893774"/>
+            <a:ext cx="109537" cy="166959"/>
+          </a:xfrm>
+          <a:prstGeom prst="diamond">
+            <a:avLst/>
+          </a:prstGeom>
+          <a:noFill/>
+        </p:spPr>
+        <p:style>
+          <a:lnRef idx="2">
+            <a:schemeClr val="accent1">
+              <a:shade val="50000"/>
+            </a:schemeClr>
+          </a:lnRef>
+          <a:fillRef idx="1">
+            <a:schemeClr val="accent1"/>
+          </a:fillRef>
+          <a:effectRef idx="0">
+            <a:schemeClr val="accent1"/>
+          </a:effectRef>
+          <a:fontRef idx="minor">
+            <a:schemeClr val="lt1"/>
+          </a:fontRef>
+        </p:style>
+        <p:txBody>
+          <a:bodyPr rtlCol="0" anchor="ctr"/>
+          <a:lstStyle/>
+          <a:p>
+            <a:pPr algn="ctr"/>
+            <a:endParaRPr lang="zh-CN" altLang="en-US"/>
+          </a:p>
+        </p:txBody>
+      </p:sp>
+      <p:cxnSp>
+        <p:nvCxnSpPr>
+          <p:cNvPr id="17" name="直接连接符 16">
+            <a:extLst>
+              <a:ext uri="{FF2B5EF4-FFF2-40B4-BE49-F238E27FC236}">
+                <a16:creationId xmlns:a16="http://schemas.microsoft.com/office/drawing/2014/main" id="{588D28FE-B61F-467B-815D-CAC0D4CB5688}"/>
+              </a:ext>
+            </a:extLst>
+          </p:cNvPr>
+          <p:cNvCxnSpPr>
+            <a:cxnSpLocks/>
+          </p:cNvCxnSpPr>
+          <p:nvPr/>
+        </p:nvCxnSpPr>
+        <p:spPr>
+          <a:xfrm>
+            <a:off x="2959546" y="3070684"/>
+            <a:ext cx="106777" cy="0"/>
+          </a:xfrm>
+          <a:prstGeom prst="line">
+            <a:avLst/>
+          </a:prstGeom>
+        </p:spPr>
+        <p:style>
+          <a:lnRef idx="2">
+            <a:schemeClr val="accent1"/>
+          </a:lnRef>
+          <a:fillRef idx="0">
+            <a:schemeClr val="accent1"/>
+          </a:fillRef>
+          <a:effectRef idx="1">
+            <a:schemeClr val="accent1"/>
+          </a:effectRef>
+          <a:fontRef idx="minor">
+            <a:schemeClr val="tx1"/>
+          </a:fontRef>
+        </p:style>
+      </p:cxnSp>
+      <p:sp>
+        <p:nvSpPr>
+          <p:cNvPr id="19" name="流程图: 延期 18">
+            <a:extLst>
+              <a:ext uri="{FF2B5EF4-FFF2-40B4-BE49-F238E27FC236}">
+                <a16:creationId xmlns:a16="http://schemas.microsoft.com/office/drawing/2014/main" id="{D6639A2A-8E99-4E9F-8CC0-450DDB6F237A}"/>
+              </a:ext>
+            </a:extLst>
+          </p:cNvPr>
+          <p:cNvSpPr/>
+          <p:nvPr/>
+        </p:nvSpPr>
+        <p:spPr>
+          <a:xfrm>
+            <a:off x="4515125" y="2132324"/>
+            <a:ext cx="459486" cy="459486"/>
+          </a:xfrm>
+          <a:prstGeom prst="flowChartDelay">
+            <a:avLst/>
+          </a:prstGeom>
+          <a:noFill/>
+        </p:spPr>
+        <p:style>
+          <a:lnRef idx="2">
+            <a:schemeClr val="accent1">
+              <a:shade val="50000"/>
+            </a:schemeClr>
+          </a:lnRef>
+          <a:fillRef idx="1">
+            <a:schemeClr val="accent1"/>
+          </a:fillRef>
+          <a:effectRef idx="0">
+            <a:schemeClr val="accent1"/>
+          </a:effectRef>
+          <a:fontRef idx="minor">
+            <a:schemeClr val="lt1"/>
+          </a:fontRef>
+        </p:style>
+        <p:txBody>
+          <a:bodyPr rtlCol="0" anchor="ctr"/>
+          <a:lstStyle/>
+          <a:p>
+            <a:pPr algn="ctr"/>
+            <a:endParaRPr lang="zh-CN" altLang="en-US" sz="1350"/>
+          </a:p>
+        </p:txBody>
+      </p:sp>
+      <p:cxnSp>
+        <p:nvCxnSpPr>
+          <p:cNvPr id="20" name="直接连接符 19">
+            <a:extLst>
+              <a:ext uri="{FF2B5EF4-FFF2-40B4-BE49-F238E27FC236}">
+                <a16:creationId xmlns:a16="http://schemas.microsoft.com/office/drawing/2014/main" id="{986C8F59-C2E2-4D7B-A3AF-4BA1DEFCC15A}"/>
+              </a:ext>
+            </a:extLst>
+          </p:cNvPr>
+          <p:cNvCxnSpPr>
+            <a:cxnSpLocks/>
+          </p:cNvCxnSpPr>
+          <p:nvPr/>
+        </p:nvCxnSpPr>
+        <p:spPr>
+          <a:xfrm flipH="1">
+            <a:off x="4317386" y="2226849"/>
+            <a:ext cx="197739" cy="0"/>
+          </a:xfrm>
+          <a:prstGeom prst="line">
+            <a:avLst/>
+          </a:prstGeom>
+        </p:spPr>
+        <p:style>
+          <a:lnRef idx="2">
+            <a:schemeClr val="accent1"/>
+          </a:lnRef>
+          <a:fillRef idx="0">
+            <a:schemeClr val="accent1"/>
+          </a:fillRef>
+          <a:effectRef idx="1">
+            <a:schemeClr val="accent1"/>
+          </a:effectRef>
+          <a:fontRef idx="minor">
+            <a:schemeClr val="tx1"/>
+          </a:fontRef>
+        </p:style>
+      </p:cxnSp>
+      <p:cxnSp>
+        <p:nvCxnSpPr>
+          <p:cNvPr id="21" name="直接连接符 20">
+            <a:extLst>
+              <a:ext uri="{FF2B5EF4-FFF2-40B4-BE49-F238E27FC236}">
+                <a16:creationId xmlns:a16="http://schemas.microsoft.com/office/drawing/2014/main" id="{DCFF490A-60DC-4AEC-9830-4F691858A909}"/>
+              </a:ext>
+            </a:extLst>
+          </p:cNvPr>
+          <p:cNvCxnSpPr>
+            <a:cxnSpLocks/>
+          </p:cNvCxnSpPr>
+          <p:nvPr/>
+        </p:nvCxnSpPr>
+        <p:spPr>
+          <a:xfrm flipH="1">
+            <a:off x="4317386" y="2493549"/>
+            <a:ext cx="197739" cy="0"/>
+          </a:xfrm>
+          <a:prstGeom prst="line">
+            <a:avLst/>
+          </a:prstGeom>
+        </p:spPr>
+        <p:style>
+          <a:lnRef idx="2">
+            <a:schemeClr val="accent1"/>
+          </a:lnRef>
+          <a:fillRef idx="0">
+            <a:schemeClr val="accent1"/>
+          </a:fillRef>
+          <a:effectRef idx="1">
+            <a:schemeClr val="accent1"/>
+          </a:effectRef>
+          <a:fontRef idx="minor">
+            <a:schemeClr val="tx1"/>
+          </a:fontRef>
+        </p:style>
+      </p:cxnSp>
+      <p:cxnSp>
+        <p:nvCxnSpPr>
+          <p:cNvPr id="22" name="直接连接符 21">
+            <a:extLst>
+              <a:ext uri="{FF2B5EF4-FFF2-40B4-BE49-F238E27FC236}">
+                <a16:creationId xmlns:a16="http://schemas.microsoft.com/office/drawing/2014/main" id="{943A2EA3-BA93-4BF5-A507-187C377B7FFE}"/>
+              </a:ext>
+            </a:extLst>
+          </p:cNvPr>
+          <p:cNvCxnSpPr>
+            <a:cxnSpLocks/>
+            <a:endCxn id="19" idx="3"/>
+          </p:cNvCxnSpPr>
+          <p:nvPr/>
+        </p:nvCxnSpPr>
+        <p:spPr>
+          <a:xfrm flipH="1">
+            <a:off x="4974611" y="2362067"/>
+            <a:ext cx="946764" cy="0"/>
+          </a:xfrm>
+          <a:prstGeom prst="line">
+            <a:avLst/>
+          </a:prstGeom>
+        </p:spPr>
+        <p:style>
+          <a:lnRef idx="2">
+            <a:schemeClr val="accent1"/>
+          </a:lnRef>
+          <a:fillRef idx="0">
+            <a:schemeClr val="accent1"/>
+          </a:fillRef>
+          <a:effectRef idx="1">
+            <a:schemeClr val="accent1"/>
+          </a:effectRef>
+          <a:fontRef idx="minor">
+            <a:schemeClr val="tx1"/>
+          </a:fontRef>
+        </p:style>
+      </p:cxnSp>
+      <p:sp>
+        <p:nvSpPr>
+          <p:cNvPr id="23" name="椭圆 22">
+            <a:extLst>
+              <a:ext uri="{FF2B5EF4-FFF2-40B4-BE49-F238E27FC236}">
+                <a16:creationId xmlns:a16="http://schemas.microsoft.com/office/drawing/2014/main" id="{1E6C8AA7-8B2B-48E5-AAE1-07B20037CB3C}"/>
+              </a:ext>
+            </a:extLst>
+          </p:cNvPr>
+          <p:cNvSpPr/>
+          <p:nvPr/>
+        </p:nvSpPr>
+        <p:spPr>
+          <a:xfrm>
+            <a:off x="4979573" y="2320329"/>
+            <a:ext cx="81000" cy="81000"/>
+          </a:xfrm>
+          <a:prstGeom prst="ellipse">
+            <a:avLst/>
+          </a:prstGeom>
+          <a:solidFill>
+            <a:schemeClr val="bg1"/>
+          </a:solidFill>
+        </p:spPr>
+        <p:style>
+          <a:lnRef idx="2">
+            <a:schemeClr val="accent1">
+              <a:shade val="50000"/>
+            </a:schemeClr>
+          </a:lnRef>
+          <a:fillRef idx="1">
+            <a:schemeClr val="accent1"/>
+          </a:fillRef>
+          <a:effectRef idx="0">
+            <a:schemeClr val="accent1"/>
+          </a:effectRef>
+          <a:fontRef idx="minor">
+            <a:schemeClr val="lt1"/>
+          </a:fontRef>
+        </p:style>
+        <p:txBody>
+          <a:bodyPr rtlCol="0" anchor="ctr"/>
+          <a:lstStyle/>
+          <a:p>
+            <a:pPr algn="ctr"/>
+            <a:endParaRPr lang="zh-CN" altLang="en-US" sz="1350"/>
+          </a:p>
+        </p:txBody>
+      </p:sp>
+      <p:sp>
+        <p:nvSpPr>
+          <p:cNvPr id="24" name="菱形 23">
+            <a:extLst>
+              <a:ext uri="{FF2B5EF4-FFF2-40B4-BE49-F238E27FC236}">
+                <a16:creationId xmlns:a16="http://schemas.microsoft.com/office/drawing/2014/main" id="{BAF7D283-FBC9-4687-BAE7-3B3AC5C425FB}"/>
+              </a:ext>
+            </a:extLst>
+          </p:cNvPr>
+          <p:cNvSpPr/>
+          <p:nvPr/>
+        </p:nvSpPr>
+        <p:spPr>
+          <a:xfrm>
+            <a:off x="4776061" y="2277349"/>
+            <a:ext cx="109537" cy="166959"/>
+          </a:xfrm>
+          <a:prstGeom prst="diamond">
+            <a:avLst/>
+          </a:prstGeom>
+          <a:noFill/>
+        </p:spPr>
+        <p:style>
+          <a:lnRef idx="2">
+            <a:schemeClr val="accent1">
+              <a:shade val="50000"/>
+            </a:schemeClr>
+          </a:lnRef>
+          <a:fillRef idx="1">
+            <a:schemeClr val="accent1"/>
+          </a:fillRef>
+          <a:effectRef idx="0">
+            <a:schemeClr val="accent1"/>
+          </a:effectRef>
+          <a:fontRef idx="minor">
+            <a:schemeClr val="lt1"/>
+          </a:fontRef>
+        </p:style>
+        <p:txBody>
+          <a:bodyPr rtlCol="0" anchor="ctr"/>
+          <a:lstStyle/>
+          <a:p>
+            <a:pPr algn="ctr"/>
+            <a:endParaRPr lang="zh-CN" altLang="en-US"/>
+          </a:p>
+        </p:txBody>
+      </p:sp>
+      <p:cxnSp>
+        <p:nvCxnSpPr>
+          <p:cNvPr id="25" name="直接连接符 24">
+            <a:extLst>
+              <a:ext uri="{FF2B5EF4-FFF2-40B4-BE49-F238E27FC236}">
+                <a16:creationId xmlns:a16="http://schemas.microsoft.com/office/drawing/2014/main" id="{C0EAF19E-BCF2-4B09-8CC2-B2086FB74F3C}"/>
+              </a:ext>
+            </a:extLst>
+          </p:cNvPr>
+          <p:cNvCxnSpPr>
+            <a:cxnSpLocks/>
+          </p:cNvCxnSpPr>
+          <p:nvPr/>
+        </p:nvCxnSpPr>
+        <p:spPr>
+          <a:xfrm>
+            <a:off x="4778821" y="2454259"/>
+            <a:ext cx="106777" cy="0"/>
+          </a:xfrm>
+          <a:prstGeom prst="line">
+            <a:avLst/>
+          </a:prstGeom>
+        </p:spPr>
+        <p:style>
+          <a:lnRef idx="2">
+            <a:schemeClr val="accent1"/>
+          </a:lnRef>
+          <a:fillRef idx="0">
+            <a:schemeClr val="accent1"/>
+          </a:fillRef>
+          <a:effectRef idx="1">
+            <a:schemeClr val="accent1"/>
+          </a:effectRef>
+          <a:fontRef idx="minor">
+            <a:schemeClr val="tx1"/>
+          </a:fontRef>
+        </p:style>
+      </p:cxnSp>
+      <p:sp>
+        <p:nvSpPr>
+          <p:cNvPr id="26" name="流程图: 延期 25">
+            <a:extLst>
+              <a:ext uri="{FF2B5EF4-FFF2-40B4-BE49-F238E27FC236}">
+                <a16:creationId xmlns:a16="http://schemas.microsoft.com/office/drawing/2014/main" id="{D9AEB86C-E627-4CE0-A894-945594C6D910}"/>
+              </a:ext>
+            </a:extLst>
+          </p:cNvPr>
+          <p:cNvSpPr/>
+          <p:nvPr/>
+        </p:nvSpPr>
+        <p:spPr>
+          <a:xfrm>
+            <a:off x="4515125" y="2789250"/>
+            <a:ext cx="459486" cy="459486"/>
+          </a:xfrm>
+          <a:prstGeom prst="flowChartDelay">
+            <a:avLst/>
+          </a:prstGeom>
+          <a:noFill/>
+        </p:spPr>
+        <p:style>
+          <a:lnRef idx="2">
+            <a:schemeClr val="accent1">
+              <a:shade val="50000"/>
+            </a:schemeClr>
+          </a:lnRef>
+          <a:fillRef idx="1">
+            <a:schemeClr val="accent1"/>
+          </a:fillRef>
+          <a:effectRef idx="0">
+            <a:schemeClr val="accent1"/>
+          </a:effectRef>
+          <a:fontRef idx="minor">
+            <a:schemeClr val="lt1"/>
+          </a:fontRef>
+        </p:style>
+        <p:txBody>
+          <a:bodyPr rtlCol="0" anchor="ctr"/>
+          <a:lstStyle/>
+          <a:p>
+            <a:pPr algn="ctr"/>
+            <a:endParaRPr lang="zh-CN" altLang="en-US" sz="1350"/>
+          </a:p>
+        </p:txBody>
+      </p:sp>
+      <p:cxnSp>
+        <p:nvCxnSpPr>
+          <p:cNvPr id="27" name="直接连接符 26">
+            <a:extLst>
+              <a:ext uri="{FF2B5EF4-FFF2-40B4-BE49-F238E27FC236}">
+                <a16:creationId xmlns:a16="http://schemas.microsoft.com/office/drawing/2014/main" id="{3647C0F4-4946-4439-928D-39884E8297E6}"/>
+              </a:ext>
+            </a:extLst>
+          </p:cNvPr>
+          <p:cNvCxnSpPr>
+            <a:cxnSpLocks/>
+          </p:cNvCxnSpPr>
+          <p:nvPr/>
+        </p:nvCxnSpPr>
+        <p:spPr>
+          <a:xfrm flipH="1">
+            <a:off x="4317386" y="2883775"/>
+            <a:ext cx="197739" cy="0"/>
+          </a:xfrm>
+          <a:prstGeom prst="line">
+            <a:avLst/>
+          </a:prstGeom>
+        </p:spPr>
+        <p:style>
+          <a:lnRef idx="2">
+            <a:schemeClr val="accent1"/>
+          </a:lnRef>
+          <a:fillRef idx="0">
+            <a:schemeClr val="accent1"/>
+          </a:fillRef>
+          <a:effectRef idx="1">
+            <a:schemeClr val="accent1"/>
+          </a:effectRef>
+          <a:fontRef idx="minor">
+            <a:schemeClr val="tx1"/>
+          </a:fontRef>
+        </p:style>
+      </p:cxnSp>
+      <p:cxnSp>
+        <p:nvCxnSpPr>
+          <p:cNvPr id="28" name="直接连接符 27">
+            <a:extLst>
+              <a:ext uri="{FF2B5EF4-FFF2-40B4-BE49-F238E27FC236}">
+                <a16:creationId xmlns:a16="http://schemas.microsoft.com/office/drawing/2014/main" id="{8752E22F-3BD4-49B2-8F56-5EC1FEE4BDD9}"/>
+              </a:ext>
+            </a:extLst>
+          </p:cNvPr>
+          <p:cNvCxnSpPr>
+            <a:cxnSpLocks/>
+          </p:cNvCxnSpPr>
+          <p:nvPr/>
+        </p:nvCxnSpPr>
+        <p:spPr>
+          <a:xfrm flipH="1">
+            <a:off x="4317386" y="3150475"/>
+            <a:ext cx="197739" cy="0"/>
+          </a:xfrm>
+          <a:prstGeom prst="line">
+            <a:avLst/>
+          </a:prstGeom>
+        </p:spPr>
+        <p:style>
+          <a:lnRef idx="2">
+            <a:schemeClr val="accent1"/>
+          </a:lnRef>
+          <a:fillRef idx="0">
+            <a:schemeClr val="accent1"/>
+          </a:fillRef>
+          <a:effectRef idx="1">
+            <a:schemeClr val="accent1"/>
+          </a:effectRef>
+          <a:fontRef idx="minor">
+            <a:schemeClr val="tx1"/>
+          </a:fontRef>
+        </p:style>
+      </p:cxnSp>
+      <p:cxnSp>
+        <p:nvCxnSpPr>
+          <p:cNvPr id="29" name="直接连接符 28">
+            <a:extLst>
+              <a:ext uri="{FF2B5EF4-FFF2-40B4-BE49-F238E27FC236}">
+                <a16:creationId xmlns:a16="http://schemas.microsoft.com/office/drawing/2014/main" id="{0B411E7A-3463-4806-8F49-14EA780B5D0E}"/>
+              </a:ext>
+            </a:extLst>
+          </p:cNvPr>
+          <p:cNvCxnSpPr>
+            <a:cxnSpLocks/>
+            <a:endCxn id="26" idx="3"/>
+          </p:cNvCxnSpPr>
+          <p:nvPr/>
+        </p:nvCxnSpPr>
+        <p:spPr>
+          <a:xfrm flipH="1">
+            <a:off x="4974611" y="3018993"/>
+            <a:ext cx="229743" cy="0"/>
+          </a:xfrm>
+          <a:prstGeom prst="line">
+            <a:avLst/>
+          </a:prstGeom>
+        </p:spPr>
+        <p:style>
+          <a:lnRef idx="2">
+            <a:schemeClr val="accent1"/>
+          </a:lnRef>
+          <a:fillRef idx="0">
+            <a:schemeClr val="accent1"/>
+          </a:fillRef>
+          <a:effectRef idx="1">
+            <a:schemeClr val="accent1"/>
+          </a:effectRef>
+          <a:fontRef idx="minor">
+            <a:schemeClr val="tx1"/>
+          </a:fontRef>
+        </p:style>
+      </p:cxnSp>
+      <p:sp>
+        <p:nvSpPr>
+          <p:cNvPr id="30" name="椭圆 29">
+            <a:extLst>
+              <a:ext uri="{FF2B5EF4-FFF2-40B4-BE49-F238E27FC236}">
+                <a16:creationId xmlns:a16="http://schemas.microsoft.com/office/drawing/2014/main" id="{47AC4D9E-4659-409B-B0DC-1B1B66815CDF}"/>
+              </a:ext>
+            </a:extLst>
+          </p:cNvPr>
+          <p:cNvSpPr/>
+          <p:nvPr/>
+        </p:nvSpPr>
+        <p:spPr>
+          <a:xfrm>
+            <a:off x="4979573" y="2977255"/>
+            <a:ext cx="81000" cy="81000"/>
+          </a:xfrm>
+          <a:prstGeom prst="ellipse">
+            <a:avLst/>
+          </a:prstGeom>
+          <a:solidFill>
+            <a:schemeClr val="bg1"/>
+          </a:solidFill>
+        </p:spPr>
+        <p:style>
+          <a:lnRef idx="2">
+            <a:schemeClr val="accent1">
+              <a:shade val="50000"/>
+            </a:schemeClr>
+          </a:lnRef>
+          <a:fillRef idx="1">
+            <a:schemeClr val="accent1"/>
+          </a:fillRef>
+          <a:effectRef idx="0">
+            <a:schemeClr val="accent1"/>
+          </a:effectRef>
+          <a:fontRef idx="minor">
+            <a:schemeClr val="lt1"/>
+          </a:fontRef>
+        </p:style>
+        <p:txBody>
+          <a:bodyPr rtlCol="0" anchor="ctr"/>
+          <a:lstStyle/>
+          <a:p>
+            <a:pPr algn="ctr"/>
+            <a:endParaRPr lang="zh-CN" altLang="en-US" sz="1350"/>
+          </a:p>
+        </p:txBody>
+      </p:sp>
+      <p:sp>
+        <p:nvSpPr>
+          <p:cNvPr id="31" name="菱形 30">
+            <a:extLst>
+              <a:ext uri="{FF2B5EF4-FFF2-40B4-BE49-F238E27FC236}">
+                <a16:creationId xmlns:a16="http://schemas.microsoft.com/office/drawing/2014/main" id="{D2C5321E-DA15-428B-BCAE-021D1910529F}"/>
+              </a:ext>
+            </a:extLst>
+          </p:cNvPr>
+          <p:cNvSpPr/>
+          <p:nvPr/>
+        </p:nvSpPr>
+        <p:spPr>
+          <a:xfrm>
+            <a:off x="4776061" y="2934275"/>
+            <a:ext cx="109537" cy="166959"/>
+          </a:xfrm>
+          <a:prstGeom prst="diamond">
+            <a:avLst/>
+          </a:prstGeom>
+          <a:noFill/>
+        </p:spPr>
+        <p:style>
+          <a:lnRef idx="2">
+            <a:schemeClr val="accent1">
+              <a:shade val="50000"/>
+            </a:schemeClr>
+          </a:lnRef>
+          <a:fillRef idx="1">
+            <a:schemeClr val="accent1"/>
+          </a:fillRef>
+          <a:effectRef idx="0">
+            <a:schemeClr val="accent1"/>
+          </a:effectRef>
+          <a:fontRef idx="minor">
+            <a:schemeClr val="lt1"/>
+          </a:fontRef>
+        </p:style>
+        <p:txBody>
+          <a:bodyPr rtlCol="0" anchor="ctr"/>
+          <a:lstStyle/>
+          <a:p>
+            <a:pPr algn="ctr"/>
+            <a:endParaRPr lang="zh-CN" altLang="en-US"/>
+          </a:p>
+        </p:txBody>
+      </p:sp>
+      <p:cxnSp>
+        <p:nvCxnSpPr>
+          <p:cNvPr id="32" name="直接连接符 31">
+            <a:extLst>
+              <a:ext uri="{FF2B5EF4-FFF2-40B4-BE49-F238E27FC236}">
+                <a16:creationId xmlns:a16="http://schemas.microsoft.com/office/drawing/2014/main" id="{2DDD2C61-AC16-4ACD-AF5A-6898AEBC6ABA}"/>
+              </a:ext>
+            </a:extLst>
+          </p:cNvPr>
+          <p:cNvCxnSpPr>
+            <a:cxnSpLocks/>
+          </p:cNvCxnSpPr>
+          <p:nvPr/>
+        </p:nvCxnSpPr>
+        <p:spPr>
+          <a:xfrm>
+            <a:off x="4778821" y="3111185"/>
+            <a:ext cx="106777" cy="0"/>
+          </a:xfrm>
+          <a:prstGeom prst="line">
+            <a:avLst/>
+          </a:prstGeom>
+        </p:spPr>
+        <p:style>
+          <a:lnRef idx="2">
+            <a:schemeClr val="accent1"/>
+          </a:lnRef>
+          <a:fillRef idx="0">
+            <a:schemeClr val="accent1"/>
+          </a:fillRef>
+          <a:effectRef idx="1">
+            <a:schemeClr val="accent1"/>
+          </a:effectRef>
+          <a:fontRef idx="minor">
+            <a:schemeClr val="tx1"/>
+          </a:fontRef>
+        </p:style>
+      </p:cxnSp>
+      <p:sp>
+        <p:nvSpPr>
+          <p:cNvPr id="33" name="矩形 32">
+            <a:extLst>
+              <a:ext uri="{FF2B5EF4-FFF2-40B4-BE49-F238E27FC236}">
+                <a16:creationId xmlns:a16="http://schemas.microsoft.com/office/drawing/2014/main" id="{4B7D412D-E39A-403F-8699-49BF215F7ED3}"/>
+              </a:ext>
+            </a:extLst>
+          </p:cNvPr>
+          <p:cNvSpPr/>
+          <p:nvPr/>
+        </p:nvSpPr>
+        <p:spPr>
+          <a:xfrm>
+            <a:off x="5505449" y="1803712"/>
+            <a:ext cx="95250" cy="328612"/>
+          </a:xfrm>
+          <a:prstGeom prst="rect">
+            <a:avLst/>
+          </a:prstGeom>
+          <a:noFill/>
+        </p:spPr>
+        <p:style>
+          <a:lnRef idx="2">
+            <a:schemeClr val="accent1">
+              <a:shade val="50000"/>
+            </a:schemeClr>
+          </a:lnRef>
+          <a:fillRef idx="1">
+            <a:schemeClr val="accent1"/>
+          </a:fillRef>
+          <a:effectRef idx="0">
+            <a:schemeClr val="accent1"/>
+          </a:effectRef>
+          <a:fontRef idx="minor">
+            <a:schemeClr val="lt1"/>
+          </a:fontRef>
+        </p:style>
+        <p:txBody>
+          <a:bodyPr rtlCol="0" anchor="ctr"/>
+          <a:lstStyle/>
+          <a:p>
+            <a:pPr algn="ctr"/>
+            <a:endParaRPr lang="zh-CN" altLang="en-US"/>
+          </a:p>
+        </p:txBody>
+      </p:sp>
+      <p:cxnSp>
+        <p:nvCxnSpPr>
+          <p:cNvPr id="35" name="连接符: 肘形 34">
+            <a:extLst>
+              <a:ext uri="{FF2B5EF4-FFF2-40B4-BE49-F238E27FC236}">
+                <a16:creationId xmlns:a16="http://schemas.microsoft.com/office/drawing/2014/main" id="{D9C9F830-6962-4515-8F7C-58F6C2ED2B0B}"/>
+              </a:ext>
+            </a:extLst>
+          </p:cNvPr>
+          <p:cNvCxnSpPr>
+            <a:cxnSpLocks/>
+            <a:endCxn id="33" idx="2"/>
+          </p:cNvCxnSpPr>
+          <p:nvPr/>
+        </p:nvCxnSpPr>
+        <p:spPr>
+          <a:xfrm rot="5400000" flipH="1" flipV="1">
+            <a:off x="4935999" y="2400679"/>
+            <a:ext cx="885430" cy="348720"/>
+          </a:xfrm>
+          <a:prstGeom prst="bentConnector3">
+            <a:avLst>
+              <a:gd name="adj1" fmla="val -291"/>
+            </a:avLst>
+          </a:prstGeom>
+        </p:spPr>
+        <p:style>
+          <a:lnRef idx="2">
+            <a:schemeClr val="accent1"/>
+          </a:lnRef>
+          <a:fillRef idx="0">
+            <a:schemeClr val="accent1"/>
+          </a:fillRef>
+          <a:effectRef idx="1">
+            <a:schemeClr val="accent1"/>
+          </a:effectRef>
+          <a:fontRef idx="minor">
+            <a:schemeClr val="tx1"/>
+          </a:fontRef>
+        </p:style>
+      </p:cxnSp>
+      <p:sp>
+        <p:nvSpPr>
+          <p:cNvPr id="40" name="椭圆 39">
+            <a:extLst>
+              <a:ext uri="{FF2B5EF4-FFF2-40B4-BE49-F238E27FC236}">
+                <a16:creationId xmlns:a16="http://schemas.microsoft.com/office/drawing/2014/main" id="{5D48BC84-9804-4AB6-B3C0-2B1872B61C56}"/>
+              </a:ext>
+            </a:extLst>
+          </p:cNvPr>
+          <p:cNvSpPr/>
+          <p:nvPr/>
+        </p:nvSpPr>
+        <p:spPr>
+          <a:xfrm flipV="1">
+            <a:off x="5530214" y="2340088"/>
+            <a:ext cx="45719" cy="45719"/>
+          </a:xfrm>
+          <a:prstGeom prst="ellipse">
+            <a:avLst/>
+          </a:prstGeom>
+          <a:solidFill>
+            <a:schemeClr val="accent1"/>
+          </a:solidFill>
+          <a:ln>
+            <a:noFill/>
+          </a:ln>
+        </p:spPr>
+        <p:style>
+          <a:lnRef idx="2">
+            <a:schemeClr val="accent1">
+              <a:shade val="50000"/>
+            </a:schemeClr>
+          </a:lnRef>
+          <a:fillRef idx="1">
+            <a:schemeClr val="accent1"/>
+          </a:fillRef>
+          <a:effectRef idx="0">
+            <a:schemeClr val="accent1"/>
+          </a:effectRef>
+          <a:fontRef idx="minor">
+            <a:schemeClr val="lt1"/>
+          </a:fontRef>
+        </p:style>
+        <p:txBody>
+          <a:bodyPr rtlCol="0" anchor="ctr"/>
+          <a:lstStyle/>
+          <a:p>
+            <a:pPr algn="ctr"/>
+            <a:endParaRPr lang="zh-CN" altLang="en-US" sz="1350"/>
+          </a:p>
+        </p:txBody>
+      </p:sp>
+      <p:cxnSp>
+        <p:nvCxnSpPr>
+          <p:cNvPr id="42" name="直接连接符 41">
+            <a:extLst>
+              <a:ext uri="{FF2B5EF4-FFF2-40B4-BE49-F238E27FC236}">
+                <a16:creationId xmlns:a16="http://schemas.microsoft.com/office/drawing/2014/main" id="{37452763-257E-436B-8B2B-66151674AA4E}"/>
+              </a:ext>
+            </a:extLst>
+          </p:cNvPr>
+          <p:cNvCxnSpPr>
+            <a:cxnSpLocks/>
+            <a:stCxn id="33" idx="0"/>
+          </p:cNvCxnSpPr>
+          <p:nvPr/>
+        </p:nvCxnSpPr>
+        <p:spPr>
+          <a:xfrm flipH="1" flipV="1">
+            <a:off x="5553073" y="1631475"/>
+            <a:ext cx="1" cy="172237"/>
+          </a:xfrm>
+          <a:prstGeom prst="line">
+            <a:avLst/>
+          </a:prstGeom>
+        </p:spPr>
+        <p:style>
+          <a:lnRef idx="2">
+            <a:schemeClr val="accent1"/>
+          </a:lnRef>
+          <a:fillRef idx="0">
+            <a:schemeClr val="accent1"/>
+          </a:fillRef>
+          <a:effectRef idx="1">
+            <a:schemeClr val="accent1"/>
+          </a:effectRef>
+          <a:fontRef idx="minor">
+            <a:schemeClr val="tx1"/>
+          </a:fontRef>
+        </p:style>
+      </p:cxnSp>
+      <p:cxnSp>
+        <p:nvCxnSpPr>
+          <p:cNvPr id="44" name="直接连接符 43">
+            <a:extLst>
+              <a:ext uri="{FF2B5EF4-FFF2-40B4-BE49-F238E27FC236}">
+                <a16:creationId xmlns:a16="http://schemas.microsoft.com/office/drawing/2014/main" id="{290B12F7-14F2-473B-8568-203DC6723EFA}"/>
+              </a:ext>
+            </a:extLst>
+          </p:cNvPr>
+          <p:cNvCxnSpPr>
+            <a:cxnSpLocks/>
+          </p:cNvCxnSpPr>
+          <p:nvPr/>
+        </p:nvCxnSpPr>
+        <p:spPr>
+          <a:xfrm flipV="1">
+            <a:off x="5512591" y="1633177"/>
+            <a:ext cx="80963" cy="1"/>
+          </a:xfrm>
+          <a:prstGeom prst="line">
+            <a:avLst/>
+          </a:prstGeom>
+        </p:spPr>
+        <p:style>
+          <a:lnRef idx="2">
+            <a:schemeClr val="accent1"/>
+          </a:lnRef>
+          <a:fillRef idx="0">
+            <a:schemeClr val="accent1"/>
+          </a:fillRef>
+          <a:effectRef idx="1">
+            <a:schemeClr val="accent1"/>
+          </a:effectRef>
+          <a:fontRef idx="minor">
+            <a:schemeClr val="tx1"/>
+          </a:fontRef>
+        </p:style>
+      </p:cxnSp>
+      <p:sp>
+        <p:nvSpPr>
+          <p:cNvPr id="46" name="文本框 45">
+            <a:extLst>
+              <a:ext uri="{FF2B5EF4-FFF2-40B4-BE49-F238E27FC236}">
+                <a16:creationId xmlns:a16="http://schemas.microsoft.com/office/drawing/2014/main" id="{0FE1D9C1-75E5-4E73-9C83-A36825BA04D2}"/>
+              </a:ext>
+            </a:extLst>
+          </p:cNvPr>
+          <p:cNvSpPr txBox="1"/>
+          <p:nvPr/>
+        </p:nvSpPr>
+        <p:spPr>
+          <a:xfrm>
+            <a:off x="4027657" y="2076808"/>
+            <a:ext cx="284052" cy="300082"/>
+          </a:xfrm>
+          <a:prstGeom prst="rect">
+            <a:avLst/>
+          </a:prstGeom>
+          <a:noFill/>
+        </p:spPr>
+        <p:txBody>
+          <a:bodyPr wrap="none" rtlCol="0">
+            <a:spAutoFit/>
+          </a:bodyPr>
+          <a:lstStyle/>
+          <a:p>
+            <a:r>
+              <a:rPr lang="en-US" altLang="zh-CN" sz="1350" dirty="0"/>
+              <a:t>A</a:t>
+            </a:r>
+            <a:endParaRPr lang="zh-CN" altLang="en-US" sz="1350" dirty="0"/>
+          </a:p>
+        </p:txBody>
+      </p:sp>
+      <p:sp>
+        <p:nvSpPr>
+          <p:cNvPr id="47" name="文本框 46">
+            <a:extLst>
+              <a:ext uri="{FF2B5EF4-FFF2-40B4-BE49-F238E27FC236}">
+                <a16:creationId xmlns:a16="http://schemas.microsoft.com/office/drawing/2014/main" id="{8A97F59E-07E6-4553-85FD-77F65866933F}"/>
+              </a:ext>
+            </a:extLst>
+          </p:cNvPr>
+          <p:cNvSpPr txBox="1"/>
+          <p:nvPr/>
+        </p:nvSpPr>
+        <p:spPr>
+          <a:xfrm>
+            <a:off x="4027657" y="2343508"/>
+            <a:ext cx="279244" cy="300082"/>
+          </a:xfrm>
+          <a:prstGeom prst="rect">
+            <a:avLst/>
+          </a:prstGeom>
+          <a:noFill/>
+        </p:spPr>
+        <p:txBody>
+          <a:bodyPr wrap="none" rtlCol="0">
+            <a:spAutoFit/>
+          </a:bodyPr>
+          <a:lstStyle/>
+          <a:p>
+            <a:r>
+              <a:rPr lang="en-US" altLang="zh-CN" sz="1350" dirty="0"/>
+              <a:t>B</a:t>
+            </a:r>
+            <a:endParaRPr lang="zh-CN" altLang="en-US" sz="1350" dirty="0"/>
+          </a:p>
+        </p:txBody>
+      </p:sp>
+      <p:sp>
+        <p:nvSpPr>
+          <p:cNvPr id="48" name="文本框 47">
+            <a:extLst>
+              <a:ext uri="{FF2B5EF4-FFF2-40B4-BE49-F238E27FC236}">
+                <a16:creationId xmlns:a16="http://schemas.microsoft.com/office/drawing/2014/main" id="{CB023016-6662-43E4-9587-EE185F080130}"/>
+              </a:ext>
+            </a:extLst>
+          </p:cNvPr>
+          <p:cNvSpPr txBox="1"/>
+          <p:nvPr/>
+        </p:nvSpPr>
+        <p:spPr>
+          <a:xfrm>
+            <a:off x="4030853" y="2733734"/>
+            <a:ext cx="284052" cy="300082"/>
+          </a:xfrm>
+          <a:prstGeom prst="rect">
+            <a:avLst/>
+          </a:prstGeom>
+          <a:noFill/>
+        </p:spPr>
+        <p:txBody>
+          <a:bodyPr wrap="none" rtlCol="0">
+            <a:spAutoFit/>
+          </a:bodyPr>
+          <a:lstStyle/>
+          <a:p>
+            <a:r>
+              <a:rPr lang="en-US" altLang="zh-CN" sz="1350" dirty="0"/>
+              <a:t>C</a:t>
+            </a:r>
+            <a:endParaRPr lang="zh-CN" altLang="en-US" sz="1350" dirty="0"/>
+          </a:p>
+        </p:txBody>
+      </p:sp>
+      <p:sp>
+        <p:nvSpPr>
+          <p:cNvPr id="49" name="文本框 48">
+            <a:extLst>
+              <a:ext uri="{FF2B5EF4-FFF2-40B4-BE49-F238E27FC236}">
+                <a16:creationId xmlns:a16="http://schemas.microsoft.com/office/drawing/2014/main" id="{2B911F04-B452-4FC5-83DC-DAFAA995B9CA}"/>
+              </a:ext>
+            </a:extLst>
+          </p:cNvPr>
+          <p:cNvSpPr txBox="1"/>
+          <p:nvPr/>
+        </p:nvSpPr>
+        <p:spPr>
+          <a:xfrm>
+            <a:off x="4030853" y="2994552"/>
+            <a:ext cx="290464" cy="300082"/>
+          </a:xfrm>
+          <a:prstGeom prst="rect">
+            <a:avLst/>
+          </a:prstGeom>
+          <a:noFill/>
+        </p:spPr>
+        <p:txBody>
+          <a:bodyPr wrap="none" rtlCol="0">
+            <a:spAutoFit/>
+          </a:bodyPr>
+          <a:lstStyle/>
+          <a:p>
+            <a:r>
+              <a:rPr lang="en-US" altLang="zh-CN" sz="1350" dirty="0"/>
+              <a:t>D</a:t>
+            </a:r>
+            <a:endParaRPr lang="zh-CN" altLang="en-US" sz="1350" dirty="0"/>
+          </a:p>
+        </p:txBody>
+      </p:sp>
+      <p:sp>
+        <p:nvSpPr>
+          <p:cNvPr id="50" name="文本框 49">
+            <a:extLst>
+              <a:ext uri="{FF2B5EF4-FFF2-40B4-BE49-F238E27FC236}">
+                <a16:creationId xmlns:a16="http://schemas.microsoft.com/office/drawing/2014/main" id="{D8CB26C1-4CFA-4EA2-88FD-4511D67BFA5C}"/>
+              </a:ext>
+            </a:extLst>
+          </p:cNvPr>
+          <p:cNvSpPr txBox="1"/>
+          <p:nvPr/>
+        </p:nvSpPr>
+        <p:spPr>
+          <a:xfrm>
+            <a:off x="5921375" y="2210787"/>
+            <a:ext cx="264816" cy="300082"/>
+          </a:xfrm>
+          <a:prstGeom prst="rect">
+            <a:avLst/>
+          </a:prstGeom>
+          <a:noFill/>
+        </p:spPr>
+        <p:txBody>
+          <a:bodyPr wrap="none" rtlCol="0">
+            <a:spAutoFit/>
+          </a:bodyPr>
+          <a:lstStyle/>
+          <a:p>
+            <a:r>
+              <a:rPr lang="en-US" altLang="zh-CN" sz="1350" dirty="0"/>
+              <a:t>F</a:t>
+            </a:r>
+            <a:endParaRPr lang="zh-CN" altLang="en-US" sz="1350" dirty="0"/>
+          </a:p>
+        </p:txBody>
+      </p:sp>
+      <p:sp>
+        <p:nvSpPr>
+          <p:cNvPr id="51" name="文本框 50">
+            <a:extLst>
+              <a:ext uri="{FF2B5EF4-FFF2-40B4-BE49-F238E27FC236}">
+                <a16:creationId xmlns:a16="http://schemas.microsoft.com/office/drawing/2014/main" id="{446069CB-9623-406A-877B-C07E86469ACF}"/>
+              </a:ext>
+            </a:extLst>
+          </p:cNvPr>
+          <p:cNvSpPr txBox="1"/>
+          <p:nvPr/>
+        </p:nvSpPr>
+        <p:spPr>
+          <a:xfrm>
+            <a:off x="4602426" y="3290572"/>
+            <a:ext cx="984565" cy="300082"/>
+          </a:xfrm>
+          <a:prstGeom prst="rect">
+            <a:avLst/>
+          </a:prstGeom>
+          <a:noFill/>
+        </p:spPr>
+        <p:txBody>
+          <a:bodyPr wrap="none" rtlCol="0">
+            <a:spAutoFit/>
+          </a:bodyPr>
+          <a:lstStyle/>
+          <a:p>
+            <a:r>
+              <a:rPr lang="en-US" altLang="zh-CN" sz="1350" dirty="0"/>
+              <a:t>F = AB + CD</a:t>
+            </a:r>
+            <a:endParaRPr lang="zh-CN" altLang="en-US" sz="1350" dirty="0"/>
+          </a:p>
+        </p:txBody>
+      </p:sp>
+      <p:cxnSp>
+        <p:nvCxnSpPr>
+          <p:cNvPr id="53" name="直接连接符 52">
+            <a:extLst>
+              <a:ext uri="{FF2B5EF4-FFF2-40B4-BE49-F238E27FC236}">
+                <a16:creationId xmlns:a16="http://schemas.microsoft.com/office/drawing/2014/main" id="{8129CA16-F80A-4588-B592-DB372983E59D}"/>
+              </a:ext>
+            </a:extLst>
+          </p:cNvPr>
+          <p:cNvCxnSpPr>
+            <a:cxnSpLocks/>
+          </p:cNvCxnSpPr>
+          <p:nvPr/>
+        </p:nvCxnSpPr>
+        <p:spPr>
+          <a:xfrm>
+            <a:off x="4933950" y="3346366"/>
+            <a:ext cx="538163" cy="0"/>
+          </a:xfrm>
+          <a:prstGeom prst="line">
+            <a:avLst/>
+          </a:prstGeom>
+        </p:spPr>
+        <p:style>
+          <a:lnRef idx="2">
+            <a:schemeClr val="dk1"/>
+          </a:lnRef>
+          <a:fillRef idx="0">
+            <a:schemeClr val="dk1"/>
+          </a:fillRef>
+          <a:effectRef idx="1">
+            <a:schemeClr val="dk1"/>
+          </a:effectRef>
+          <a:fontRef idx="minor">
+            <a:schemeClr val="tx1"/>
+          </a:fontRef>
+        </p:style>
+      </p:cxnSp>
+    </p:spTree>
+    <p:extLst>
+      <p:ext uri="{BB962C8B-B14F-4D97-AF65-F5344CB8AC3E}">
+        <p14:creationId xmlns:p14="http://schemas.microsoft.com/office/powerpoint/2010/main" val="3547514564"/>
+      </p:ext>
+    </p:extLst>
+  </p:cSld>
+  <p:clrMapOvr>
+    <a:masterClrMapping/>
+  </p:clrMapOvr>
+</p:sld>
+</file>
+
 <file path=ppt/theme/theme1.xml><?xml version="1.0" encoding="utf-8"?>
 <a:theme xmlns:a="http://schemas.openxmlformats.org/drawingml/2006/main" name="Office 主题​​">
   <a:themeElements>
